--- a/MECM PT/Release V1.0/MECM ETSI Alignment.pptx
+++ b/MECM PT/Release V1.0/MECM ETSI Alignment.pptx
@@ -23,16 +23,19 @@
     <p:sldId id="268" r:id="rId19"/>
     <p:sldId id="269" r:id="rId20"/>
     <p:sldId id="270" r:id="rId21"/>
+    <p:sldId id="271" r:id="rId22"/>
+    <p:sldId id="272" r:id="rId23"/>
+    <p:sldId id="273" r:id="rId24"/>
   </p:sldIdLst>
   <p:sldSz cy="5143500" cx="9144000"/>
   <p:notesSz cx="6858000" cy="9144000"/>
   <p:embeddedFontLst>
     <p:embeddedFont>
       <p:font typeface="Roboto"/>
-      <p:regular r:id="rId22"/>
-      <p:bold r:id="rId23"/>
-      <p:italic r:id="rId24"/>
-      <p:boldItalic r:id="rId25"/>
+      <p:regular r:id="rId25"/>
+      <p:bold r:id="rId26"/>
+      <p:italic r:id="rId27"/>
+      <p:boldItalic r:id="rId28"/>
     </p:embeddedFont>
   </p:embeddedFontLst>
   <p:defaultTextStyle>
@@ -813,7 +816,7 @@
   <p:cSld>
     <p:spTree>
       <p:nvGrpSpPr>
-        <p:cNvPr id="343" name="Shape 343"/>
+        <p:cNvPr id="344" name="Shape 344"/>
         <p:cNvGrpSpPr/>
         <p:nvPr/>
       </p:nvGrpSpPr>
@@ -827,7 +830,7 @@
       </p:grpSpPr>
       <p:sp>
         <p:nvSpPr>
-          <p:cNvPr id="344" name="Google Shape;344;g9e7df42246_1_243:notes"/>
+          <p:cNvPr id="345" name="Google Shape;345;g9e7df42246_1_243:notes"/>
           <p:cNvSpPr/>
           <p:nvPr>
             <p:ph idx="2" type="sldImg"/>
@@ -862,7 +865,7 @@
       </p:sp>
       <p:sp>
         <p:nvSpPr>
-          <p:cNvPr id="345" name="Google Shape;345;g9e7df42246_1_243:notes"/>
+          <p:cNvPr id="346" name="Google Shape;346;g9e7df42246_1_243:notes"/>
           <p:cNvSpPr txBox="1"/>
           <p:nvPr>
             <p:ph idx="1" type="body"/>
@@ -912,7 +915,7 @@
   <p:cSld>
     <p:spTree>
       <p:nvGrpSpPr>
-        <p:cNvPr id="470" name="Shape 470"/>
+        <p:cNvPr id="471" name="Shape 471"/>
         <p:cNvGrpSpPr/>
         <p:nvPr/>
       </p:nvGrpSpPr>
@@ -926,7 +929,7 @@
       </p:grpSpPr>
       <p:sp>
         <p:nvSpPr>
-          <p:cNvPr id="471" name="Google Shape;471;g9e7df42246_1_666:notes"/>
+          <p:cNvPr id="472" name="Google Shape;472;g9e7df42246_1_666:notes"/>
           <p:cNvSpPr/>
           <p:nvPr>
             <p:ph idx="2" type="sldImg"/>
@@ -961,7 +964,7 @@
       </p:sp>
       <p:sp>
         <p:nvSpPr>
-          <p:cNvPr id="472" name="Google Shape;472;g9e7df42246_1_666:notes"/>
+          <p:cNvPr id="473" name="Google Shape;473;g9e7df42246_1_666:notes"/>
           <p:cNvSpPr txBox="1"/>
           <p:nvPr>
             <p:ph idx="1" type="body"/>
@@ -1011,7 +1014,7 @@
   <p:cSld>
     <p:spTree>
       <p:nvGrpSpPr>
-        <p:cNvPr id="517" name="Shape 517"/>
+        <p:cNvPr id="518" name="Shape 518"/>
         <p:cNvGrpSpPr/>
         <p:nvPr/>
       </p:nvGrpSpPr>
@@ -1025,7 +1028,7 @@
       </p:grpSpPr>
       <p:sp>
         <p:nvSpPr>
-          <p:cNvPr id="518" name="Google Shape;518;ga1dd5590b1_0_194:notes"/>
+          <p:cNvPr id="519" name="Google Shape;519;ga1dd5590b1_0_194:notes"/>
           <p:cNvSpPr/>
           <p:nvPr>
             <p:ph idx="2" type="sldImg"/>
@@ -1060,7 +1063,7 @@
       </p:sp>
       <p:sp>
         <p:nvSpPr>
-          <p:cNvPr id="519" name="Google Shape;519;ga1dd5590b1_0_194:notes"/>
+          <p:cNvPr id="520" name="Google Shape;520;ga1dd5590b1_0_194:notes"/>
           <p:cNvSpPr txBox="1"/>
           <p:nvPr>
             <p:ph idx="1" type="body"/>
@@ -1110,7 +1113,7 @@
   <p:cSld>
     <p:spTree>
       <p:nvGrpSpPr>
-        <p:cNvPr id="530" name="Shape 530"/>
+        <p:cNvPr id="531" name="Shape 531"/>
         <p:cNvGrpSpPr/>
         <p:nvPr/>
       </p:nvGrpSpPr>
@@ -1124,7 +1127,7 @@
       </p:grpSpPr>
       <p:sp>
         <p:nvSpPr>
-          <p:cNvPr id="531" name="Google Shape;531;ga3cdc97fd9_0_132:notes"/>
+          <p:cNvPr id="532" name="Google Shape;532;ga3cdc97fd9_0_132:notes"/>
           <p:cNvSpPr/>
           <p:nvPr>
             <p:ph idx="2" type="sldImg"/>
@@ -1159,7 +1162,7 @@
       </p:sp>
       <p:sp>
         <p:nvSpPr>
-          <p:cNvPr id="532" name="Google Shape;532;ga3cdc97fd9_0_132:notes"/>
+          <p:cNvPr id="533" name="Google Shape;533;ga3cdc97fd9_0_132:notes"/>
           <p:cNvSpPr txBox="1"/>
           <p:nvPr>
             <p:ph idx="1" type="body"/>
@@ -1209,7 +1212,7 @@
   <p:cSld>
     <p:spTree>
       <p:nvGrpSpPr>
-        <p:cNvPr id="542" name="Shape 542"/>
+        <p:cNvPr id="543" name="Shape 543"/>
         <p:cNvGrpSpPr/>
         <p:nvPr/>
       </p:nvGrpSpPr>
@@ -1223,7 +1226,7 @@
       </p:grpSpPr>
       <p:sp>
         <p:nvSpPr>
-          <p:cNvPr id="543" name="Google Shape;543;g9e7df42246_0_39:notes"/>
+          <p:cNvPr id="544" name="Google Shape;544;g9e7df42246_0_39:notes"/>
           <p:cNvSpPr/>
           <p:nvPr>
             <p:ph idx="2" type="sldImg"/>
@@ -1258,7 +1261,7 @@
       </p:sp>
       <p:sp>
         <p:nvSpPr>
-          <p:cNvPr id="544" name="Google Shape;544;g9e7df42246_0_39:notes"/>
+          <p:cNvPr id="545" name="Google Shape;545;g9e7df42246_0_39:notes"/>
           <p:cNvSpPr txBox="1"/>
           <p:nvPr>
             <p:ph idx="1" type="body"/>
@@ -1308,7 +1311,7 @@
   <p:cSld>
     <p:spTree>
       <p:nvGrpSpPr>
-        <p:cNvPr id="569" name="Shape 569"/>
+        <p:cNvPr id="570" name="Shape 570"/>
         <p:cNvGrpSpPr/>
         <p:nvPr/>
       </p:nvGrpSpPr>
@@ -1322,7 +1325,7 @@
       </p:grpSpPr>
       <p:sp>
         <p:nvSpPr>
-          <p:cNvPr id="570" name="Google Shape;570;ga482cfb141_2_77:notes"/>
+          <p:cNvPr id="571" name="Google Shape;571;ga48347c850_0_3:notes"/>
           <p:cNvSpPr/>
           <p:nvPr>
             <p:ph idx="2" type="sldImg"/>
@@ -1357,7 +1360,7 @@
       </p:sp>
       <p:sp>
         <p:nvSpPr>
-          <p:cNvPr id="571" name="Google Shape;571;ga482cfb141_2_77:notes"/>
+          <p:cNvPr id="572" name="Google Shape;572;ga48347c850_0_3:notes"/>
           <p:cNvSpPr txBox="1"/>
           <p:nvPr>
             <p:ph idx="1" type="body"/>
@@ -1402,12 +1405,12 @@
 </p:notes>
 </file>
 
-<file path=ppt/notesSlides/notesSlide2.xml><?xml version="1.0" encoding="utf-8"?>
+<file path=ppt/notesSlides/notesSlide16.xml><?xml version="1.0" encoding="utf-8"?>
 <p:notes xmlns:a="http://schemas.openxmlformats.org/drawingml/2006/main" xmlns:r="http://schemas.openxmlformats.org/officeDocument/2006/relationships" xmlns:mc="http://schemas.openxmlformats.org/markup-compatibility/2006" xmlns:mv="urn:schemas-microsoft-com:mac:vml" xmlns:p="http://schemas.openxmlformats.org/presentationml/2006/main" xmlns:c="http://schemas.openxmlformats.org/drawingml/2006/chart" xmlns:dgm="http://schemas.openxmlformats.org/drawingml/2006/diagram" xmlns:o="urn:schemas-microsoft-com:office:office" xmlns:v="urn:schemas-microsoft-com:vml" xmlns:pvml="urn:schemas-microsoft-com:office:powerpoint" xmlns:com="http://schemas.openxmlformats.org/drawingml/2006/compatibility" xmlns:p14="http://schemas.microsoft.com/office/powerpoint/2010/main" xmlns:p15="http://schemas.microsoft.com/office/powerpoint/2012/main" xmlns:ahyp="http://schemas.microsoft.com/office/drawing/2018/hyperlinkcolor" showMasterPhAnim="0" showMasterSp="0">
   <p:cSld>
     <p:spTree>
       <p:nvGrpSpPr>
-        <p:cNvPr id="55" name="Shape 55"/>
+        <p:cNvPr id="597" name="Shape 597"/>
         <p:cNvGrpSpPr/>
         <p:nvPr/>
       </p:nvGrpSpPr>
@@ -1421,7 +1424,7 @@
       </p:grpSpPr>
       <p:sp>
         <p:nvSpPr>
-          <p:cNvPr id="56" name="Google Shape;56;g9e7df42246_1_33:notes"/>
+          <p:cNvPr id="598" name="Google Shape;598;ga48347c850_0_54:notes"/>
           <p:cNvSpPr/>
           <p:nvPr>
             <p:ph idx="2" type="sldImg"/>
@@ -1456,7 +1459,7 @@
       </p:sp>
       <p:sp>
         <p:nvSpPr>
-          <p:cNvPr id="57" name="Google Shape;57;g9e7df42246_1_33:notes"/>
+          <p:cNvPr id="599" name="Google Shape;599;ga48347c850_0_54:notes"/>
           <p:cNvSpPr txBox="1"/>
           <p:nvPr>
             <p:ph idx="1" type="body"/>
@@ -1501,12 +1504,12 @@
 </p:notes>
 </file>
 
-<file path=ppt/notesSlides/notesSlide3.xml><?xml version="1.0" encoding="utf-8"?>
+<file path=ppt/notesSlides/notesSlide17.xml><?xml version="1.0" encoding="utf-8"?>
 <p:notes xmlns:a="http://schemas.openxmlformats.org/drawingml/2006/main" xmlns:r="http://schemas.openxmlformats.org/officeDocument/2006/relationships" xmlns:mc="http://schemas.openxmlformats.org/markup-compatibility/2006" xmlns:mv="urn:schemas-microsoft-com:mac:vml" xmlns:p="http://schemas.openxmlformats.org/presentationml/2006/main" xmlns:c="http://schemas.openxmlformats.org/drawingml/2006/chart" xmlns:dgm="http://schemas.openxmlformats.org/drawingml/2006/diagram" xmlns:o="urn:schemas-microsoft-com:office:office" xmlns:v="urn:schemas-microsoft-com:vml" xmlns:pvml="urn:schemas-microsoft-com:office:powerpoint" xmlns:com="http://schemas.openxmlformats.org/drawingml/2006/compatibility" xmlns:p14="http://schemas.microsoft.com/office/powerpoint/2010/main" xmlns:p15="http://schemas.microsoft.com/office/powerpoint/2012/main" xmlns:ahyp="http://schemas.microsoft.com/office/drawing/2018/hyperlinkcolor" showMasterPhAnim="0" showMasterSp="0">
   <p:cSld>
     <p:spTree>
       <p:nvGrpSpPr>
-        <p:cNvPr id="92" name="Shape 92"/>
+        <p:cNvPr id="625" name="Shape 625"/>
         <p:cNvGrpSpPr/>
         <p:nvPr/>
       </p:nvGrpSpPr>
@@ -1520,7 +1523,7 @@
       </p:grpSpPr>
       <p:sp>
         <p:nvSpPr>
-          <p:cNvPr id="93" name="Google Shape;93;ga482cfb141_0_214:notes"/>
+          <p:cNvPr id="626" name="Google Shape;626;ga48347c850_0_90:notes"/>
           <p:cNvSpPr/>
           <p:nvPr>
             <p:ph idx="2" type="sldImg"/>
@@ -1555,7 +1558,7 @@
       </p:sp>
       <p:sp>
         <p:nvSpPr>
-          <p:cNvPr id="94" name="Google Shape;94;ga482cfb141_0_214:notes"/>
+          <p:cNvPr id="627" name="Google Shape;627;ga48347c850_0_90:notes"/>
           <p:cNvSpPr txBox="1"/>
           <p:nvPr>
             <p:ph idx="1" type="body"/>
@@ -1600,12 +1603,12 @@
 </p:notes>
 </file>
 
-<file path=ppt/notesSlides/notesSlide4.xml><?xml version="1.0" encoding="utf-8"?>
+<file path=ppt/notesSlides/notesSlide18.xml><?xml version="1.0" encoding="utf-8"?>
 <p:notes xmlns:a="http://schemas.openxmlformats.org/drawingml/2006/main" xmlns:r="http://schemas.openxmlformats.org/officeDocument/2006/relationships" xmlns:mc="http://schemas.openxmlformats.org/markup-compatibility/2006" xmlns:mv="urn:schemas-microsoft-com:mac:vml" xmlns:p="http://schemas.openxmlformats.org/presentationml/2006/main" xmlns:c="http://schemas.openxmlformats.org/drawingml/2006/chart" xmlns:dgm="http://schemas.openxmlformats.org/drawingml/2006/diagram" xmlns:o="urn:schemas-microsoft-com:office:office" xmlns:v="urn:schemas-microsoft-com:vml" xmlns:pvml="urn:schemas-microsoft-com:office:powerpoint" xmlns:com="http://schemas.openxmlformats.org/drawingml/2006/compatibility" xmlns:p14="http://schemas.microsoft.com/office/powerpoint/2010/main" xmlns:p15="http://schemas.microsoft.com/office/powerpoint/2012/main" xmlns:ahyp="http://schemas.microsoft.com/office/drawing/2018/hyperlinkcolor" showMasterPhAnim="0" showMasterSp="0">
   <p:cSld>
     <p:spTree>
       <p:nvGrpSpPr>
-        <p:cNvPr id="121" name="Shape 121"/>
+        <p:cNvPr id="656" name="Shape 656"/>
         <p:cNvGrpSpPr/>
         <p:nvPr/>
       </p:nvGrpSpPr>
@@ -1619,7 +1622,7 @@
       </p:grpSpPr>
       <p:sp>
         <p:nvSpPr>
-          <p:cNvPr id="122" name="Google Shape;122;g9e7df42246_0_14:notes"/>
+          <p:cNvPr id="657" name="Google Shape;657;ga482cfb141_2_77:notes"/>
           <p:cNvSpPr/>
           <p:nvPr>
             <p:ph idx="2" type="sldImg"/>
@@ -1654,7 +1657,7 @@
       </p:sp>
       <p:sp>
         <p:nvSpPr>
-          <p:cNvPr id="123" name="Google Shape;123;g9e7df42246_0_14:notes"/>
+          <p:cNvPr id="658" name="Google Shape;658;ga482cfb141_2_77:notes"/>
           <p:cNvSpPr txBox="1"/>
           <p:nvPr>
             <p:ph idx="1" type="body"/>
@@ -1699,12 +1702,12 @@
 </p:notes>
 </file>
 
-<file path=ppt/notesSlides/notesSlide5.xml><?xml version="1.0" encoding="utf-8"?>
+<file path=ppt/notesSlides/notesSlide2.xml><?xml version="1.0" encoding="utf-8"?>
 <p:notes xmlns:a="http://schemas.openxmlformats.org/drawingml/2006/main" xmlns:r="http://schemas.openxmlformats.org/officeDocument/2006/relationships" xmlns:mc="http://schemas.openxmlformats.org/markup-compatibility/2006" xmlns:mv="urn:schemas-microsoft-com:mac:vml" xmlns:p="http://schemas.openxmlformats.org/presentationml/2006/main" xmlns:c="http://schemas.openxmlformats.org/drawingml/2006/chart" xmlns:dgm="http://schemas.openxmlformats.org/drawingml/2006/diagram" xmlns:o="urn:schemas-microsoft-com:office:office" xmlns:v="urn:schemas-microsoft-com:vml" xmlns:pvml="urn:schemas-microsoft-com:office:powerpoint" xmlns:com="http://schemas.openxmlformats.org/drawingml/2006/compatibility" xmlns:p14="http://schemas.microsoft.com/office/powerpoint/2010/main" xmlns:p15="http://schemas.microsoft.com/office/powerpoint/2012/main" xmlns:ahyp="http://schemas.microsoft.com/office/drawing/2018/hyperlinkcolor" showMasterPhAnim="0" showMasterSp="0">
   <p:cSld>
     <p:spTree>
       <p:nvGrpSpPr>
-        <p:cNvPr id="169" name="Shape 169"/>
+        <p:cNvPr id="56" name="Shape 56"/>
         <p:cNvGrpSpPr/>
         <p:nvPr/>
       </p:nvGrpSpPr>
@@ -1718,7 +1721,7 @@
       </p:grpSpPr>
       <p:sp>
         <p:nvSpPr>
-          <p:cNvPr id="170" name="Google Shape;170;ga482cfb141_1_18:notes"/>
+          <p:cNvPr id="57" name="Google Shape;57;g9e7df42246_1_33:notes"/>
           <p:cNvSpPr/>
           <p:nvPr>
             <p:ph idx="2" type="sldImg"/>
@@ -1753,7 +1756,7 @@
       </p:sp>
       <p:sp>
         <p:nvSpPr>
-          <p:cNvPr id="171" name="Google Shape;171;ga482cfb141_1_18:notes"/>
+          <p:cNvPr id="58" name="Google Shape;58;g9e7df42246_1_33:notes"/>
           <p:cNvSpPr txBox="1"/>
           <p:nvPr>
             <p:ph idx="1" type="body"/>
@@ -1798,12 +1801,12 @@
 </p:notes>
 </file>
 
-<file path=ppt/notesSlides/notesSlide6.xml><?xml version="1.0" encoding="utf-8"?>
+<file path=ppt/notesSlides/notesSlide3.xml><?xml version="1.0" encoding="utf-8"?>
 <p:notes xmlns:a="http://schemas.openxmlformats.org/drawingml/2006/main" xmlns:r="http://schemas.openxmlformats.org/officeDocument/2006/relationships" xmlns:mc="http://schemas.openxmlformats.org/markup-compatibility/2006" xmlns:mv="urn:schemas-microsoft-com:mac:vml" xmlns:p="http://schemas.openxmlformats.org/presentationml/2006/main" xmlns:c="http://schemas.openxmlformats.org/drawingml/2006/chart" xmlns:dgm="http://schemas.openxmlformats.org/drawingml/2006/diagram" xmlns:o="urn:schemas-microsoft-com:office:office" xmlns:v="urn:schemas-microsoft-com:vml" xmlns:pvml="urn:schemas-microsoft-com:office:powerpoint" xmlns:com="http://schemas.openxmlformats.org/drawingml/2006/compatibility" xmlns:p14="http://schemas.microsoft.com/office/powerpoint/2010/main" xmlns:p15="http://schemas.microsoft.com/office/powerpoint/2012/main" xmlns:ahyp="http://schemas.microsoft.com/office/drawing/2018/hyperlinkcolor" showMasterPhAnim="0" showMasterSp="0">
   <p:cSld>
     <p:spTree>
       <p:nvGrpSpPr>
-        <p:cNvPr id="238" name="Shape 238"/>
+        <p:cNvPr id="93" name="Shape 93"/>
         <p:cNvGrpSpPr/>
         <p:nvPr/>
       </p:nvGrpSpPr>
@@ -1817,7 +1820,7 @@
       </p:grpSpPr>
       <p:sp>
         <p:nvSpPr>
-          <p:cNvPr id="239" name="Google Shape;239;ga1dd5590b1_0_0:notes"/>
+          <p:cNvPr id="94" name="Google Shape;94;ga482cfb141_0_214:notes"/>
           <p:cNvSpPr/>
           <p:nvPr>
             <p:ph idx="2" type="sldImg"/>
@@ -1852,7 +1855,7 @@
       </p:sp>
       <p:sp>
         <p:nvSpPr>
-          <p:cNvPr id="240" name="Google Shape;240;ga1dd5590b1_0_0:notes"/>
+          <p:cNvPr id="95" name="Google Shape;95;ga482cfb141_0_214:notes"/>
           <p:cNvSpPr txBox="1"/>
           <p:nvPr>
             <p:ph idx="1" type="body"/>
@@ -1897,12 +1900,12 @@
 </p:notes>
 </file>
 
-<file path=ppt/notesSlides/notesSlide7.xml><?xml version="1.0" encoding="utf-8"?>
+<file path=ppt/notesSlides/notesSlide4.xml><?xml version="1.0" encoding="utf-8"?>
 <p:notes xmlns:a="http://schemas.openxmlformats.org/drawingml/2006/main" xmlns:r="http://schemas.openxmlformats.org/officeDocument/2006/relationships" xmlns:mc="http://schemas.openxmlformats.org/markup-compatibility/2006" xmlns:mv="urn:schemas-microsoft-com:mac:vml" xmlns:p="http://schemas.openxmlformats.org/presentationml/2006/main" xmlns:c="http://schemas.openxmlformats.org/drawingml/2006/chart" xmlns:dgm="http://schemas.openxmlformats.org/drawingml/2006/diagram" xmlns:o="urn:schemas-microsoft-com:office:office" xmlns:v="urn:schemas-microsoft-com:vml" xmlns:pvml="urn:schemas-microsoft-com:office:powerpoint" xmlns:com="http://schemas.openxmlformats.org/drawingml/2006/compatibility" xmlns:p14="http://schemas.microsoft.com/office/powerpoint/2010/main" xmlns:p15="http://schemas.microsoft.com/office/powerpoint/2012/main" xmlns:ahyp="http://schemas.microsoft.com/office/drawing/2018/hyperlinkcolor" showMasterPhAnim="0" showMasterSp="0">
   <p:cSld>
     <p:spTree>
       <p:nvGrpSpPr>
-        <p:cNvPr id="247" name="Shape 247"/>
+        <p:cNvPr id="122" name="Shape 122"/>
         <p:cNvGrpSpPr/>
         <p:nvPr/>
       </p:nvGrpSpPr>
@@ -1916,7 +1919,7 @@
       </p:grpSpPr>
       <p:sp>
         <p:nvSpPr>
-          <p:cNvPr id="248" name="Google Shape;248;ga3cdc97fd9_0_150:notes"/>
+          <p:cNvPr id="123" name="Google Shape;123;g9e7df42246_0_14:notes"/>
           <p:cNvSpPr/>
           <p:nvPr>
             <p:ph idx="2" type="sldImg"/>
@@ -1951,7 +1954,7 @@
       </p:sp>
       <p:sp>
         <p:nvSpPr>
-          <p:cNvPr id="249" name="Google Shape;249;ga3cdc97fd9_0_150:notes"/>
+          <p:cNvPr id="124" name="Google Shape;124;g9e7df42246_0_14:notes"/>
           <p:cNvSpPr txBox="1"/>
           <p:nvPr>
             <p:ph idx="1" type="body"/>
@@ -1996,12 +1999,12 @@
 </p:notes>
 </file>
 
-<file path=ppt/notesSlides/notesSlide8.xml><?xml version="1.0" encoding="utf-8"?>
+<file path=ppt/notesSlides/notesSlide5.xml><?xml version="1.0" encoding="utf-8"?>
 <p:notes xmlns:a="http://schemas.openxmlformats.org/drawingml/2006/main" xmlns:r="http://schemas.openxmlformats.org/officeDocument/2006/relationships" xmlns:mc="http://schemas.openxmlformats.org/markup-compatibility/2006" xmlns:mv="urn:schemas-microsoft-com:mac:vml" xmlns:p="http://schemas.openxmlformats.org/presentationml/2006/main" xmlns:c="http://schemas.openxmlformats.org/drawingml/2006/chart" xmlns:dgm="http://schemas.openxmlformats.org/drawingml/2006/diagram" xmlns:o="urn:schemas-microsoft-com:office:office" xmlns:v="urn:schemas-microsoft-com:vml" xmlns:pvml="urn:schemas-microsoft-com:office:powerpoint" xmlns:com="http://schemas.openxmlformats.org/drawingml/2006/compatibility" xmlns:p14="http://schemas.microsoft.com/office/powerpoint/2010/main" xmlns:p15="http://schemas.microsoft.com/office/powerpoint/2012/main" xmlns:ahyp="http://schemas.microsoft.com/office/drawing/2018/hyperlinkcolor" showMasterPhAnim="0" showMasterSp="0">
   <p:cSld>
     <p:spTree>
       <p:nvGrpSpPr>
-        <p:cNvPr id="256" name="Shape 256"/>
+        <p:cNvPr id="170" name="Shape 170"/>
         <p:cNvGrpSpPr/>
         <p:nvPr/>
       </p:nvGrpSpPr>
@@ -2015,7 +2018,7 @@
       </p:grpSpPr>
       <p:sp>
         <p:nvSpPr>
-          <p:cNvPr id="257" name="Google Shape;257;ga482cfb141_2_11:notes"/>
+          <p:cNvPr id="171" name="Google Shape;171;ga482cfb141_1_18:notes"/>
           <p:cNvSpPr/>
           <p:nvPr>
             <p:ph idx="2" type="sldImg"/>
@@ -2050,7 +2053,7 @@
       </p:sp>
       <p:sp>
         <p:nvSpPr>
-          <p:cNvPr id="258" name="Google Shape;258;ga482cfb141_2_11:notes"/>
+          <p:cNvPr id="172" name="Google Shape;172;ga482cfb141_1_18:notes"/>
           <p:cNvSpPr txBox="1"/>
           <p:nvPr>
             <p:ph idx="1" type="body"/>
@@ -2095,12 +2098,12 @@
 </p:notes>
 </file>
 
-<file path=ppt/notesSlides/notesSlide9.xml><?xml version="1.0" encoding="utf-8"?>
+<file path=ppt/notesSlides/notesSlide6.xml><?xml version="1.0" encoding="utf-8"?>
 <p:notes xmlns:a="http://schemas.openxmlformats.org/drawingml/2006/main" xmlns:r="http://schemas.openxmlformats.org/officeDocument/2006/relationships" xmlns:mc="http://schemas.openxmlformats.org/markup-compatibility/2006" xmlns:mv="urn:schemas-microsoft-com:mac:vml" xmlns:p="http://schemas.openxmlformats.org/presentationml/2006/main" xmlns:c="http://schemas.openxmlformats.org/drawingml/2006/chart" xmlns:dgm="http://schemas.openxmlformats.org/drawingml/2006/diagram" xmlns:o="urn:schemas-microsoft-com:office:office" xmlns:v="urn:schemas-microsoft-com:vml" xmlns:pvml="urn:schemas-microsoft-com:office:powerpoint" xmlns:com="http://schemas.openxmlformats.org/drawingml/2006/compatibility" xmlns:p14="http://schemas.microsoft.com/office/powerpoint/2010/main" xmlns:p15="http://schemas.microsoft.com/office/powerpoint/2012/main" xmlns:ahyp="http://schemas.microsoft.com/office/drawing/2018/hyperlinkcolor" showMasterPhAnim="0" showMasterSp="0">
   <p:cSld>
     <p:spTree>
       <p:nvGrpSpPr>
-        <p:cNvPr id="263" name="Shape 263"/>
+        <p:cNvPr id="239" name="Shape 239"/>
         <p:cNvGrpSpPr/>
         <p:nvPr/>
       </p:nvGrpSpPr>
@@ -2114,7 +2117,7 @@
       </p:grpSpPr>
       <p:sp>
         <p:nvSpPr>
-          <p:cNvPr id="264" name="Google Shape;264;g9e74d52aaf_0_202:notes"/>
+          <p:cNvPr id="240" name="Google Shape;240;ga1dd5590b1_0_0:notes"/>
           <p:cNvSpPr/>
           <p:nvPr>
             <p:ph idx="2" type="sldImg"/>
@@ -2149,7 +2152,304 @@
       </p:sp>
       <p:sp>
         <p:nvSpPr>
+          <p:cNvPr id="241" name="Google Shape;241;ga1dd5590b1_0_0:notes"/>
+          <p:cNvSpPr txBox="1"/>
+          <p:nvPr>
+            <p:ph idx="1" type="body"/>
+          </p:nvPr>
+        </p:nvSpPr>
+        <p:spPr>
+          <a:xfrm>
+            <a:off x="685800" y="4343400"/>
+            <a:ext cx="5486400" cy="4114800"/>
+          </a:xfrm>
+          <a:prstGeom prst="rect">
+            <a:avLst/>
+          </a:prstGeom>
+        </p:spPr>
+        <p:txBody>
+          <a:bodyPr anchorCtr="0" anchor="t" bIns="91425" lIns="91425" spcFirstLastPara="1" rIns="91425" wrap="square" tIns="91425">
+            <a:noAutofit/>
+          </a:bodyPr>
+          <a:lstStyle/>
+          <a:p>
+            <a:pPr indent="0" lvl="0" marL="0" rtl="0" algn="l">
+              <a:spcBef>
+                <a:spcPts val="0"/>
+              </a:spcBef>
+              <a:spcAft>
+                <a:spcPts val="0"/>
+              </a:spcAft>
+              <a:buNone/>
+            </a:pPr>
+            <a:r>
+              <a:t/>
+            </a:r>
+            <a:endParaRPr/>
+          </a:p>
+        </p:txBody>
+      </p:sp>
+    </p:spTree>
+  </p:cSld>
+  <p:clrMapOvr>
+    <a:masterClrMapping/>
+  </p:clrMapOvr>
+</p:notes>
+</file>
+
+<file path=ppt/notesSlides/notesSlide7.xml><?xml version="1.0" encoding="utf-8"?>
+<p:notes xmlns:a="http://schemas.openxmlformats.org/drawingml/2006/main" xmlns:r="http://schemas.openxmlformats.org/officeDocument/2006/relationships" xmlns:mc="http://schemas.openxmlformats.org/markup-compatibility/2006" xmlns:mv="urn:schemas-microsoft-com:mac:vml" xmlns:p="http://schemas.openxmlformats.org/presentationml/2006/main" xmlns:c="http://schemas.openxmlformats.org/drawingml/2006/chart" xmlns:dgm="http://schemas.openxmlformats.org/drawingml/2006/diagram" xmlns:o="urn:schemas-microsoft-com:office:office" xmlns:v="urn:schemas-microsoft-com:vml" xmlns:pvml="urn:schemas-microsoft-com:office:powerpoint" xmlns:com="http://schemas.openxmlformats.org/drawingml/2006/compatibility" xmlns:p14="http://schemas.microsoft.com/office/powerpoint/2010/main" xmlns:p15="http://schemas.microsoft.com/office/powerpoint/2012/main" xmlns:ahyp="http://schemas.microsoft.com/office/drawing/2018/hyperlinkcolor" showMasterPhAnim="0" showMasterSp="0">
+  <p:cSld>
+    <p:spTree>
+      <p:nvGrpSpPr>
+        <p:cNvPr id="248" name="Shape 248"/>
+        <p:cNvGrpSpPr/>
+        <p:nvPr/>
+      </p:nvGrpSpPr>
+      <p:grpSpPr>
+        <a:xfrm>
+          <a:off x="0" y="0"/>
+          <a:ext cx="0" cy="0"/>
+          <a:chOff x="0" y="0"/>
+          <a:chExt cx="0" cy="0"/>
+        </a:xfrm>
+      </p:grpSpPr>
+      <p:sp>
+        <p:nvSpPr>
+          <p:cNvPr id="249" name="Google Shape;249;ga3cdc97fd9_0_150:notes"/>
+          <p:cNvSpPr/>
+          <p:nvPr>
+            <p:ph idx="2" type="sldImg"/>
+          </p:nvPr>
+        </p:nvSpPr>
+        <p:spPr>
+          <a:xfrm>
+            <a:off x="381300" y="685800"/>
+            <a:ext cx="6096000" cy="3429000"/>
+          </a:xfrm>
+          <a:custGeom>
+            <a:rect b="b" l="l" r="r" t="t"/>
+            <a:pathLst>
+              <a:path extrusionOk="0" h="120000" w="120000">
+                <a:moveTo>
+                  <a:pt x="0" y="0"/>
+                </a:moveTo>
+                <a:lnTo>
+                  <a:pt x="120000" y="0"/>
+                </a:lnTo>
+                <a:lnTo>
+                  <a:pt x="120000" y="120000"/>
+                </a:lnTo>
+                <a:lnTo>
+                  <a:pt x="0" y="120000"/>
+                </a:lnTo>
+                <a:close/>
+              </a:path>
+            </a:pathLst>
+          </a:custGeom>
+        </p:spPr>
+      </p:sp>
+      <p:sp>
+        <p:nvSpPr>
+          <p:cNvPr id="250" name="Google Shape;250;ga3cdc97fd9_0_150:notes"/>
+          <p:cNvSpPr txBox="1"/>
+          <p:nvPr>
+            <p:ph idx="1" type="body"/>
+          </p:nvPr>
+        </p:nvSpPr>
+        <p:spPr>
+          <a:xfrm>
+            <a:off x="685800" y="4343400"/>
+            <a:ext cx="5486400" cy="4114800"/>
+          </a:xfrm>
+          <a:prstGeom prst="rect">
+            <a:avLst/>
+          </a:prstGeom>
+        </p:spPr>
+        <p:txBody>
+          <a:bodyPr anchorCtr="0" anchor="t" bIns="91425" lIns="91425" spcFirstLastPara="1" rIns="91425" wrap="square" tIns="91425">
+            <a:noAutofit/>
+          </a:bodyPr>
+          <a:lstStyle/>
+          <a:p>
+            <a:pPr indent="0" lvl="0" marL="0" rtl="0" algn="l">
+              <a:spcBef>
+                <a:spcPts val="0"/>
+              </a:spcBef>
+              <a:spcAft>
+                <a:spcPts val="0"/>
+              </a:spcAft>
+              <a:buNone/>
+            </a:pPr>
+            <a:r>
+              <a:t/>
+            </a:r>
+            <a:endParaRPr/>
+          </a:p>
+        </p:txBody>
+      </p:sp>
+    </p:spTree>
+  </p:cSld>
+  <p:clrMapOvr>
+    <a:masterClrMapping/>
+  </p:clrMapOvr>
+</p:notes>
+</file>
+
+<file path=ppt/notesSlides/notesSlide8.xml><?xml version="1.0" encoding="utf-8"?>
+<p:notes xmlns:a="http://schemas.openxmlformats.org/drawingml/2006/main" xmlns:r="http://schemas.openxmlformats.org/officeDocument/2006/relationships" xmlns:mc="http://schemas.openxmlformats.org/markup-compatibility/2006" xmlns:mv="urn:schemas-microsoft-com:mac:vml" xmlns:p="http://schemas.openxmlformats.org/presentationml/2006/main" xmlns:c="http://schemas.openxmlformats.org/drawingml/2006/chart" xmlns:dgm="http://schemas.openxmlformats.org/drawingml/2006/diagram" xmlns:o="urn:schemas-microsoft-com:office:office" xmlns:v="urn:schemas-microsoft-com:vml" xmlns:pvml="urn:schemas-microsoft-com:office:powerpoint" xmlns:com="http://schemas.openxmlformats.org/drawingml/2006/compatibility" xmlns:p14="http://schemas.microsoft.com/office/powerpoint/2010/main" xmlns:p15="http://schemas.microsoft.com/office/powerpoint/2012/main" xmlns:ahyp="http://schemas.microsoft.com/office/drawing/2018/hyperlinkcolor" showMasterPhAnim="0" showMasterSp="0">
+  <p:cSld>
+    <p:spTree>
+      <p:nvGrpSpPr>
+        <p:cNvPr id="257" name="Shape 257"/>
+        <p:cNvGrpSpPr/>
+        <p:nvPr/>
+      </p:nvGrpSpPr>
+      <p:grpSpPr>
+        <a:xfrm>
+          <a:off x="0" y="0"/>
+          <a:ext cx="0" cy="0"/>
+          <a:chOff x="0" y="0"/>
+          <a:chExt cx="0" cy="0"/>
+        </a:xfrm>
+      </p:grpSpPr>
+      <p:sp>
+        <p:nvSpPr>
+          <p:cNvPr id="258" name="Google Shape;258;ga482cfb141_2_11:notes"/>
+          <p:cNvSpPr/>
+          <p:nvPr>
+            <p:ph idx="2" type="sldImg"/>
+          </p:nvPr>
+        </p:nvSpPr>
+        <p:spPr>
+          <a:xfrm>
+            <a:off x="381300" y="685800"/>
+            <a:ext cx="6096000" cy="3429000"/>
+          </a:xfrm>
+          <a:custGeom>
+            <a:rect b="b" l="l" r="r" t="t"/>
+            <a:pathLst>
+              <a:path extrusionOk="0" h="120000" w="120000">
+                <a:moveTo>
+                  <a:pt x="0" y="0"/>
+                </a:moveTo>
+                <a:lnTo>
+                  <a:pt x="120000" y="0"/>
+                </a:lnTo>
+                <a:lnTo>
+                  <a:pt x="120000" y="120000"/>
+                </a:lnTo>
+                <a:lnTo>
+                  <a:pt x="0" y="120000"/>
+                </a:lnTo>
+                <a:close/>
+              </a:path>
+            </a:pathLst>
+          </a:custGeom>
+        </p:spPr>
+      </p:sp>
+      <p:sp>
+        <p:nvSpPr>
+          <p:cNvPr id="259" name="Google Shape;259;ga482cfb141_2_11:notes"/>
+          <p:cNvSpPr txBox="1"/>
+          <p:nvPr>
+            <p:ph idx="1" type="body"/>
+          </p:nvPr>
+        </p:nvSpPr>
+        <p:spPr>
+          <a:xfrm>
+            <a:off x="685800" y="4343400"/>
+            <a:ext cx="5486400" cy="4114800"/>
+          </a:xfrm>
+          <a:prstGeom prst="rect">
+            <a:avLst/>
+          </a:prstGeom>
+        </p:spPr>
+        <p:txBody>
+          <a:bodyPr anchorCtr="0" anchor="t" bIns="91425" lIns="91425" spcFirstLastPara="1" rIns="91425" wrap="square" tIns="91425">
+            <a:noAutofit/>
+          </a:bodyPr>
+          <a:lstStyle/>
+          <a:p>
+            <a:pPr indent="0" lvl="0" marL="0" rtl="0" algn="l">
+              <a:spcBef>
+                <a:spcPts val="0"/>
+              </a:spcBef>
+              <a:spcAft>
+                <a:spcPts val="0"/>
+              </a:spcAft>
+              <a:buNone/>
+            </a:pPr>
+            <a:r>
+              <a:t/>
+            </a:r>
+            <a:endParaRPr/>
+          </a:p>
+        </p:txBody>
+      </p:sp>
+    </p:spTree>
+  </p:cSld>
+  <p:clrMapOvr>
+    <a:masterClrMapping/>
+  </p:clrMapOvr>
+</p:notes>
+</file>
+
+<file path=ppt/notesSlides/notesSlide9.xml><?xml version="1.0" encoding="utf-8"?>
+<p:notes xmlns:a="http://schemas.openxmlformats.org/drawingml/2006/main" xmlns:r="http://schemas.openxmlformats.org/officeDocument/2006/relationships" xmlns:mc="http://schemas.openxmlformats.org/markup-compatibility/2006" xmlns:mv="urn:schemas-microsoft-com:mac:vml" xmlns:p="http://schemas.openxmlformats.org/presentationml/2006/main" xmlns:c="http://schemas.openxmlformats.org/drawingml/2006/chart" xmlns:dgm="http://schemas.openxmlformats.org/drawingml/2006/diagram" xmlns:o="urn:schemas-microsoft-com:office:office" xmlns:v="urn:schemas-microsoft-com:vml" xmlns:pvml="urn:schemas-microsoft-com:office:powerpoint" xmlns:com="http://schemas.openxmlformats.org/drawingml/2006/compatibility" xmlns:p14="http://schemas.microsoft.com/office/powerpoint/2010/main" xmlns:p15="http://schemas.microsoft.com/office/powerpoint/2012/main" xmlns:ahyp="http://schemas.microsoft.com/office/drawing/2018/hyperlinkcolor" showMasterPhAnim="0" showMasterSp="0">
+  <p:cSld>
+    <p:spTree>
+      <p:nvGrpSpPr>
+        <p:cNvPr id="264" name="Shape 264"/>
+        <p:cNvGrpSpPr/>
+        <p:nvPr/>
+      </p:nvGrpSpPr>
+      <p:grpSpPr>
+        <a:xfrm>
+          <a:off x="0" y="0"/>
+          <a:ext cx="0" cy="0"/>
+          <a:chOff x="0" y="0"/>
+          <a:chExt cx="0" cy="0"/>
+        </a:xfrm>
+      </p:grpSpPr>
+      <p:sp>
+        <p:nvSpPr>
           <p:cNvPr id="265" name="Google Shape;265;g9e74d52aaf_0_202:notes"/>
+          <p:cNvSpPr/>
+          <p:nvPr>
+            <p:ph idx="2" type="sldImg"/>
+          </p:nvPr>
+        </p:nvSpPr>
+        <p:spPr>
+          <a:xfrm>
+            <a:off x="381300" y="685800"/>
+            <a:ext cx="6096000" cy="3429000"/>
+          </a:xfrm>
+          <a:custGeom>
+            <a:rect b="b" l="l" r="r" t="t"/>
+            <a:pathLst>
+              <a:path extrusionOk="0" h="120000" w="120000">
+                <a:moveTo>
+                  <a:pt x="0" y="0"/>
+                </a:moveTo>
+                <a:lnTo>
+                  <a:pt x="120000" y="0"/>
+                </a:lnTo>
+                <a:lnTo>
+                  <a:pt x="120000" y="120000"/>
+                </a:lnTo>
+                <a:lnTo>
+                  <a:pt x="0" y="120000"/>
+                </a:lnTo>
+                <a:close/>
+              </a:path>
+            </a:pathLst>
+          </a:custGeom>
+        </p:spPr>
+      </p:sp>
+      <p:sp>
+        <p:nvSpPr>
+          <p:cNvPr id="266" name="Google Shape;266;g9e74d52aaf_0_202:notes"/>
           <p:cNvSpPr txBox="1"/>
           <p:nvPr>
             <p:ph idx="1" type="body"/>
@@ -6916,6 +7216,48 @@
           </a:p>
         </p:txBody>
       </p:sp>
+      <p:sp>
+        <p:nvSpPr>
+          <p:cNvPr id="55" name="Google Shape;55;p13"/>
+          <p:cNvSpPr txBox="1"/>
+          <p:nvPr/>
+        </p:nvSpPr>
+        <p:spPr>
+          <a:xfrm>
+            <a:off x="3124200" y="4191000"/>
+            <a:ext cx="2987400" cy="472800"/>
+          </a:xfrm>
+          <a:prstGeom prst="rect">
+            <a:avLst/>
+          </a:prstGeom>
+          <a:noFill/>
+          <a:ln>
+            <a:noFill/>
+          </a:ln>
+        </p:spPr>
+        <p:txBody>
+          <a:bodyPr anchorCtr="0" anchor="t" bIns="91425" lIns="91425" spcFirstLastPara="1" rIns="91425" wrap="square" tIns="91425">
+            <a:noAutofit/>
+          </a:bodyPr>
+          <a:lstStyle/>
+          <a:p>
+            <a:pPr indent="0" lvl="0" marL="0" rtl="0" algn="l">
+              <a:spcBef>
+                <a:spcPts val="0"/>
+              </a:spcBef>
+              <a:spcAft>
+                <a:spcPts val="0"/>
+              </a:spcAft>
+              <a:buNone/>
+            </a:pPr>
+            <a:r>
+              <a:rPr lang="en"/>
+              <a:t>Shashikanth, Gaurav</a:t>
+            </a:r>
+            <a:endParaRPr/>
+          </a:p>
+        </p:txBody>
+      </p:sp>
     </p:spTree>
   </p:cSld>
   <p:clrMapOvr>
@@ -6929,7 +7271,7 @@
   <p:cSld>
     <p:spTree>
       <p:nvGrpSpPr>
-        <p:cNvPr id="346" name="Shape 346"/>
+        <p:cNvPr id="347" name="Shape 347"/>
         <p:cNvGrpSpPr/>
         <p:nvPr/>
       </p:nvGrpSpPr>
@@ -6943,7 +7285,7 @@
       </p:grpSpPr>
       <p:sp>
         <p:nvSpPr>
-          <p:cNvPr id="347" name="Google Shape;347;p22"/>
+          <p:cNvPr id="348" name="Google Shape;348;p22"/>
           <p:cNvSpPr/>
           <p:nvPr/>
         </p:nvSpPr>
@@ -6994,7 +7336,7 @@
       </p:sp>
       <p:sp>
         <p:nvSpPr>
-          <p:cNvPr id="348" name="Google Shape;348;p22"/>
+          <p:cNvPr id="349" name="Google Shape;349;p22"/>
           <p:cNvSpPr/>
           <p:nvPr/>
         </p:nvSpPr>
@@ -7045,7 +7387,7 @@
       </p:sp>
       <p:sp>
         <p:nvSpPr>
-          <p:cNvPr id="349" name="Google Shape;349;p22"/>
+          <p:cNvPr id="350" name="Google Shape;350;p22"/>
           <p:cNvSpPr/>
           <p:nvPr/>
         </p:nvSpPr>
@@ -7096,7 +7438,7 @@
       </p:sp>
       <p:sp>
         <p:nvSpPr>
-          <p:cNvPr id="350" name="Google Shape;350;p22"/>
+          <p:cNvPr id="351" name="Google Shape;351;p22"/>
           <p:cNvSpPr/>
           <p:nvPr/>
         </p:nvSpPr>
@@ -7147,7 +7489,7 @@
       </p:sp>
       <p:sp>
         <p:nvSpPr>
-          <p:cNvPr id="351" name="Google Shape;351;p22"/>
+          <p:cNvPr id="352" name="Google Shape;352;p22"/>
           <p:cNvSpPr/>
           <p:nvPr/>
         </p:nvSpPr>
@@ -7199,7 +7541,7 @@
       </p:sp>
       <p:cxnSp>
         <p:nvCxnSpPr>
-          <p:cNvPr id="352" name="Google Shape;352;p22"/>
+          <p:cNvPr id="353" name="Google Shape;353;p22"/>
           <p:cNvCxnSpPr/>
           <p:nvPr/>
         </p:nvCxnSpPr>
@@ -7225,7 +7567,7 @@
       </p:cxnSp>
       <p:sp>
         <p:nvSpPr>
-          <p:cNvPr id="353" name="Google Shape;353;p22"/>
+          <p:cNvPr id="354" name="Google Shape;354;p22"/>
           <p:cNvSpPr/>
           <p:nvPr/>
         </p:nvSpPr>
@@ -7277,7 +7619,7 @@
       </p:sp>
       <p:cxnSp>
         <p:nvCxnSpPr>
-          <p:cNvPr id="354" name="Google Shape;354;p22"/>
+          <p:cNvPr id="355" name="Google Shape;355;p22"/>
           <p:cNvCxnSpPr/>
           <p:nvPr/>
         </p:nvCxnSpPr>
@@ -7303,7 +7645,7 @@
       </p:cxnSp>
       <p:sp>
         <p:nvSpPr>
-          <p:cNvPr id="355" name="Google Shape;355;p22"/>
+          <p:cNvPr id="356" name="Google Shape;356;p22"/>
           <p:cNvSpPr/>
           <p:nvPr/>
         </p:nvSpPr>
@@ -7355,7 +7697,7 @@
       </p:sp>
       <p:cxnSp>
         <p:nvCxnSpPr>
-          <p:cNvPr id="356" name="Google Shape;356;p22"/>
+          <p:cNvPr id="357" name="Google Shape;357;p22"/>
           <p:cNvCxnSpPr/>
           <p:nvPr/>
         </p:nvCxnSpPr>
@@ -7381,7 +7723,7 @@
       </p:cxnSp>
       <p:sp>
         <p:nvSpPr>
-          <p:cNvPr id="357" name="Google Shape;357;p22"/>
+          <p:cNvPr id="358" name="Google Shape;358;p22"/>
           <p:cNvSpPr/>
           <p:nvPr/>
         </p:nvSpPr>
@@ -7433,7 +7775,7 @@
       </p:sp>
       <p:cxnSp>
         <p:nvCxnSpPr>
-          <p:cNvPr id="358" name="Google Shape;358;p22"/>
+          <p:cNvPr id="359" name="Google Shape;359;p22"/>
           <p:cNvCxnSpPr/>
           <p:nvPr/>
         </p:nvCxnSpPr>
@@ -7459,7 +7801,7 @@
       </p:cxnSp>
       <p:sp>
         <p:nvSpPr>
-          <p:cNvPr id="359" name="Google Shape;359;p22"/>
+          <p:cNvPr id="360" name="Google Shape;360;p22"/>
           <p:cNvSpPr/>
           <p:nvPr/>
         </p:nvSpPr>
@@ -7511,7 +7853,7 @@
       </p:sp>
       <p:cxnSp>
         <p:nvCxnSpPr>
-          <p:cNvPr id="360" name="Google Shape;360;p22"/>
+          <p:cNvPr id="361" name="Google Shape;361;p22"/>
           <p:cNvCxnSpPr/>
           <p:nvPr/>
         </p:nvCxnSpPr>
@@ -7537,7 +7879,7 @@
       </p:cxnSp>
       <p:cxnSp>
         <p:nvCxnSpPr>
-          <p:cNvPr id="361" name="Google Shape;361;p22"/>
+          <p:cNvPr id="362" name="Google Shape;362;p22"/>
           <p:cNvCxnSpPr/>
           <p:nvPr/>
         </p:nvCxnSpPr>
@@ -7563,7 +7905,7 @@
       </p:cxnSp>
       <p:sp>
         <p:nvSpPr>
-          <p:cNvPr id="362" name="Google Shape;362;p22"/>
+          <p:cNvPr id="363" name="Google Shape;363;p22"/>
           <p:cNvSpPr txBox="1"/>
           <p:nvPr/>
         </p:nvSpPr>
@@ -7605,7 +7947,7 @@
       </p:sp>
       <p:cxnSp>
         <p:nvCxnSpPr>
-          <p:cNvPr id="363" name="Google Shape;363;p22"/>
+          <p:cNvPr id="364" name="Google Shape;364;p22"/>
           <p:cNvCxnSpPr/>
           <p:nvPr/>
         </p:nvCxnSpPr>
@@ -7631,7 +7973,7 @@
       </p:cxnSp>
       <p:sp>
         <p:nvSpPr>
-          <p:cNvPr id="364" name="Google Shape;364;p22"/>
+          <p:cNvPr id="365" name="Google Shape;365;p22"/>
           <p:cNvSpPr txBox="1"/>
           <p:nvPr/>
         </p:nvSpPr>
@@ -7673,7 +8015,7 @@
       </p:sp>
       <p:cxnSp>
         <p:nvCxnSpPr>
-          <p:cNvPr id="365" name="Google Shape;365;p22"/>
+          <p:cNvPr id="366" name="Google Shape;366;p22"/>
           <p:cNvCxnSpPr/>
           <p:nvPr/>
         </p:nvCxnSpPr>
@@ -7699,7 +8041,7 @@
       </p:cxnSp>
       <p:sp>
         <p:nvSpPr>
-          <p:cNvPr id="366" name="Google Shape;366;p22"/>
+          <p:cNvPr id="367" name="Google Shape;367;p22"/>
           <p:cNvSpPr txBox="1"/>
           <p:nvPr/>
         </p:nvSpPr>
@@ -7741,7 +8083,7 @@
       </p:sp>
       <p:sp>
         <p:nvSpPr>
-          <p:cNvPr id="367" name="Google Shape;367;p22"/>
+          <p:cNvPr id="368" name="Google Shape;368;p22"/>
           <p:cNvSpPr txBox="1"/>
           <p:nvPr/>
         </p:nvSpPr>
@@ -7783,7 +8125,7 @@
       </p:sp>
       <p:cxnSp>
         <p:nvCxnSpPr>
-          <p:cNvPr id="368" name="Google Shape;368;p22"/>
+          <p:cNvPr id="369" name="Google Shape;369;p22"/>
           <p:cNvCxnSpPr/>
           <p:nvPr/>
         </p:nvCxnSpPr>
@@ -7809,7 +8151,7 @@
       </p:cxnSp>
       <p:cxnSp>
         <p:nvCxnSpPr>
-          <p:cNvPr id="369" name="Google Shape;369;p22"/>
+          <p:cNvPr id="370" name="Google Shape;370;p22"/>
           <p:cNvCxnSpPr/>
           <p:nvPr/>
         </p:nvCxnSpPr>
@@ -7835,7 +8177,7 @@
       </p:cxnSp>
       <p:cxnSp>
         <p:nvCxnSpPr>
-          <p:cNvPr id="370" name="Google Shape;370;p22"/>
+          <p:cNvPr id="371" name="Google Shape;371;p22"/>
           <p:cNvCxnSpPr/>
           <p:nvPr/>
         </p:nvCxnSpPr>
@@ -7861,7 +8203,7 @@
       </p:cxnSp>
       <p:cxnSp>
         <p:nvCxnSpPr>
-          <p:cNvPr id="371" name="Google Shape;371;p22"/>
+          <p:cNvPr id="372" name="Google Shape;372;p22"/>
           <p:cNvCxnSpPr/>
           <p:nvPr/>
         </p:nvCxnSpPr>
@@ -7887,7 +8229,7 @@
       </p:cxnSp>
       <p:cxnSp>
         <p:nvCxnSpPr>
-          <p:cNvPr id="372" name="Google Shape;372;p22"/>
+          <p:cNvPr id="373" name="Google Shape;373;p22"/>
           <p:cNvCxnSpPr/>
           <p:nvPr/>
         </p:nvCxnSpPr>
@@ -7913,7 +8255,7 @@
       </p:cxnSp>
       <p:sp>
         <p:nvSpPr>
-          <p:cNvPr id="373" name="Google Shape;373;p22"/>
+          <p:cNvPr id="374" name="Google Shape;374;p22"/>
           <p:cNvSpPr txBox="1"/>
           <p:nvPr/>
         </p:nvSpPr>
@@ -7955,7 +8297,7 @@
       </p:sp>
       <p:cxnSp>
         <p:nvCxnSpPr>
-          <p:cNvPr id="374" name="Google Shape;374;p22"/>
+          <p:cNvPr id="375" name="Google Shape;375;p22"/>
           <p:cNvCxnSpPr/>
           <p:nvPr/>
         </p:nvCxnSpPr>
@@ -7981,7 +8323,7 @@
       </p:cxnSp>
       <p:sp>
         <p:nvSpPr>
-          <p:cNvPr id="375" name="Google Shape;375;p22"/>
+          <p:cNvPr id="376" name="Google Shape;376;p22"/>
           <p:cNvSpPr txBox="1"/>
           <p:nvPr/>
         </p:nvSpPr>
@@ -8023,7 +8365,7 @@
       </p:sp>
       <p:sp>
         <p:nvSpPr>
-          <p:cNvPr id="376" name="Google Shape;376;p22"/>
+          <p:cNvPr id="377" name="Google Shape;377;p22"/>
           <p:cNvSpPr/>
           <p:nvPr/>
         </p:nvSpPr>
@@ -8076,7 +8418,7 @@
       </p:sp>
       <p:sp>
         <p:nvSpPr>
-          <p:cNvPr id="377" name="Google Shape;377;p22"/>
+          <p:cNvPr id="378" name="Google Shape;378;p22"/>
           <p:cNvSpPr txBox="1"/>
           <p:nvPr/>
         </p:nvSpPr>
@@ -8118,7 +8460,7 @@
       </p:sp>
       <p:cxnSp>
         <p:nvCxnSpPr>
-          <p:cNvPr id="378" name="Google Shape;378;p22"/>
+          <p:cNvPr id="379" name="Google Shape;379;p22"/>
           <p:cNvCxnSpPr/>
           <p:nvPr/>
         </p:nvCxnSpPr>
@@ -8144,7 +8486,7 @@
       </p:cxnSp>
       <p:cxnSp>
         <p:nvCxnSpPr>
-          <p:cNvPr id="379" name="Google Shape;379;p22"/>
+          <p:cNvPr id="380" name="Google Shape;380;p22"/>
           <p:cNvCxnSpPr/>
           <p:nvPr/>
         </p:nvCxnSpPr>
@@ -8170,7 +8512,7 @@
       </p:cxnSp>
       <p:cxnSp>
         <p:nvCxnSpPr>
-          <p:cNvPr id="380" name="Google Shape;380;p22"/>
+          <p:cNvPr id="381" name="Google Shape;381;p22"/>
           <p:cNvCxnSpPr/>
           <p:nvPr/>
         </p:nvCxnSpPr>
@@ -8196,7 +8538,7 @@
       </p:cxnSp>
       <p:cxnSp>
         <p:nvCxnSpPr>
-          <p:cNvPr id="381" name="Google Shape;381;p22"/>
+          <p:cNvPr id="382" name="Google Shape;382;p22"/>
           <p:cNvCxnSpPr/>
           <p:nvPr/>
         </p:nvCxnSpPr>
@@ -8222,7 +8564,7 @@
       </p:cxnSp>
       <p:cxnSp>
         <p:nvCxnSpPr>
-          <p:cNvPr id="382" name="Google Shape;382;p22"/>
+          <p:cNvPr id="383" name="Google Shape;383;p22"/>
           <p:cNvCxnSpPr/>
           <p:nvPr/>
         </p:nvCxnSpPr>
@@ -8248,55 +8590,13 @@
       </p:cxnSp>
       <p:sp>
         <p:nvSpPr>
-          <p:cNvPr id="383" name="Google Shape;383;p22"/>
-          <p:cNvSpPr txBox="1"/>
-          <p:nvPr/>
-        </p:nvSpPr>
-        <p:spPr>
-          <a:xfrm>
-            <a:off x="4531650" y="2930450"/>
-            <a:ext cx="1368900" cy="147900"/>
-          </a:xfrm>
-          <a:prstGeom prst="rect">
-            <a:avLst/>
-          </a:prstGeom>
-          <a:noFill/>
-          <a:ln>
-            <a:noFill/>
-          </a:ln>
-        </p:spPr>
-        <p:txBody>
-          <a:bodyPr anchorCtr="0" anchor="t" bIns="91425" lIns="91425" spcFirstLastPara="1" rIns="91425" wrap="square" tIns="91425">
-            <a:noAutofit/>
-          </a:bodyPr>
-          <a:lstStyle/>
-          <a:p>
-            <a:pPr indent="0" lvl="0" marL="0" rtl="0" algn="l">
-              <a:spcBef>
-                <a:spcPts val="0"/>
-              </a:spcBef>
-              <a:spcAft>
-                <a:spcPts val="0"/>
-              </a:spcAft>
-              <a:buNone/>
-            </a:pPr>
-            <a:r>
-              <a:rPr lang="en" sz="900"/>
-              <a:t>Query app instance</a:t>
-            </a:r>
-            <a:endParaRPr sz="900"/>
-          </a:p>
-        </p:txBody>
-      </p:sp>
-      <p:sp>
-        <p:nvSpPr>
           <p:cNvPr id="384" name="Google Shape;384;p22"/>
           <p:cNvSpPr txBox="1"/>
           <p:nvPr/>
         </p:nvSpPr>
         <p:spPr>
           <a:xfrm>
-            <a:off x="5674650" y="3235250"/>
+            <a:off x="4531650" y="2930450"/>
             <a:ext cx="1368900" cy="147900"/>
           </a:xfrm>
           <a:prstGeom prst="rect">
@@ -8338,6 +8638,48 @@
         </p:nvSpPr>
         <p:spPr>
           <a:xfrm>
+            <a:off x="5674650" y="3235250"/>
+            <a:ext cx="1368900" cy="147900"/>
+          </a:xfrm>
+          <a:prstGeom prst="rect">
+            <a:avLst/>
+          </a:prstGeom>
+          <a:noFill/>
+          <a:ln>
+            <a:noFill/>
+          </a:ln>
+        </p:spPr>
+        <p:txBody>
+          <a:bodyPr anchorCtr="0" anchor="t" bIns="91425" lIns="91425" spcFirstLastPara="1" rIns="91425" wrap="square" tIns="91425">
+            <a:noAutofit/>
+          </a:bodyPr>
+          <a:lstStyle/>
+          <a:p>
+            <a:pPr indent="0" lvl="0" marL="0" rtl="0" algn="l">
+              <a:spcBef>
+                <a:spcPts val="0"/>
+              </a:spcBef>
+              <a:spcAft>
+                <a:spcPts val="0"/>
+              </a:spcAft>
+              <a:buNone/>
+            </a:pPr>
+            <a:r>
+              <a:rPr lang="en" sz="900"/>
+              <a:t>Query app instance</a:t>
+            </a:r>
+            <a:endParaRPr sz="900"/>
+          </a:p>
+        </p:txBody>
+      </p:sp>
+      <p:sp>
+        <p:nvSpPr>
+          <p:cNvPr id="386" name="Google Shape;386;p22"/>
+          <p:cNvSpPr txBox="1"/>
+          <p:nvPr/>
+        </p:nvSpPr>
+        <p:spPr>
+          <a:xfrm>
             <a:off x="7274850" y="3463850"/>
             <a:ext cx="1368900" cy="147900"/>
           </a:xfrm>
@@ -8376,7 +8718,7 @@
       </p:sp>
       <p:cxnSp>
         <p:nvCxnSpPr>
-          <p:cNvPr id="386" name="Google Shape;386;p22"/>
+          <p:cNvPr id="387" name="Google Shape;387;p22"/>
           <p:cNvCxnSpPr/>
           <p:nvPr/>
         </p:nvCxnSpPr>
@@ -8402,7 +8744,7 @@
       </p:cxnSp>
       <p:sp>
         <p:nvSpPr>
-          <p:cNvPr id="387" name="Google Shape;387;p22"/>
+          <p:cNvPr id="388" name="Google Shape;388;p22"/>
           <p:cNvSpPr txBox="1"/>
           <p:nvPr/>
         </p:nvSpPr>
@@ -8448,7 +8790,7 @@
       </p:sp>
       <p:cxnSp>
         <p:nvCxnSpPr>
-          <p:cNvPr id="388" name="Google Shape;388;p22"/>
+          <p:cNvPr id="389" name="Google Shape;389;p22"/>
           <p:cNvCxnSpPr/>
           <p:nvPr/>
         </p:nvCxnSpPr>
@@ -8474,7 +8816,7 @@
       </p:cxnSp>
       <p:sp>
         <p:nvSpPr>
-          <p:cNvPr id="389" name="Google Shape;389;p22"/>
+          <p:cNvPr id="390" name="Google Shape;390;p22"/>
           <p:cNvSpPr txBox="1"/>
           <p:nvPr/>
         </p:nvSpPr>
@@ -8516,7 +8858,7 @@
       </p:sp>
       <p:cxnSp>
         <p:nvCxnSpPr>
-          <p:cNvPr id="390" name="Google Shape;390;p22"/>
+          <p:cNvPr id="391" name="Google Shape;391;p22"/>
           <p:cNvCxnSpPr/>
           <p:nvPr/>
         </p:nvCxnSpPr>
@@ -8542,7 +8884,7 @@
       </p:cxnSp>
       <p:sp>
         <p:nvSpPr>
-          <p:cNvPr id="391" name="Google Shape;391;p22"/>
+          <p:cNvPr id="392" name="Google Shape;392;p22"/>
           <p:cNvSpPr txBox="1"/>
           <p:nvPr/>
         </p:nvSpPr>
@@ -8584,7 +8926,7 @@
       </p:sp>
       <p:cxnSp>
         <p:nvCxnSpPr>
-          <p:cNvPr id="392" name="Google Shape;392;p22"/>
+          <p:cNvPr id="393" name="Google Shape;393;p22"/>
           <p:cNvCxnSpPr/>
           <p:nvPr/>
         </p:nvCxnSpPr>
@@ -8610,7 +8952,7 @@
       </p:cxnSp>
       <p:cxnSp>
         <p:nvCxnSpPr>
-          <p:cNvPr id="393" name="Google Shape;393;p22"/>
+          <p:cNvPr id="394" name="Google Shape;394;p22"/>
           <p:cNvCxnSpPr/>
           <p:nvPr/>
         </p:nvCxnSpPr>
@@ -8636,7 +8978,7 @@
       </p:cxnSp>
       <p:sp>
         <p:nvSpPr>
-          <p:cNvPr id="394" name="Google Shape;394;p22"/>
+          <p:cNvPr id="395" name="Google Shape;395;p22"/>
           <p:cNvSpPr txBox="1"/>
           <p:nvPr/>
         </p:nvSpPr>
@@ -8687,7 +9029,7 @@
       </p:sp>
       <p:sp>
         <p:nvSpPr>
-          <p:cNvPr id="395" name="Google Shape;395;p22"/>
+          <p:cNvPr id="396" name="Google Shape;396;p22"/>
           <p:cNvSpPr/>
           <p:nvPr/>
         </p:nvSpPr>
@@ -8740,7 +9082,7 @@
       </p:sp>
       <p:sp>
         <p:nvSpPr>
-          <p:cNvPr id="396" name="Google Shape;396;p22"/>
+          <p:cNvPr id="397" name="Google Shape;397;p22"/>
           <p:cNvSpPr txBox="1"/>
           <p:nvPr/>
         </p:nvSpPr>
@@ -8782,7 +9124,7 @@
       </p:sp>
       <p:sp>
         <p:nvSpPr>
-          <p:cNvPr id="397" name="Google Shape;397;p22"/>
+          <p:cNvPr id="398" name="Google Shape;398;p22"/>
           <p:cNvSpPr/>
           <p:nvPr/>
         </p:nvSpPr>
@@ -8836,7 +9178,7 @@
       </p:sp>
       <p:sp>
         <p:nvSpPr>
-          <p:cNvPr id="398" name="Google Shape;398;p22"/>
+          <p:cNvPr id="399" name="Google Shape;399;p22"/>
           <p:cNvSpPr/>
           <p:nvPr/>
         </p:nvSpPr>
@@ -8887,7 +9229,7 @@
       </p:sp>
       <p:sp>
         <p:nvSpPr>
-          <p:cNvPr id="399" name="Google Shape;399;p22"/>
+          <p:cNvPr id="400" name="Google Shape;400;p22"/>
           <p:cNvSpPr/>
           <p:nvPr/>
         </p:nvSpPr>
@@ -8938,7 +9280,7 @@
       </p:sp>
       <p:sp>
         <p:nvSpPr>
-          <p:cNvPr id="400" name="Google Shape;400;p22"/>
+          <p:cNvPr id="401" name="Google Shape;401;p22"/>
           <p:cNvSpPr/>
           <p:nvPr/>
         </p:nvSpPr>
@@ -8989,7 +9331,7 @@
       </p:sp>
       <p:sp>
         <p:nvSpPr>
-          <p:cNvPr id="401" name="Google Shape;401;p22"/>
+          <p:cNvPr id="402" name="Google Shape;402;p22"/>
           <p:cNvSpPr/>
           <p:nvPr/>
         </p:nvSpPr>
@@ -9041,7 +9383,7 @@
       </p:sp>
       <p:cxnSp>
         <p:nvCxnSpPr>
-          <p:cNvPr id="402" name="Google Shape;402;p22"/>
+          <p:cNvPr id="403" name="Google Shape;403;p22"/>
           <p:cNvCxnSpPr/>
           <p:nvPr/>
         </p:nvCxnSpPr>
@@ -9067,7 +9409,7 @@
       </p:cxnSp>
       <p:sp>
         <p:nvSpPr>
-          <p:cNvPr id="403" name="Google Shape;403;p22"/>
+          <p:cNvPr id="404" name="Google Shape;404;p22"/>
           <p:cNvSpPr/>
           <p:nvPr/>
         </p:nvSpPr>
@@ -9119,7 +9461,7 @@
       </p:sp>
       <p:cxnSp>
         <p:nvCxnSpPr>
-          <p:cNvPr id="404" name="Google Shape;404;p22"/>
+          <p:cNvPr id="405" name="Google Shape;405;p22"/>
           <p:cNvCxnSpPr/>
           <p:nvPr/>
         </p:nvCxnSpPr>
@@ -9145,7 +9487,7 @@
       </p:cxnSp>
       <p:sp>
         <p:nvSpPr>
-          <p:cNvPr id="405" name="Google Shape;405;p22"/>
+          <p:cNvPr id="406" name="Google Shape;406;p22"/>
           <p:cNvSpPr/>
           <p:nvPr/>
         </p:nvSpPr>
@@ -9197,7 +9539,7 @@
       </p:sp>
       <p:cxnSp>
         <p:nvCxnSpPr>
-          <p:cNvPr id="406" name="Google Shape;406;p22"/>
+          <p:cNvPr id="407" name="Google Shape;407;p22"/>
           <p:cNvCxnSpPr/>
           <p:nvPr/>
         </p:nvCxnSpPr>
@@ -9223,7 +9565,7 @@
       </p:cxnSp>
       <p:sp>
         <p:nvSpPr>
-          <p:cNvPr id="407" name="Google Shape;407;p22"/>
+          <p:cNvPr id="408" name="Google Shape;408;p22"/>
           <p:cNvSpPr/>
           <p:nvPr/>
         </p:nvSpPr>
@@ -9275,7 +9617,7 @@
       </p:sp>
       <p:cxnSp>
         <p:nvCxnSpPr>
-          <p:cNvPr id="408" name="Google Shape;408;p22"/>
+          <p:cNvPr id="409" name="Google Shape;409;p22"/>
           <p:cNvCxnSpPr/>
           <p:nvPr/>
         </p:nvCxnSpPr>
@@ -9301,7 +9643,7 @@
       </p:cxnSp>
       <p:cxnSp>
         <p:nvCxnSpPr>
-          <p:cNvPr id="409" name="Google Shape;409;p22"/>
+          <p:cNvPr id="410" name="Google Shape;410;p22"/>
           <p:cNvCxnSpPr/>
           <p:nvPr/>
         </p:nvCxnSpPr>
@@ -9327,7 +9669,7 @@
       </p:cxnSp>
       <p:sp>
         <p:nvSpPr>
-          <p:cNvPr id="410" name="Google Shape;410;p22"/>
+          <p:cNvPr id="411" name="Google Shape;411;p22"/>
           <p:cNvSpPr txBox="1"/>
           <p:nvPr/>
         </p:nvSpPr>
@@ -9369,7 +9711,7 @@
       </p:sp>
       <p:cxnSp>
         <p:nvCxnSpPr>
-          <p:cNvPr id="411" name="Google Shape;411;p22"/>
+          <p:cNvPr id="412" name="Google Shape;412;p22"/>
           <p:cNvCxnSpPr/>
           <p:nvPr/>
         </p:nvCxnSpPr>
@@ -9395,7 +9737,7 @@
       </p:cxnSp>
       <p:sp>
         <p:nvSpPr>
-          <p:cNvPr id="412" name="Google Shape;412;p22"/>
+          <p:cNvPr id="413" name="Google Shape;413;p22"/>
           <p:cNvSpPr txBox="1"/>
           <p:nvPr/>
         </p:nvSpPr>
@@ -9437,7 +9779,7 @@
       </p:sp>
       <p:cxnSp>
         <p:nvCxnSpPr>
-          <p:cNvPr id="413" name="Google Shape;413;p22"/>
+          <p:cNvPr id="414" name="Google Shape;414;p22"/>
           <p:cNvCxnSpPr/>
           <p:nvPr/>
         </p:nvCxnSpPr>
@@ -9463,7 +9805,7 @@
       </p:cxnSp>
       <p:sp>
         <p:nvSpPr>
-          <p:cNvPr id="414" name="Google Shape;414;p22"/>
+          <p:cNvPr id="415" name="Google Shape;415;p22"/>
           <p:cNvSpPr txBox="1"/>
           <p:nvPr/>
         </p:nvSpPr>
@@ -9505,7 +9847,7 @@
       </p:sp>
       <p:sp>
         <p:nvSpPr>
-          <p:cNvPr id="415" name="Google Shape;415;p22"/>
+          <p:cNvPr id="416" name="Google Shape;416;p22"/>
           <p:cNvSpPr txBox="1"/>
           <p:nvPr/>
         </p:nvSpPr>
@@ -9547,7 +9889,7 @@
       </p:sp>
       <p:cxnSp>
         <p:nvCxnSpPr>
-          <p:cNvPr id="416" name="Google Shape;416;p22"/>
+          <p:cNvPr id="417" name="Google Shape;417;p22"/>
           <p:cNvCxnSpPr/>
           <p:nvPr/>
         </p:nvCxnSpPr>
@@ -9573,7 +9915,7 @@
       </p:cxnSp>
       <p:cxnSp>
         <p:nvCxnSpPr>
-          <p:cNvPr id="417" name="Google Shape;417;p22"/>
+          <p:cNvPr id="418" name="Google Shape;418;p22"/>
           <p:cNvCxnSpPr/>
           <p:nvPr/>
         </p:nvCxnSpPr>
@@ -9599,7 +9941,7 @@
       </p:cxnSp>
       <p:sp>
         <p:nvSpPr>
-          <p:cNvPr id="418" name="Google Shape;418;p22"/>
+          <p:cNvPr id="419" name="Google Shape;419;p22"/>
           <p:cNvSpPr/>
           <p:nvPr/>
         </p:nvSpPr>
@@ -9652,7 +9994,7 @@
       </p:sp>
       <p:sp>
         <p:nvSpPr>
-          <p:cNvPr id="419" name="Google Shape;419;p22"/>
+          <p:cNvPr id="420" name="Google Shape;420;p22"/>
           <p:cNvSpPr txBox="1"/>
           <p:nvPr/>
         </p:nvSpPr>
@@ -9710,7 +10052,7 @@
       </p:sp>
       <p:cxnSp>
         <p:nvCxnSpPr>
-          <p:cNvPr id="420" name="Google Shape;420;p22"/>
+          <p:cNvPr id="421" name="Google Shape;421;p22"/>
           <p:cNvCxnSpPr/>
           <p:nvPr/>
         </p:nvCxnSpPr>
@@ -9736,7 +10078,7 @@
       </p:cxnSp>
       <p:cxnSp>
         <p:nvCxnSpPr>
-          <p:cNvPr id="421" name="Google Shape;421;p22"/>
+          <p:cNvPr id="422" name="Google Shape;422;p22"/>
           <p:cNvCxnSpPr/>
           <p:nvPr/>
         </p:nvCxnSpPr>
@@ -9762,7 +10104,7 @@
       </p:cxnSp>
       <p:sp>
         <p:nvSpPr>
-          <p:cNvPr id="422" name="Google Shape;422;p22"/>
+          <p:cNvPr id="423" name="Google Shape;423;p22"/>
           <p:cNvSpPr txBox="1"/>
           <p:nvPr/>
         </p:nvSpPr>
@@ -9808,7 +10150,7 @@
       </p:sp>
       <p:cxnSp>
         <p:nvCxnSpPr>
-          <p:cNvPr id="423" name="Google Shape;423;p22"/>
+          <p:cNvPr id="424" name="Google Shape;424;p22"/>
           <p:cNvCxnSpPr/>
           <p:nvPr/>
         </p:nvCxnSpPr>
@@ -9834,7 +10176,7 @@
       </p:cxnSp>
       <p:sp>
         <p:nvSpPr>
-          <p:cNvPr id="424" name="Google Shape;424;p22"/>
+          <p:cNvPr id="425" name="Google Shape;425;p22"/>
           <p:cNvSpPr txBox="1"/>
           <p:nvPr/>
         </p:nvSpPr>
@@ -9876,7 +10218,7 @@
       </p:sp>
       <p:cxnSp>
         <p:nvCxnSpPr>
-          <p:cNvPr id="425" name="Google Shape;425;p22"/>
+          <p:cNvPr id="426" name="Google Shape;426;p22"/>
           <p:cNvCxnSpPr/>
           <p:nvPr/>
         </p:nvCxnSpPr>
@@ -9902,7 +10244,7 @@
       </p:cxnSp>
       <p:cxnSp>
         <p:nvCxnSpPr>
-          <p:cNvPr id="426" name="Google Shape;426;p22"/>
+          <p:cNvPr id="427" name="Google Shape;427;p22"/>
           <p:cNvCxnSpPr/>
           <p:nvPr/>
         </p:nvCxnSpPr>
@@ -9928,7 +10270,7 @@
       </p:cxnSp>
       <p:sp>
         <p:nvSpPr>
-          <p:cNvPr id="427" name="Google Shape;427;p22"/>
+          <p:cNvPr id="428" name="Google Shape;428;p22"/>
           <p:cNvSpPr txBox="1"/>
           <p:nvPr/>
         </p:nvSpPr>
@@ -10002,7 +10344,7 @@
       </p:sp>
       <p:cxnSp>
         <p:nvCxnSpPr>
-          <p:cNvPr id="428" name="Google Shape;428;p22"/>
+          <p:cNvPr id="429" name="Google Shape;429;p22"/>
           <p:cNvCxnSpPr/>
           <p:nvPr/>
         </p:nvCxnSpPr>
@@ -10028,7 +10370,7 @@
       </p:cxnSp>
       <p:cxnSp>
         <p:nvCxnSpPr>
-          <p:cNvPr id="429" name="Google Shape;429;p22"/>
+          <p:cNvPr id="430" name="Google Shape;430;p22"/>
           <p:cNvCxnSpPr/>
           <p:nvPr/>
         </p:nvCxnSpPr>
@@ -10054,7 +10396,7 @@
       </p:cxnSp>
       <p:sp>
         <p:nvSpPr>
-          <p:cNvPr id="430" name="Google Shape;430;p22"/>
+          <p:cNvPr id="431" name="Google Shape;431;p22"/>
           <p:cNvSpPr txBox="1"/>
           <p:nvPr/>
         </p:nvSpPr>
@@ -10096,7 +10438,7 @@
       </p:sp>
       <p:cxnSp>
         <p:nvCxnSpPr>
-          <p:cNvPr id="431" name="Google Shape;431;p22"/>
+          <p:cNvPr id="432" name="Google Shape;432;p22"/>
           <p:cNvCxnSpPr/>
           <p:nvPr/>
         </p:nvCxnSpPr>
@@ -10122,7 +10464,7 @@
       </p:cxnSp>
       <p:sp>
         <p:nvSpPr>
-          <p:cNvPr id="432" name="Google Shape;432;p22"/>
+          <p:cNvPr id="433" name="Google Shape;433;p22"/>
           <p:cNvSpPr txBox="1"/>
           <p:nvPr/>
         </p:nvSpPr>
@@ -10164,7 +10506,7 @@
       </p:sp>
       <p:sp>
         <p:nvSpPr>
-          <p:cNvPr id="433" name="Google Shape;433;p22"/>
+          <p:cNvPr id="434" name="Google Shape;434;p22"/>
           <p:cNvSpPr txBox="1"/>
           <p:nvPr/>
         </p:nvSpPr>
@@ -10206,7 +10548,7 @@
       </p:sp>
       <p:cxnSp>
         <p:nvCxnSpPr>
-          <p:cNvPr id="434" name="Google Shape;434;p22"/>
+          <p:cNvPr id="435" name="Google Shape;435;p22"/>
           <p:cNvCxnSpPr/>
           <p:nvPr/>
         </p:nvCxnSpPr>
@@ -10232,7 +10574,7 @@
       </p:cxnSp>
       <p:sp>
         <p:nvSpPr>
-          <p:cNvPr id="435" name="Google Shape;435;p22"/>
+          <p:cNvPr id="436" name="Google Shape;436;p22"/>
           <p:cNvSpPr txBox="1"/>
           <p:nvPr/>
         </p:nvSpPr>
@@ -10274,7 +10616,7 @@
       </p:sp>
       <p:cxnSp>
         <p:nvCxnSpPr>
-          <p:cNvPr id="436" name="Google Shape;436;p22"/>
+          <p:cNvPr id="437" name="Google Shape;437;p22"/>
           <p:cNvCxnSpPr/>
           <p:nvPr/>
         </p:nvCxnSpPr>
@@ -10300,7 +10642,7 @@
       </p:cxnSp>
       <p:sp>
         <p:nvSpPr>
-          <p:cNvPr id="437" name="Google Shape;437;p22"/>
+          <p:cNvPr id="438" name="Google Shape;438;p22"/>
           <p:cNvSpPr txBox="1"/>
           <p:nvPr/>
         </p:nvSpPr>
@@ -10358,7 +10700,7 @@
       </p:sp>
       <p:cxnSp>
         <p:nvCxnSpPr>
-          <p:cNvPr id="438" name="Google Shape;438;p22"/>
+          <p:cNvPr id="439" name="Google Shape;439;p22"/>
           <p:cNvCxnSpPr/>
           <p:nvPr/>
         </p:nvCxnSpPr>
@@ -10384,7 +10726,7 @@
       </p:cxnSp>
       <p:sp>
         <p:nvSpPr>
-          <p:cNvPr id="439" name="Google Shape;439;p22"/>
+          <p:cNvPr id="440" name="Google Shape;440;p22"/>
           <p:cNvSpPr txBox="1"/>
           <p:nvPr/>
         </p:nvSpPr>
@@ -10442,7 +10784,7 @@
       </p:sp>
       <p:sp>
         <p:nvSpPr>
-          <p:cNvPr id="440" name="Google Shape;440;p22"/>
+          <p:cNvPr id="441" name="Google Shape;441;p22"/>
           <p:cNvSpPr txBox="1"/>
           <p:nvPr/>
         </p:nvSpPr>
@@ -10484,7 +10826,7 @@
       </p:sp>
       <p:cxnSp>
         <p:nvCxnSpPr>
-          <p:cNvPr id="441" name="Google Shape;441;p22"/>
+          <p:cNvPr id="442" name="Google Shape;442;p22"/>
           <p:cNvCxnSpPr/>
           <p:nvPr/>
         </p:nvCxnSpPr>
@@ -10510,7 +10852,7 @@
       </p:cxnSp>
       <p:cxnSp>
         <p:nvCxnSpPr>
-          <p:cNvPr id="442" name="Google Shape;442;p22"/>
+          <p:cNvPr id="443" name="Google Shape;443;p22"/>
           <p:cNvCxnSpPr/>
           <p:nvPr/>
         </p:nvCxnSpPr>
@@ -10536,7 +10878,7 @@
       </p:cxnSp>
       <p:sp>
         <p:nvSpPr>
-          <p:cNvPr id="443" name="Google Shape;443;p22"/>
+          <p:cNvPr id="444" name="Google Shape;444;p22"/>
           <p:cNvSpPr txBox="1"/>
           <p:nvPr/>
         </p:nvSpPr>
@@ -10578,7 +10920,7 @@
       </p:sp>
       <p:sp>
         <p:nvSpPr>
-          <p:cNvPr id="444" name="Google Shape;444;p22"/>
+          <p:cNvPr id="445" name="Google Shape;445;p22"/>
           <p:cNvSpPr txBox="1"/>
           <p:nvPr/>
         </p:nvSpPr>
@@ -10620,7 +10962,7 @@
       </p:sp>
       <p:cxnSp>
         <p:nvCxnSpPr>
-          <p:cNvPr id="445" name="Google Shape;445;p22"/>
+          <p:cNvPr id="446" name="Google Shape;446;p22"/>
           <p:cNvCxnSpPr/>
           <p:nvPr/>
         </p:nvCxnSpPr>
@@ -10646,7 +10988,7 @@
       </p:cxnSp>
       <p:cxnSp>
         <p:nvCxnSpPr>
-          <p:cNvPr id="446" name="Google Shape;446;p22"/>
+          <p:cNvPr id="447" name="Google Shape;447;p22"/>
           <p:cNvCxnSpPr/>
           <p:nvPr/>
         </p:nvCxnSpPr>
@@ -10672,7 +11014,7 @@
       </p:cxnSp>
       <p:cxnSp>
         <p:nvCxnSpPr>
-          <p:cNvPr id="447" name="Google Shape;447;p22"/>
+          <p:cNvPr id="448" name="Google Shape;448;p22"/>
           <p:cNvCxnSpPr/>
           <p:nvPr/>
         </p:nvCxnSpPr>
@@ -10698,7 +11040,7 @@
       </p:cxnSp>
       <p:sp>
         <p:nvSpPr>
-          <p:cNvPr id="448" name="Google Shape;448;p22"/>
+          <p:cNvPr id="449" name="Google Shape;449;p22"/>
           <p:cNvSpPr txBox="1"/>
           <p:nvPr/>
         </p:nvSpPr>
@@ -10760,7 +11102,7 @@
       </p:sp>
       <p:sp>
         <p:nvSpPr>
-          <p:cNvPr id="449" name="Google Shape;449;p22"/>
+          <p:cNvPr id="450" name="Google Shape;450;p22"/>
           <p:cNvSpPr txBox="1"/>
           <p:nvPr/>
         </p:nvSpPr>
@@ -10818,7 +11160,7 @@
       </p:sp>
       <p:cxnSp>
         <p:nvCxnSpPr>
-          <p:cNvPr id="450" name="Google Shape;450;p22"/>
+          <p:cNvPr id="451" name="Google Shape;451;p22"/>
           <p:cNvCxnSpPr/>
           <p:nvPr/>
         </p:nvCxnSpPr>
@@ -10844,7 +11186,7 @@
       </p:cxnSp>
       <p:sp>
         <p:nvSpPr>
-          <p:cNvPr id="451" name="Google Shape;451;p22"/>
+          <p:cNvPr id="452" name="Google Shape;452;p22"/>
           <p:cNvSpPr txBox="1"/>
           <p:nvPr/>
         </p:nvSpPr>
@@ -10902,7 +11244,7 @@
       </p:sp>
       <p:sp>
         <p:nvSpPr>
-          <p:cNvPr id="452" name="Google Shape;452;p22"/>
+          <p:cNvPr id="453" name="Google Shape;453;p22"/>
           <p:cNvSpPr txBox="1"/>
           <p:nvPr/>
         </p:nvSpPr>
@@ -10944,7 +11286,7 @@
       </p:sp>
       <p:cxnSp>
         <p:nvCxnSpPr>
-          <p:cNvPr id="453" name="Google Shape;453;p22"/>
+          <p:cNvPr id="454" name="Google Shape;454;p22"/>
           <p:cNvCxnSpPr/>
           <p:nvPr/>
         </p:nvCxnSpPr>
@@ -10970,7 +11312,7 @@
       </p:cxnSp>
       <p:cxnSp>
         <p:nvCxnSpPr>
-          <p:cNvPr id="454" name="Google Shape;454;p22"/>
+          <p:cNvPr id="455" name="Google Shape;455;p22"/>
           <p:cNvCxnSpPr/>
           <p:nvPr/>
         </p:nvCxnSpPr>
@@ -10996,7 +11338,7 @@
       </p:cxnSp>
       <p:sp>
         <p:nvSpPr>
-          <p:cNvPr id="455" name="Google Shape;455;p22"/>
+          <p:cNvPr id="456" name="Google Shape;456;p22"/>
           <p:cNvSpPr txBox="1"/>
           <p:nvPr/>
         </p:nvSpPr>
@@ -11031,48 +11373,6 @@
             <a:r>
               <a:rPr lang="en" sz="900"/>
               <a:t>Change  app instance operation state</a:t>
-            </a:r>
-            <a:endParaRPr sz="900"/>
-          </a:p>
-        </p:txBody>
-      </p:sp>
-      <p:sp>
-        <p:nvSpPr>
-          <p:cNvPr id="456" name="Google Shape;456;p22"/>
-          <p:cNvSpPr txBox="1"/>
-          <p:nvPr/>
-        </p:nvSpPr>
-        <p:spPr>
-          <a:xfrm>
-            <a:off x="428812" y="3533848"/>
-            <a:ext cx="1140300" cy="147900"/>
-          </a:xfrm>
-          <a:prstGeom prst="rect">
-            <a:avLst/>
-          </a:prstGeom>
-          <a:noFill/>
-          <a:ln>
-            <a:noFill/>
-          </a:ln>
-        </p:spPr>
-        <p:txBody>
-          <a:bodyPr anchorCtr="0" anchor="t" bIns="91425" lIns="91425" spcFirstLastPara="1" rIns="91425" wrap="square" tIns="91425">
-            <a:noAutofit/>
-          </a:bodyPr>
-          <a:lstStyle/>
-          <a:p>
-            <a:pPr indent="0" lvl="0" marL="0" rtl="0" algn="l">
-              <a:spcBef>
-                <a:spcPts val="0"/>
-              </a:spcBef>
-              <a:spcAft>
-                <a:spcPts val="0"/>
-              </a:spcAft>
-              <a:buNone/>
-            </a:pPr>
-            <a:r>
-              <a:rPr lang="en" sz="900"/>
-              <a:t>lifecycleOperationOccurrenceId</a:t>
             </a:r>
             <a:endParaRPr sz="900"/>
           </a:p>
@@ -11086,8 +11386,8 @@
         </p:nvSpPr>
         <p:spPr>
           <a:xfrm>
-            <a:off x="424751" y="3781951"/>
-            <a:ext cx="1211700" cy="147900"/>
+            <a:off x="428812" y="3533848"/>
+            <a:ext cx="1140300" cy="147900"/>
           </a:xfrm>
           <a:prstGeom prst="rect">
             <a:avLst/>
@@ -11114,6 +11414,48 @@
             </a:pPr>
             <a:r>
               <a:rPr lang="en" sz="900"/>
+              <a:t>lifecycleOperationOccurrenceId</a:t>
+            </a:r>
+            <a:endParaRPr sz="900"/>
+          </a:p>
+        </p:txBody>
+      </p:sp>
+      <p:sp>
+        <p:nvSpPr>
+          <p:cNvPr id="458" name="Google Shape;458;p22"/>
+          <p:cNvSpPr txBox="1"/>
+          <p:nvPr/>
+        </p:nvSpPr>
+        <p:spPr>
+          <a:xfrm>
+            <a:off x="424751" y="3781951"/>
+            <a:ext cx="1211700" cy="147900"/>
+          </a:xfrm>
+          <a:prstGeom prst="rect">
+            <a:avLst/>
+          </a:prstGeom>
+          <a:noFill/>
+          <a:ln>
+            <a:noFill/>
+          </a:ln>
+        </p:spPr>
+        <p:txBody>
+          <a:bodyPr anchorCtr="0" anchor="t" bIns="91425" lIns="91425" spcFirstLastPara="1" rIns="91425" wrap="square" tIns="91425">
+            <a:noAutofit/>
+          </a:bodyPr>
+          <a:lstStyle/>
+          <a:p>
+            <a:pPr indent="0" lvl="0" marL="0" rtl="0" algn="l">
+              <a:spcBef>
+                <a:spcPts val="0"/>
+              </a:spcBef>
+              <a:spcAft>
+                <a:spcPts val="0"/>
+              </a:spcAft>
+              <a:buNone/>
+            </a:pPr>
+            <a:r>
+              <a:rPr lang="en" sz="900"/>
               <a:t>Start,Lifecycle</a:t>
             </a:r>
             <a:endParaRPr sz="900"/>
@@ -11138,7 +11480,7 @@
       </p:sp>
       <p:cxnSp>
         <p:nvCxnSpPr>
-          <p:cNvPr id="458" name="Google Shape;458;p22"/>
+          <p:cNvPr id="459" name="Google Shape;459;p22"/>
           <p:cNvCxnSpPr/>
           <p:nvPr/>
         </p:nvCxnSpPr>
@@ -11164,7 +11506,7 @@
       </p:cxnSp>
       <p:cxnSp>
         <p:nvCxnSpPr>
-          <p:cNvPr id="459" name="Google Shape;459;p22"/>
+          <p:cNvPr id="460" name="Google Shape;460;p22"/>
           <p:cNvCxnSpPr/>
           <p:nvPr/>
         </p:nvCxnSpPr>
@@ -11190,7 +11532,7 @@
       </p:cxnSp>
       <p:sp>
         <p:nvSpPr>
-          <p:cNvPr id="460" name="Google Shape;460;p22"/>
+          <p:cNvPr id="461" name="Google Shape;461;p22"/>
           <p:cNvSpPr txBox="1"/>
           <p:nvPr/>
         </p:nvSpPr>
@@ -11232,7 +11574,7 @@
       </p:sp>
       <p:cxnSp>
         <p:nvCxnSpPr>
-          <p:cNvPr id="461" name="Google Shape;461;p22"/>
+          <p:cNvPr id="462" name="Google Shape;462;p22"/>
           <p:cNvCxnSpPr/>
           <p:nvPr/>
         </p:nvCxnSpPr>
@@ -11258,7 +11600,7 @@
       </p:cxnSp>
       <p:cxnSp>
         <p:nvCxnSpPr>
-          <p:cNvPr id="462" name="Google Shape;462;p22"/>
+          <p:cNvPr id="463" name="Google Shape;463;p22"/>
           <p:cNvCxnSpPr/>
           <p:nvPr/>
         </p:nvCxnSpPr>
@@ -11284,71 +11626,13 @@
       </p:cxnSp>
       <p:sp>
         <p:nvSpPr>
-          <p:cNvPr id="463" name="Google Shape;463;p22"/>
-          <p:cNvSpPr txBox="1"/>
-          <p:nvPr/>
-        </p:nvSpPr>
-        <p:spPr>
-          <a:xfrm>
-            <a:off x="1673634" y="3986627"/>
-            <a:ext cx="1211700" cy="147900"/>
-          </a:xfrm>
-          <a:prstGeom prst="rect">
-            <a:avLst/>
-          </a:prstGeom>
-          <a:noFill/>
-          <a:ln>
-            <a:noFill/>
-          </a:ln>
-        </p:spPr>
-        <p:txBody>
-          <a:bodyPr anchorCtr="0" anchor="t" bIns="91425" lIns="91425" spcFirstLastPara="1" rIns="91425" wrap="square" tIns="91425">
-            <a:noAutofit/>
-          </a:bodyPr>
-          <a:lstStyle/>
-          <a:p>
-            <a:pPr indent="0" lvl="0" marL="0" rtl="0" algn="l">
-              <a:spcBef>
-                <a:spcPts val="0"/>
-              </a:spcBef>
-              <a:spcAft>
-                <a:spcPts val="0"/>
-              </a:spcAft>
-              <a:buNone/>
-            </a:pPr>
-            <a:r>
-              <a:rPr lang="en" sz="900"/>
-              <a:t>result,Lifecycle</a:t>
-            </a:r>
-            <a:endParaRPr sz="900"/>
-          </a:p>
-          <a:p>
-            <a:pPr indent="0" lvl="0" marL="0" rtl="0" algn="l">
-              <a:spcBef>
-                <a:spcPts val="0"/>
-              </a:spcBef>
-              <a:spcAft>
-                <a:spcPts val="0"/>
-              </a:spcAft>
-              <a:buNone/>
-            </a:pPr>
-            <a:r>
-              <a:rPr lang="en" sz="900"/>
-              <a:t>ChangeNotification</a:t>
-            </a:r>
-            <a:endParaRPr sz="900"/>
-          </a:p>
-        </p:txBody>
-      </p:sp>
-      <p:sp>
-        <p:nvSpPr>
           <p:cNvPr id="464" name="Google Shape;464;p22"/>
           <p:cNvSpPr txBox="1"/>
           <p:nvPr/>
         </p:nvSpPr>
         <p:spPr>
           <a:xfrm>
-            <a:off x="454434" y="4115104"/>
+            <a:off x="1673634" y="3986627"/>
             <a:ext cx="1211700" cy="147900"/>
           </a:xfrm>
           <a:prstGeom prst="rect">
@@ -11406,8 +11690,8 @@
         </p:nvSpPr>
         <p:spPr>
           <a:xfrm>
-            <a:off x="1712250" y="720650"/>
-            <a:ext cx="1140300" cy="147900"/>
+            <a:off x="454434" y="4115104"/>
+            <a:ext cx="1211700" cy="147900"/>
           </a:xfrm>
           <a:prstGeom prst="rect">
             <a:avLst/>
@@ -11434,6 +11718,64 @@
             </a:pPr>
             <a:r>
               <a:rPr lang="en" sz="900"/>
+              <a:t>result,Lifecycle</a:t>
+            </a:r>
+            <a:endParaRPr sz="900"/>
+          </a:p>
+          <a:p>
+            <a:pPr indent="0" lvl="0" marL="0" rtl="0" algn="l">
+              <a:spcBef>
+                <a:spcPts val="0"/>
+              </a:spcBef>
+              <a:spcAft>
+                <a:spcPts val="0"/>
+              </a:spcAft>
+              <a:buNone/>
+            </a:pPr>
+            <a:r>
+              <a:rPr lang="en" sz="900"/>
+              <a:t>ChangeNotification</a:t>
+            </a:r>
+            <a:endParaRPr sz="900"/>
+          </a:p>
+        </p:txBody>
+      </p:sp>
+      <p:sp>
+        <p:nvSpPr>
+          <p:cNvPr id="466" name="Google Shape;466;p22"/>
+          <p:cNvSpPr txBox="1"/>
+          <p:nvPr/>
+        </p:nvSpPr>
+        <p:spPr>
+          <a:xfrm>
+            <a:off x="1712250" y="720650"/>
+            <a:ext cx="1140300" cy="147900"/>
+          </a:xfrm>
+          <a:prstGeom prst="rect">
+            <a:avLst/>
+          </a:prstGeom>
+          <a:noFill/>
+          <a:ln>
+            <a:noFill/>
+          </a:ln>
+        </p:spPr>
+        <p:txBody>
+          <a:bodyPr anchorCtr="0" anchor="t" bIns="91425" lIns="91425" spcFirstLastPara="1" rIns="91425" wrap="square" tIns="91425">
+            <a:noAutofit/>
+          </a:bodyPr>
+          <a:lstStyle/>
+          <a:p>
+            <a:pPr indent="0" lvl="0" marL="0" rtl="0" algn="l">
+              <a:spcBef>
+                <a:spcPts val="0"/>
+              </a:spcBef>
+              <a:spcAft>
+                <a:spcPts val="0"/>
+              </a:spcAft>
+              <a:buNone/>
+            </a:pPr>
+            <a:r>
+              <a:rPr lang="en" sz="900"/>
               <a:t>Create identifier</a:t>
             </a:r>
             <a:endParaRPr sz="900"/>
@@ -11442,7 +11784,7 @@
       </p:sp>
       <p:cxnSp>
         <p:nvCxnSpPr>
-          <p:cNvPr id="466" name="Google Shape;466;p22"/>
+          <p:cNvPr id="467" name="Google Shape;467;p22"/>
           <p:cNvCxnSpPr/>
           <p:nvPr/>
         </p:nvCxnSpPr>
@@ -11468,7 +11810,7 @@
       </p:cxnSp>
       <p:sp>
         <p:nvSpPr>
-          <p:cNvPr id="467" name="Google Shape;467;p22"/>
+          <p:cNvPr id="468" name="Google Shape;468;p22"/>
           <p:cNvSpPr txBox="1"/>
           <p:nvPr/>
         </p:nvSpPr>
@@ -11510,7 +11852,7 @@
       </p:sp>
       <p:sp>
         <p:nvSpPr>
-          <p:cNvPr id="468" name="Google Shape;468;p22"/>
+          <p:cNvPr id="469" name="Google Shape;469;p22"/>
           <p:cNvSpPr txBox="1"/>
           <p:nvPr/>
         </p:nvSpPr>
@@ -11552,7 +11894,7 @@
       </p:sp>
       <p:sp>
         <p:nvSpPr>
-          <p:cNvPr id="469" name="Google Shape;469;p22"/>
+          <p:cNvPr id="470" name="Google Shape;470;p22"/>
           <p:cNvSpPr txBox="1"/>
           <p:nvPr/>
         </p:nvSpPr>
@@ -11605,7 +11947,7 @@
   <p:cSld>
     <p:spTree>
       <p:nvGrpSpPr>
-        <p:cNvPr id="473" name="Shape 473"/>
+        <p:cNvPr id="474" name="Shape 474"/>
         <p:cNvGrpSpPr/>
         <p:nvPr/>
       </p:nvGrpSpPr>
@@ -11619,7 +11961,7 @@
       </p:grpSpPr>
       <p:sp>
         <p:nvSpPr>
-          <p:cNvPr id="474" name="Google Shape;474;p23"/>
+          <p:cNvPr id="475" name="Google Shape;475;p23"/>
           <p:cNvSpPr/>
           <p:nvPr/>
         </p:nvSpPr>
@@ -11670,7 +12012,7 @@
       </p:sp>
       <p:sp>
         <p:nvSpPr>
-          <p:cNvPr id="475" name="Google Shape;475;p23"/>
+          <p:cNvPr id="476" name="Google Shape;476;p23"/>
           <p:cNvSpPr/>
           <p:nvPr/>
         </p:nvSpPr>
@@ -11724,7 +12066,7 @@
       </p:sp>
       <p:sp>
         <p:nvSpPr>
-          <p:cNvPr id="476" name="Google Shape;476;p23"/>
+          <p:cNvPr id="477" name="Google Shape;477;p23"/>
           <p:cNvSpPr/>
           <p:nvPr/>
         </p:nvSpPr>
@@ -11775,7 +12117,7 @@
       </p:sp>
       <p:sp>
         <p:nvSpPr>
-          <p:cNvPr id="477" name="Google Shape;477;p23"/>
+          <p:cNvPr id="478" name="Google Shape;478;p23"/>
           <p:cNvSpPr/>
           <p:nvPr/>
         </p:nvSpPr>
@@ -11827,7 +12169,7 @@
       </p:sp>
       <p:cxnSp>
         <p:nvCxnSpPr>
-          <p:cNvPr id="478" name="Google Shape;478;p23"/>
+          <p:cNvPr id="479" name="Google Shape;479;p23"/>
           <p:cNvCxnSpPr/>
           <p:nvPr/>
         </p:nvCxnSpPr>
@@ -11853,7 +12195,7 @@
       </p:cxnSp>
       <p:sp>
         <p:nvSpPr>
-          <p:cNvPr id="479" name="Google Shape;479;p23"/>
+          <p:cNvPr id="480" name="Google Shape;480;p23"/>
           <p:cNvSpPr/>
           <p:nvPr/>
         </p:nvSpPr>
@@ -11905,7 +12247,7 @@
       </p:sp>
       <p:cxnSp>
         <p:nvCxnSpPr>
-          <p:cNvPr id="480" name="Google Shape;480;p23"/>
+          <p:cNvPr id="481" name="Google Shape;481;p23"/>
           <p:cNvCxnSpPr/>
           <p:nvPr/>
         </p:nvCxnSpPr>
@@ -11931,7 +12273,7 @@
       </p:cxnSp>
       <p:sp>
         <p:nvSpPr>
-          <p:cNvPr id="481" name="Google Shape;481;p23"/>
+          <p:cNvPr id="482" name="Google Shape;482;p23"/>
           <p:cNvSpPr/>
           <p:nvPr/>
         </p:nvSpPr>
@@ -11983,7 +12325,7 @@
       </p:sp>
       <p:cxnSp>
         <p:nvCxnSpPr>
-          <p:cNvPr id="482" name="Google Shape;482;p23"/>
+          <p:cNvPr id="483" name="Google Shape;483;p23"/>
           <p:cNvCxnSpPr/>
           <p:nvPr/>
         </p:nvCxnSpPr>
@@ -12009,7 +12351,7 @@
       </p:cxnSp>
       <p:sp>
         <p:nvSpPr>
-          <p:cNvPr id="483" name="Google Shape;483;p23"/>
+          <p:cNvPr id="484" name="Google Shape;484;p23"/>
           <p:cNvSpPr/>
           <p:nvPr/>
         </p:nvSpPr>
@@ -12061,7 +12403,7 @@
       </p:sp>
       <p:cxnSp>
         <p:nvCxnSpPr>
-          <p:cNvPr id="484" name="Google Shape;484;p23"/>
+          <p:cNvPr id="485" name="Google Shape;485;p23"/>
           <p:cNvCxnSpPr/>
           <p:nvPr/>
         </p:nvCxnSpPr>
@@ -12087,7 +12429,7 @@
       </p:cxnSp>
       <p:cxnSp>
         <p:nvCxnSpPr>
-          <p:cNvPr id="485" name="Google Shape;485;p23"/>
+          <p:cNvPr id="486" name="Google Shape;486;p23"/>
           <p:cNvCxnSpPr/>
           <p:nvPr/>
         </p:nvCxnSpPr>
@@ -12113,7 +12455,7 @@
       </p:cxnSp>
       <p:sp>
         <p:nvSpPr>
-          <p:cNvPr id="486" name="Google Shape;486;p23"/>
+          <p:cNvPr id="487" name="Google Shape;487;p23"/>
           <p:cNvSpPr txBox="1"/>
           <p:nvPr/>
         </p:nvSpPr>
@@ -12159,7 +12501,7 @@
       </p:sp>
       <p:cxnSp>
         <p:nvCxnSpPr>
-          <p:cNvPr id="487" name="Google Shape;487;p23"/>
+          <p:cNvPr id="488" name="Google Shape;488;p23"/>
           <p:cNvCxnSpPr/>
           <p:nvPr/>
         </p:nvCxnSpPr>
@@ -12185,7 +12527,7 @@
       </p:cxnSp>
       <p:sp>
         <p:nvSpPr>
-          <p:cNvPr id="488" name="Google Shape;488;p23"/>
+          <p:cNvPr id="489" name="Google Shape;489;p23"/>
           <p:cNvSpPr txBox="1"/>
           <p:nvPr/>
         </p:nvSpPr>
@@ -12231,7 +12573,7 @@
       </p:sp>
       <p:sp>
         <p:nvSpPr>
-          <p:cNvPr id="489" name="Google Shape;489;p23"/>
+          <p:cNvPr id="490" name="Google Shape;490;p23"/>
           <p:cNvSpPr txBox="1"/>
           <p:nvPr/>
         </p:nvSpPr>
@@ -12277,7 +12619,7 @@
       </p:sp>
       <p:cxnSp>
         <p:nvCxnSpPr>
-          <p:cNvPr id="490" name="Google Shape;490;p23"/>
+          <p:cNvPr id="491" name="Google Shape;491;p23"/>
           <p:cNvCxnSpPr/>
           <p:nvPr/>
         </p:nvCxnSpPr>
@@ -12303,7 +12645,7 @@
       </p:cxnSp>
       <p:sp>
         <p:nvSpPr>
-          <p:cNvPr id="491" name="Google Shape;491;p23"/>
+          <p:cNvPr id="492" name="Google Shape;492;p23"/>
           <p:cNvSpPr/>
           <p:nvPr/>
         </p:nvSpPr>
@@ -12356,7 +12698,7 @@
       </p:sp>
       <p:sp>
         <p:nvSpPr>
-          <p:cNvPr id="492" name="Google Shape;492;p23"/>
+          <p:cNvPr id="493" name="Google Shape;493;p23"/>
           <p:cNvSpPr txBox="1"/>
           <p:nvPr/>
         </p:nvSpPr>
@@ -12418,7 +12760,7 @@
       </p:sp>
       <p:cxnSp>
         <p:nvCxnSpPr>
-          <p:cNvPr id="493" name="Google Shape;493;p23"/>
+          <p:cNvPr id="494" name="Google Shape;494;p23"/>
           <p:cNvCxnSpPr/>
           <p:nvPr/>
         </p:nvCxnSpPr>
@@ -12444,7 +12786,7 @@
       </p:cxnSp>
       <p:sp>
         <p:nvSpPr>
-          <p:cNvPr id="494" name="Google Shape;494;p23"/>
+          <p:cNvPr id="495" name="Google Shape;495;p23"/>
           <p:cNvSpPr txBox="1"/>
           <p:nvPr/>
         </p:nvSpPr>
@@ -12486,7 +12828,7 @@
       </p:sp>
       <p:cxnSp>
         <p:nvCxnSpPr>
-          <p:cNvPr id="495" name="Google Shape;495;p23"/>
+          <p:cNvPr id="496" name="Google Shape;496;p23"/>
           <p:cNvCxnSpPr/>
           <p:nvPr/>
         </p:nvCxnSpPr>
@@ -12512,7 +12854,7 @@
       </p:cxnSp>
       <p:cxnSp>
         <p:nvCxnSpPr>
-          <p:cNvPr id="496" name="Google Shape;496;p23"/>
+          <p:cNvPr id="497" name="Google Shape;497;p23"/>
           <p:cNvCxnSpPr/>
           <p:nvPr/>
         </p:nvCxnSpPr>
@@ -12538,7 +12880,7 @@
       </p:cxnSp>
       <p:sp>
         <p:nvSpPr>
-          <p:cNvPr id="497" name="Google Shape;497;p23"/>
+          <p:cNvPr id="498" name="Google Shape;498;p23"/>
           <p:cNvSpPr txBox="1"/>
           <p:nvPr/>
         </p:nvSpPr>
@@ -12612,7 +12954,7 @@
       </p:sp>
       <p:cxnSp>
         <p:nvCxnSpPr>
-          <p:cNvPr id="498" name="Google Shape;498;p23"/>
+          <p:cNvPr id="499" name="Google Shape;499;p23"/>
           <p:cNvCxnSpPr/>
           <p:nvPr/>
         </p:nvCxnSpPr>
@@ -12638,7 +12980,7 @@
       </p:cxnSp>
       <p:cxnSp>
         <p:nvCxnSpPr>
-          <p:cNvPr id="499" name="Google Shape;499;p23"/>
+          <p:cNvPr id="500" name="Google Shape;500;p23"/>
           <p:cNvCxnSpPr/>
           <p:nvPr/>
         </p:nvCxnSpPr>
@@ -12664,7 +13006,7 @@
       </p:cxnSp>
       <p:sp>
         <p:nvSpPr>
-          <p:cNvPr id="500" name="Google Shape;500;p23"/>
+          <p:cNvPr id="501" name="Google Shape;501;p23"/>
           <p:cNvSpPr txBox="1"/>
           <p:nvPr/>
         </p:nvSpPr>
@@ -12706,7 +13048,7 @@
       </p:sp>
       <p:cxnSp>
         <p:nvCxnSpPr>
-          <p:cNvPr id="501" name="Google Shape;501;p23"/>
+          <p:cNvPr id="502" name="Google Shape;502;p23"/>
           <p:cNvCxnSpPr/>
           <p:nvPr/>
         </p:nvCxnSpPr>
@@ -12732,7 +13074,7 @@
       </p:cxnSp>
       <p:sp>
         <p:nvSpPr>
-          <p:cNvPr id="502" name="Google Shape;502;p23"/>
+          <p:cNvPr id="503" name="Google Shape;503;p23"/>
           <p:cNvSpPr txBox="1"/>
           <p:nvPr/>
         </p:nvSpPr>
@@ -12774,7 +13116,7 @@
       </p:sp>
       <p:cxnSp>
         <p:nvCxnSpPr>
-          <p:cNvPr id="503" name="Google Shape;503;p23"/>
+          <p:cNvPr id="504" name="Google Shape;504;p23"/>
           <p:cNvCxnSpPr/>
           <p:nvPr/>
         </p:nvCxnSpPr>
@@ -12800,7 +13142,7 @@
       </p:cxnSp>
       <p:cxnSp>
         <p:nvCxnSpPr>
-          <p:cNvPr id="504" name="Google Shape;504;p23"/>
+          <p:cNvPr id="505" name="Google Shape;505;p23"/>
           <p:cNvCxnSpPr/>
           <p:nvPr/>
         </p:nvCxnSpPr>
@@ -12826,7 +13168,7 @@
       </p:cxnSp>
       <p:sp>
         <p:nvSpPr>
-          <p:cNvPr id="505" name="Google Shape;505;p23"/>
+          <p:cNvPr id="506" name="Google Shape;506;p23"/>
           <p:cNvSpPr txBox="1"/>
           <p:nvPr/>
         </p:nvSpPr>
@@ -12868,7 +13210,7 @@
       </p:sp>
       <p:sp>
         <p:nvSpPr>
-          <p:cNvPr id="506" name="Google Shape;506;p23"/>
+          <p:cNvPr id="507" name="Google Shape;507;p23"/>
           <p:cNvSpPr txBox="1"/>
           <p:nvPr/>
         </p:nvSpPr>
@@ -12914,7 +13256,7 @@
       </p:sp>
       <p:cxnSp>
         <p:nvCxnSpPr>
-          <p:cNvPr id="507" name="Google Shape;507;p23"/>
+          <p:cNvPr id="508" name="Google Shape;508;p23"/>
           <p:cNvCxnSpPr/>
           <p:nvPr/>
         </p:nvCxnSpPr>
@@ -12940,7 +13282,7 @@
       </p:cxnSp>
       <p:sp>
         <p:nvSpPr>
-          <p:cNvPr id="508" name="Google Shape;508;p23"/>
+          <p:cNvPr id="509" name="Google Shape;509;p23"/>
           <p:cNvSpPr txBox="1"/>
           <p:nvPr/>
         </p:nvSpPr>
@@ -13010,55 +13352,13 @@
       </p:sp>
       <p:sp>
         <p:nvSpPr>
-          <p:cNvPr id="509" name="Google Shape;509;p23"/>
-          <p:cNvSpPr txBox="1"/>
-          <p:nvPr/>
-        </p:nvSpPr>
-        <p:spPr>
-          <a:xfrm>
-            <a:off x="874050" y="1318288"/>
-            <a:ext cx="1140300" cy="147900"/>
-          </a:xfrm>
-          <a:prstGeom prst="rect">
-            <a:avLst/>
-          </a:prstGeom>
-          <a:noFill/>
-          <a:ln>
-            <a:noFill/>
-          </a:ln>
-        </p:spPr>
-        <p:txBody>
-          <a:bodyPr anchorCtr="0" anchor="t" bIns="91425" lIns="91425" spcFirstLastPara="1" rIns="91425" wrap="square" tIns="91425">
-            <a:noAutofit/>
-          </a:bodyPr>
-          <a:lstStyle/>
-          <a:p>
-            <a:pPr indent="0" lvl="0" marL="0" rtl="0" algn="l">
-              <a:spcBef>
-                <a:spcPts val="0"/>
-              </a:spcBef>
-              <a:spcAft>
-                <a:spcPts val="0"/>
-              </a:spcAft>
-              <a:buNone/>
-            </a:pPr>
-            <a:r>
-              <a:rPr lang="en" sz="900"/>
-              <a:t>operationStatus</a:t>
-            </a:r>
-            <a:endParaRPr sz="900"/>
-          </a:p>
-        </p:txBody>
-      </p:sp>
-      <p:sp>
-        <p:nvSpPr>
           <p:cNvPr id="510" name="Google Shape;510;p23"/>
           <p:cNvSpPr txBox="1"/>
           <p:nvPr/>
         </p:nvSpPr>
         <p:spPr>
           <a:xfrm>
-            <a:off x="2017050" y="1330250"/>
+            <a:off x="874050" y="1318288"/>
             <a:ext cx="1140300" cy="147900"/>
           </a:xfrm>
           <a:prstGeom prst="rect">
@@ -13100,6 +13400,48 @@
         </p:nvSpPr>
         <p:spPr>
           <a:xfrm>
+            <a:off x="2017050" y="1330250"/>
+            <a:ext cx="1140300" cy="147900"/>
+          </a:xfrm>
+          <a:prstGeom prst="rect">
+            <a:avLst/>
+          </a:prstGeom>
+          <a:noFill/>
+          <a:ln>
+            <a:noFill/>
+          </a:ln>
+        </p:spPr>
+        <p:txBody>
+          <a:bodyPr anchorCtr="0" anchor="t" bIns="91425" lIns="91425" spcFirstLastPara="1" rIns="91425" wrap="square" tIns="91425">
+            <a:noAutofit/>
+          </a:bodyPr>
+          <a:lstStyle/>
+          <a:p>
+            <a:pPr indent="0" lvl="0" marL="0" rtl="0" algn="l">
+              <a:spcBef>
+                <a:spcPts val="0"/>
+              </a:spcBef>
+              <a:spcAft>
+                <a:spcPts val="0"/>
+              </a:spcAft>
+              <a:buNone/>
+            </a:pPr>
+            <a:r>
+              <a:rPr lang="en" sz="900"/>
+              <a:t>operationStatus</a:t>
+            </a:r>
+            <a:endParaRPr sz="900"/>
+          </a:p>
+        </p:txBody>
+      </p:sp>
+      <p:sp>
+        <p:nvSpPr>
+          <p:cNvPr id="512" name="Google Shape;512;p23"/>
+          <p:cNvSpPr txBox="1"/>
+          <p:nvPr/>
+        </p:nvSpPr>
+        <p:spPr>
+          <a:xfrm>
             <a:off x="3215537" y="1170200"/>
             <a:ext cx="819600" cy="238500"/>
           </a:xfrm>
@@ -13172,7 +13514,7 @@
       </p:sp>
       <p:sp>
         <p:nvSpPr>
-          <p:cNvPr id="512" name="Google Shape;512;p23"/>
+          <p:cNvPr id="513" name="Google Shape;513;p23"/>
           <p:cNvSpPr txBox="1"/>
           <p:nvPr/>
         </p:nvSpPr>
@@ -13214,7 +13556,7 @@
       </p:sp>
       <p:sp>
         <p:nvSpPr>
-          <p:cNvPr id="513" name="Google Shape;513;p23"/>
+          <p:cNvPr id="514" name="Google Shape;514;p23"/>
           <p:cNvSpPr txBox="1"/>
           <p:nvPr/>
         </p:nvSpPr>
@@ -13272,7 +13614,7 @@
       </p:sp>
       <p:cxnSp>
         <p:nvCxnSpPr>
-          <p:cNvPr id="514" name="Google Shape;514;p23"/>
+          <p:cNvPr id="515" name="Google Shape;515;p23"/>
           <p:cNvCxnSpPr/>
           <p:nvPr/>
         </p:nvCxnSpPr>
@@ -13298,7 +13640,7 @@
       </p:cxnSp>
       <p:sp>
         <p:nvSpPr>
-          <p:cNvPr id="515" name="Google Shape;515;p23"/>
+          <p:cNvPr id="516" name="Google Shape;516;p23"/>
           <p:cNvSpPr txBox="1"/>
           <p:nvPr/>
         </p:nvSpPr>
@@ -13356,7 +13698,7 @@
       </p:sp>
       <p:sp>
         <p:nvSpPr>
-          <p:cNvPr id="516" name="Google Shape;516;p23"/>
+          <p:cNvPr id="517" name="Google Shape;517;p23"/>
           <p:cNvSpPr/>
           <p:nvPr/>
         </p:nvSpPr>
@@ -13419,7 +13761,7 @@
   <p:cSld>
     <p:spTree>
       <p:nvGrpSpPr>
-        <p:cNvPr id="520" name="Shape 520"/>
+        <p:cNvPr id="521" name="Shape 521"/>
         <p:cNvGrpSpPr/>
         <p:nvPr/>
       </p:nvGrpSpPr>
@@ -13433,7 +13775,7 @@
       </p:grpSpPr>
       <p:sp>
         <p:nvSpPr>
-          <p:cNvPr id="521" name="Google Shape;521;p24"/>
+          <p:cNvPr id="522" name="Google Shape;522;p24"/>
           <p:cNvSpPr txBox="1"/>
           <p:nvPr/>
         </p:nvSpPr>
@@ -13495,7 +13837,7 @@
       </p:sp>
       <p:sp>
         <p:nvSpPr>
-          <p:cNvPr id="522" name="Google Shape;522;p24"/>
+          <p:cNvPr id="523" name="Google Shape;523;p24"/>
           <p:cNvSpPr txBox="1"/>
           <p:nvPr/>
         </p:nvSpPr>
@@ -13641,7 +13983,7 @@
       </p:sp>
       <p:sp>
         <p:nvSpPr>
-          <p:cNvPr id="523" name="Google Shape;523;p24"/>
+          <p:cNvPr id="524" name="Google Shape;524;p24"/>
           <p:cNvSpPr txBox="1"/>
           <p:nvPr/>
         </p:nvSpPr>
@@ -13682,7 +14024,7 @@
       </p:sp>
       <p:grpSp>
         <p:nvGrpSpPr>
-          <p:cNvPr id="524" name="Google Shape;524;p24"/>
+          <p:cNvPr id="525" name="Google Shape;525;p24"/>
           <p:cNvGrpSpPr/>
           <p:nvPr/>
         </p:nvGrpSpPr>
@@ -13696,7 +14038,7 @@
         </p:grpSpPr>
         <p:pic>
           <p:nvPicPr>
-            <p:cNvPr id="525" name="Google Shape;525;p24"/>
+            <p:cNvPr id="526" name="Google Shape;526;p24"/>
             <p:cNvPicPr preferRelativeResize="0"/>
             <p:nvPr/>
           </p:nvPicPr>
@@ -13724,7 +14066,7 @@
         </p:pic>
         <p:pic>
           <p:nvPicPr>
-            <p:cNvPr id="526" name="Google Shape;526;p24"/>
+            <p:cNvPr id="527" name="Google Shape;527;p24"/>
             <p:cNvPicPr preferRelativeResize="0"/>
             <p:nvPr/>
           </p:nvPicPr>
@@ -13753,7 +14095,7 @@
       </p:grpSp>
       <p:graphicFrame>
         <p:nvGraphicFramePr>
-          <p:cNvPr id="527" name="Google Shape;527;p24"/>
+          <p:cNvPr id="528" name="Google Shape;528;p24"/>
           <p:cNvGraphicFramePr/>
           <p:nvPr/>
         </p:nvGraphicFramePr>
@@ -13766,7 +14108,7 @@
             <a:tbl>
               <a:tblPr>
                 <a:noFill/>
-                <a:tableStyleId>{9516BA6F-AA1F-4454-A6A2-C78CDC7ADEBA}</a:tableStyleId>
+                <a:tableStyleId>{3133F2AC-340D-43B4-9B79-CC9FF042F340}</a:tableStyleId>
               </a:tblPr>
               <a:tblGrid>
                 <a:gridCol w="1668350"/>
@@ -14380,7 +14722,7 @@
       </p:graphicFrame>
       <p:sp>
         <p:nvSpPr>
-          <p:cNvPr id="528" name="Google Shape;528;p24"/>
+          <p:cNvPr id="529" name="Google Shape;529;p24"/>
           <p:cNvSpPr txBox="1"/>
           <p:nvPr/>
         </p:nvSpPr>
@@ -14497,7 +14839,7 @@
       </p:sp>
       <p:cxnSp>
         <p:nvCxnSpPr>
-          <p:cNvPr id="529" name="Google Shape;529;p24"/>
+          <p:cNvPr id="530" name="Google Shape;530;p24"/>
           <p:cNvCxnSpPr/>
           <p:nvPr/>
         </p:nvCxnSpPr>
@@ -14534,7 +14876,7 @@
   <p:cSld>
     <p:spTree>
       <p:nvGrpSpPr>
-        <p:cNvPr id="533" name="Shape 533"/>
+        <p:cNvPr id="534" name="Shape 534"/>
         <p:cNvGrpSpPr/>
         <p:nvPr/>
       </p:nvGrpSpPr>
@@ -14548,7 +14890,7 @@
       </p:grpSpPr>
       <p:sp>
         <p:nvSpPr>
-          <p:cNvPr id="534" name="Google Shape;534;p25"/>
+          <p:cNvPr id="535" name="Google Shape;535;p25"/>
           <p:cNvSpPr txBox="1"/>
           <p:nvPr/>
         </p:nvSpPr>
@@ -14594,7 +14936,7 @@
       </p:sp>
       <p:sp>
         <p:nvSpPr>
-          <p:cNvPr id="535" name="Google Shape;535;p25"/>
+          <p:cNvPr id="536" name="Google Shape;536;p25"/>
           <p:cNvSpPr txBox="1"/>
           <p:nvPr/>
         </p:nvSpPr>
@@ -14737,7 +15079,7 @@
       </p:sp>
       <p:grpSp>
         <p:nvGrpSpPr>
-          <p:cNvPr id="536" name="Google Shape;536;p25"/>
+          <p:cNvPr id="537" name="Google Shape;537;p25"/>
           <p:cNvGrpSpPr/>
           <p:nvPr/>
         </p:nvGrpSpPr>
@@ -14751,7 +15093,7 @@
         </p:grpSpPr>
         <p:pic>
           <p:nvPicPr>
-            <p:cNvPr id="537" name="Google Shape;537;p25"/>
+            <p:cNvPr id="538" name="Google Shape;538;p25"/>
             <p:cNvPicPr preferRelativeResize="0"/>
             <p:nvPr/>
           </p:nvPicPr>
@@ -14779,7 +15121,7 @@
         </p:pic>
         <p:pic>
           <p:nvPicPr>
-            <p:cNvPr id="538" name="Google Shape;538;p25"/>
+            <p:cNvPr id="539" name="Google Shape;539;p25"/>
             <p:cNvPicPr preferRelativeResize="0"/>
             <p:nvPr/>
           </p:nvPicPr>
@@ -14808,7 +15150,7 @@
       </p:grpSp>
       <p:graphicFrame>
         <p:nvGraphicFramePr>
-          <p:cNvPr id="539" name="Google Shape;539;p25"/>
+          <p:cNvPr id="540" name="Google Shape;540;p25"/>
           <p:cNvGraphicFramePr/>
           <p:nvPr/>
         </p:nvGraphicFramePr>
@@ -14821,7 +15163,7 @@
             <a:tbl>
               <a:tblPr>
                 <a:noFill/>
-                <a:tableStyleId>{9516BA6F-AA1F-4454-A6A2-C78CDC7ADEBA}</a:tableStyleId>
+                <a:tableStyleId>{3133F2AC-340D-43B4-9B79-CC9FF042F340}</a:tableStyleId>
               </a:tblPr>
               <a:tblGrid>
                 <a:gridCol w="2095650"/>
@@ -15369,7 +15711,7 @@
       </p:graphicFrame>
       <p:sp>
         <p:nvSpPr>
-          <p:cNvPr id="540" name="Google Shape;540;p25"/>
+          <p:cNvPr id="541" name="Google Shape;541;p25"/>
           <p:cNvSpPr txBox="1"/>
           <p:nvPr/>
         </p:nvSpPr>
@@ -15486,9 +15828,9 @@
       </p:sp>
       <p:cxnSp>
         <p:nvCxnSpPr>
-          <p:cNvPr id="541" name="Google Shape;541;p25"/>
+          <p:cNvPr id="542" name="Google Shape;542;p25"/>
           <p:cNvCxnSpPr>
-            <a:stCxn id="535" idx="0"/>
+            <a:stCxn id="536" idx="0"/>
           </p:cNvCxnSpPr>
           <p:nvPr/>
         </p:nvCxnSpPr>
@@ -15525,7 +15867,7 @@
   <p:cSld>
     <p:spTree>
       <p:nvGrpSpPr>
-        <p:cNvPr id="545" name="Shape 545"/>
+        <p:cNvPr id="546" name="Shape 546"/>
         <p:cNvGrpSpPr/>
         <p:nvPr/>
       </p:nvGrpSpPr>
@@ -15539,7 +15881,7 @@
       </p:grpSpPr>
       <p:sp>
         <p:nvSpPr>
-          <p:cNvPr id="546" name="Google Shape;546;p26"/>
+          <p:cNvPr id="547" name="Google Shape;547;p26"/>
           <p:cNvSpPr txBox="1"/>
           <p:nvPr/>
         </p:nvSpPr>
@@ -15585,7 +15927,7 @@
       </p:sp>
       <p:sp>
         <p:nvSpPr>
-          <p:cNvPr id="547" name="Google Shape;547;p26"/>
+          <p:cNvPr id="548" name="Google Shape;548;p26"/>
           <p:cNvSpPr/>
           <p:nvPr/>
         </p:nvSpPr>
@@ -15630,7 +15972,7 @@
       </p:sp>
       <p:grpSp>
         <p:nvGrpSpPr>
-          <p:cNvPr id="548" name="Google Shape;548;p26"/>
+          <p:cNvPr id="549" name="Google Shape;549;p26"/>
           <p:cNvGrpSpPr/>
           <p:nvPr/>
         </p:nvGrpSpPr>
@@ -15644,7 +15986,7 @@
         </p:grpSpPr>
         <p:sp>
           <p:nvSpPr>
-            <p:cNvPr id="549" name="Google Shape;549;p26"/>
+            <p:cNvPr id="550" name="Google Shape;550;p26"/>
             <p:cNvSpPr/>
             <p:nvPr/>
           </p:nvSpPr>
@@ -15693,7 +16035,7 @@
         </p:sp>
         <p:sp>
           <p:nvSpPr>
-            <p:cNvPr id="550" name="Google Shape;550;p26"/>
+            <p:cNvPr id="551" name="Google Shape;551;p26"/>
             <p:cNvSpPr txBox="1"/>
             <p:nvPr/>
           </p:nvSpPr>
@@ -15754,7 +16096,7 @@
         </p:sp>
         <p:sp>
           <p:nvSpPr>
-            <p:cNvPr id="551" name="Google Shape;551;p26"/>
+            <p:cNvPr id="552" name="Google Shape;552;p26"/>
             <p:cNvSpPr/>
             <p:nvPr/>
           </p:nvSpPr>
@@ -15889,7 +16231,7 @@
         </p:sp>
         <p:sp>
           <p:nvSpPr>
-            <p:cNvPr id="552" name="Google Shape;552;p26"/>
+            <p:cNvPr id="553" name="Google Shape;553;p26"/>
             <p:cNvSpPr/>
             <p:nvPr/>
           </p:nvSpPr>
@@ -15934,7 +16276,7 @@
         </p:sp>
         <p:sp>
           <p:nvSpPr>
-            <p:cNvPr id="553" name="Google Shape;553;p26"/>
+            <p:cNvPr id="554" name="Google Shape;554;p26"/>
             <p:cNvSpPr txBox="1"/>
             <p:nvPr/>
           </p:nvSpPr>
@@ -15992,7 +16334,7 @@
       </p:grpSp>
       <p:sp>
         <p:nvSpPr>
-          <p:cNvPr id="554" name="Google Shape;554;p26"/>
+          <p:cNvPr id="555" name="Google Shape;555;p26"/>
           <p:cNvSpPr/>
           <p:nvPr/>
         </p:nvSpPr>
@@ -16037,7 +16379,7 @@
       </p:sp>
       <p:grpSp>
         <p:nvGrpSpPr>
-          <p:cNvPr id="555" name="Google Shape;555;p26"/>
+          <p:cNvPr id="556" name="Google Shape;556;p26"/>
           <p:cNvGrpSpPr/>
           <p:nvPr/>
         </p:nvGrpSpPr>
@@ -16051,7 +16393,7 @@
         </p:grpSpPr>
         <p:sp>
           <p:nvSpPr>
-            <p:cNvPr id="556" name="Google Shape;556;p26"/>
+            <p:cNvPr id="557" name="Google Shape;557;p26"/>
             <p:cNvSpPr txBox="1"/>
             <p:nvPr/>
           </p:nvSpPr>
@@ -16112,7 +16454,7 @@
         </p:sp>
         <p:sp>
           <p:nvSpPr>
-            <p:cNvPr id="557" name="Google Shape;557;p26"/>
+            <p:cNvPr id="558" name="Google Shape;558;p26"/>
             <p:cNvSpPr/>
             <p:nvPr/>
           </p:nvSpPr>
@@ -16161,7 +16503,7 @@
         </p:sp>
         <p:sp>
           <p:nvSpPr>
-            <p:cNvPr id="558" name="Google Shape;558;p26"/>
+            <p:cNvPr id="559" name="Google Shape;559;p26"/>
             <p:cNvSpPr/>
             <p:nvPr/>
           </p:nvSpPr>
@@ -16296,7 +16638,7 @@
         </p:sp>
         <p:sp>
           <p:nvSpPr>
-            <p:cNvPr id="559" name="Google Shape;559;p26"/>
+            <p:cNvPr id="560" name="Google Shape;560;p26"/>
             <p:cNvSpPr txBox="1"/>
             <p:nvPr/>
           </p:nvSpPr>
@@ -16353,7 +16695,7 @@
         </p:sp>
         <p:sp>
           <p:nvSpPr>
-            <p:cNvPr id="560" name="Google Shape;560;p26"/>
+            <p:cNvPr id="561" name="Google Shape;561;p26"/>
             <p:cNvSpPr/>
             <p:nvPr/>
           </p:nvSpPr>
@@ -16399,7 +16741,7 @@
       </p:grpSp>
       <p:sp>
         <p:nvSpPr>
-          <p:cNvPr id="561" name="Google Shape;561;p26"/>
+          <p:cNvPr id="562" name="Google Shape;562;p26"/>
           <p:cNvSpPr/>
           <p:nvPr/>
         </p:nvSpPr>
@@ -16444,7 +16786,7 @@
       </p:sp>
       <p:sp>
         <p:nvSpPr>
-          <p:cNvPr id="562" name="Google Shape;562;p26"/>
+          <p:cNvPr id="563" name="Google Shape;563;p26"/>
           <p:cNvSpPr/>
           <p:nvPr/>
         </p:nvSpPr>
@@ -16489,7 +16831,7 @@
       </p:sp>
       <p:grpSp>
         <p:nvGrpSpPr>
-          <p:cNvPr id="563" name="Google Shape;563;p26"/>
+          <p:cNvPr id="564" name="Google Shape;564;p26"/>
           <p:cNvGrpSpPr/>
           <p:nvPr/>
         </p:nvGrpSpPr>
@@ -16503,7 +16845,7 @@
         </p:grpSpPr>
         <p:sp>
           <p:nvSpPr>
-            <p:cNvPr id="564" name="Google Shape;564;p26"/>
+            <p:cNvPr id="565" name="Google Shape;565;p26"/>
             <p:cNvSpPr/>
             <p:nvPr/>
           </p:nvSpPr>
@@ -16638,7 +16980,7 @@
         </p:sp>
         <p:sp>
           <p:nvSpPr>
-            <p:cNvPr id="565" name="Google Shape;565;p26"/>
+            <p:cNvPr id="566" name="Google Shape;566;p26"/>
             <p:cNvSpPr txBox="1"/>
             <p:nvPr/>
           </p:nvSpPr>
@@ -16699,7 +17041,7 @@
         </p:sp>
         <p:sp>
           <p:nvSpPr>
-            <p:cNvPr id="566" name="Google Shape;566;p26"/>
+            <p:cNvPr id="567" name="Google Shape;567;p26"/>
             <p:cNvSpPr/>
             <p:nvPr/>
           </p:nvSpPr>
@@ -16744,7 +17086,7 @@
         </p:sp>
         <p:sp>
           <p:nvSpPr>
-            <p:cNvPr id="567" name="Google Shape;567;p26"/>
+            <p:cNvPr id="568" name="Google Shape;568;p26"/>
             <p:cNvSpPr txBox="1"/>
             <p:nvPr/>
           </p:nvSpPr>
@@ -16805,7 +17147,7 @@
         </p:sp>
         <p:sp>
           <p:nvSpPr>
-            <p:cNvPr id="568" name="Google Shape;568;p26"/>
+            <p:cNvPr id="569" name="Google Shape;569;p26"/>
             <p:cNvSpPr/>
             <p:nvPr/>
           </p:nvSpPr>
@@ -16866,7 +17208,919 @@
   <p:cSld>
     <p:spTree>
       <p:nvGrpSpPr>
-        <p:cNvPr id="572" name="Shape 572"/>
+        <p:cNvPr id="573" name="Shape 573"/>
+        <p:cNvGrpSpPr/>
+        <p:nvPr/>
+      </p:nvGrpSpPr>
+      <p:grpSpPr>
+        <a:xfrm>
+          <a:off x="0" y="0"/>
+          <a:ext cx="0" cy="0"/>
+          <a:chOff x="0" y="0"/>
+          <a:chExt cx="0" cy="0"/>
+        </a:xfrm>
+      </p:grpSpPr>
+      <p:pic>
+        <p:nvPicPr>
+          <p:cNvPr id="574" name="Google Shape;574;p27"/>
+          <p:cNvPicPr preferRelativeResize="0"/>
+          <p:nvPr/>
+        </p:nvPicPr>
+        <p:blipFill>
+          <a:blip r:embed="rId3">
+            <a:alphaModFix/>
+          </a:blip>
+          <a:stretch>
+            <a:fillRect/>
+          </a:stretch>
+        </p:blipFill>
+        <p:spPr>
+          <a:xfrm>
+            <a:off x="152400" y="884573"/>
+            <a:ext cx="1104900" cy="1171575"/>
+          </a:xfrm>
+          <a:prstGeom prst="rect">
+            <a:avLst/>
+          </a:prstGeom>
+          <a:noFill/>
+          <a:ln>
+            <a:noFill/>
+          </a:ln>
+        </p:spPr>
+      </p:pic>
+      <p:pic>
+        <p:nvPicPr>
+          <p:cNvPr id="575" name="Google Shape;575;p27"/>
+          <p:cNvPicPr preferRelativeResize="0"/>
+          <p:nvPr/>
+        </p:nvPicPr>
+        <p:blipFill>
+          <a:blip r:embed="rId4">
+            <a:alphaModFix/>
+          </a:blip>
+          <a:stretch>
+            <a:fillRect/>
+          </a:stretch>
+        </p:blipFill>
+        <p:spPr>
+          <a:xfrm>
+            <a:off x="190500" y="3353813"/>
+            <a:ext cx="1247775" cy="552450"/>
+          </a:xfrm>
+          <a:prstGeom prst="rect">
+            <a:avLst/>
+          </a:prstGeom>
+          <a:noFill/>
+          <a:ln>
+            <a:noFill/>
+          </a:ln>
+        </p:spPr>
+      </p:pic>
+      <p:sp>
+        <p:nvSpPr>
+          <p:cNvPr id="576" name="Google Shape;576;p27"/>
+          <p:cNvSpPr txBox="1"/>
+          <p:nvPr/>
+        </p:nvSpPr>
+        <p:spPr>
+          <a:xfrm>
+            <a:off x="13500" y="373350"/>
+            <a:ext cx="1549200" cy="445800"/>
+          </a:xfrm>
+          <a:prstGeom prst="rect">
+            <a:avLst/>
+          </a:prstGeom>
+          <a:solidFill>
+            <a:srgbClr val="E7F1E3"/>
+          </a:solidFill>
+          <a:ln>
+            <a:noFill/>
+          </a:ln>
+        </p:spPr>
+        <p:txBody>
+          <a:bodyPr anchorCtr="0" anchor="t" bIns="91425" lIns="91425" spcFirstLastPara="1" rIns="91425" wrap="square" tIns="91425">
+            <a:noAutofit/>
+          </a:bodyPr>
+          <a:lstStyle/>
+          <a:p>
+            <a:pPr indent="0" lvl="0" marL="0" rtl="0" algn="l">
+              <a:spcBef>
+                <a:spcPts val="0"/>
+              </a:spcBef>
+              <a:spcAft>
+                <a:spcPts val="0"/>
+              </a:spcAft>
+              <a:buNone/>
+            </a:pPr>
+            <a:r>
+              <a:rPr lang="en"/>
+              <a:t>Onboarding  operation</a:t>
+            </a:r>
+            <a:endParaRPr/>
+          </a:p>
+        </p:txBody>
+      </p:sp>
+      <p:pic>
+        <p:nvPicPr>
+          <p:cNvPr id="577" name="Google Shape;577;p27"/>
+          <p:cNvPicPr preferRelativeResize="0"/>
+          <p:nvPr/>
+        </p:nvPicPr>
+        <p:blipFill>
+          <a:blip r:embed="rId5">
+            <a:alphaModFix/>
+          </a:blip>
+          <a:stretch>
+            <a:fillRect/>
+          </a:stretch>
+        </p:blipFill>
+        <p:spPr>
+          <a:xfrm>
+            <a:off x="1698000" y="848893"/>
+            <a:ext cx="1257300" cy="352425"/>
+          </a:xfrm>
+          <a:prstGeom prst="rect">
+            <a:avLst/>
+          </a:prstGeom>
+          <a:noFill/>
+          <a:ln>
+            <a:noFill/>
+          </a:ln>
+        </p:spPr>
+      </p:pic>
+      <p:pic>
+        <p:nvPicPr>
+          <p:cNvPr id="578" name="Google Shape;578;p27"/>
+          <p:cNvPicPr preferRelativeResize="0"/>
+          <p:nvPr/>
+        </p:nvPicPr>
+        <p:blipFill>
+          <a:blip r:embed="rId6">
+            <a:alphaModFix/>
+          </a:blip>
+          <a:stretch>
+            <a:fillRect/>
+          </a:stretch>
+        </p:blipFill>
+        <p:spPr>
+          <a:xfrm>
+            <a:off x="3495675" y="860838"/>
+            <a:ext cx="1285875" cy="342900"/>
+          </a:xfrm>
+          <a:prstGeom prst="rect">
+            <a:avLst/>
+          </a:prstGeom>
+          <a:noFill/>
+          <a:ln>
+            <a:noFill/>
+          </a:ln>
+        </p:spPr>
+      </p:pic>
+      <p:pic>
+        <p:nvPicPr>
+          <p:cNvPr id="579" name="Google Shape;579;p27"/>
+          <p:cNvPicPr preferRelativeResize="0"/>
+          <p:nvPr/>
+        </p:nvPicPr>
+        <p:blipFill>
+          <a:blip r:embed="rId7">
+            <a:alphaModFix/>
+          </a:blip>
+          <a:stretch>
+            <a:fillRect/>
+          </a:stretch>
+        </p:blipFill>
+        <p:spPr>
+          <a:xfrm>
+            <a:off x="5095875" y="820318"/>
+            <a:ext cx="1019175" cy="628650"/>
+          </a:xfrm>
+          <a:prstGeom prst="rect">
+            <a:avLst/>
+          </a:prstGeom>
+          <a:noFill/>
+          <a:ln>
+            <a:noFill/>
+          </a:ln>
+        </p:spPr>
+      </p:pic>
+      <p:pic>
+        <p:nvPicPr>
+          <p:cNvPr id="580" name="Google Shape;580;p27"/>
+          <p:cNvPicPr preferRelativeResize="0"/>
+          <p:nvPr/>
+        </p:nvPicPr>
+        <p:blipFill rotWithShape="1">
+          <a:blip r:embed="rId8">
+            <a:alphaModFix/>
+          </a:blip>
+          <a:srcRect b="2453" l="0" r="0" t="-10538"/>
+          <a:stretch/>
+        </p:blipFill>
+        <p:spPr>
+          <a:xfrm>
+            <a:off x="6772275" y="601088"/>
+            <a:ext cx="1019175" cy="2343150"/>
+          </a:xfrm>
+          <a:prstGeom prst="rect">
+            <a:avLst/>
+          </a:prstGeom>
+          <a:noFill/>
+          <a:ln>
+            <a:noFill/>
+          </a:ln>
+        </p:spPr>
+      </p:pic>
+      <p:pic>
+        <p:nvPicPr>
+          <p:cNvPr id="581" name="Google Shape;581;p27"/>
+          <p:cNvPicPr preferRelativeResize="0"/>
+          <p:nvPr/>
+        </p:nvPicPr>
+        <p:blipFill rotWithShape="1">
+          <a:blip r:embed="rId9">
+            <a:alphaModFix/>
+          </a:blip>
+          <a:srcRect b="8475" l="0" r="0" t="0"/>
+          <a:stretch/>
+        </p:blipFill>
+        <p:spPr>
+          <a:xfrm>
+            <a:off x="6301900" y="3038988"/>
+            <a:ext cx="2718275" cy="2066525"/>
+          </a:xfrm>
+          <a:prstGeom prst="rect">
+            <a:avLst/>
+          </a:prstGeom>
+          <a:noFill/>
+          <a:ln>
+            <a:noFill/>
+          </a:ln>
+        </p:spPr>
+      </p:pic>
+      <p:sp>
+        <p:nvSpPr>
+          <p:cNvPr id="582" name="Google Shape;582;p27"/>
+          <p:cNvSpPr txBox="1"/>
+          <p:nvPr/>
+        </p:nvSpPr>
+        <p:spPr>
+          <a:xfrm>
+            <a:off x="1600200" y="404190"/>
+            <a:ext cx="1638900" cy="445800"/>
+          </a:xfrm>
+          <a:prstGeom prst="rect">
+            <a:avLst/>
+          </a:prstGeom>
+          <a:solidFill>
+            <a:srgbClr val="FDF7E6"/>
+          </a:solidFill>
+          <a:ln>
+            <a:noFill/>
+          </a:ln>
+        </p:spPr>
+        <p:txBody>
+          <a:bodyPr anchorCtr="0" anchor="t" bIns="91425" lIns="91425" spcFirstLastPara="1" rIns="91425" wrap="square" tIns="91425">
+            <a:noAutofit/>
+          </a:bodyPr>
+          <a:lstStyle/>
+          <a:p>
+            <a:pPr indent="0" lvl="0" marL="0" rtl="0" algn="l">
+              <a:spcBef>
+                <a:spcPts val="0"/>
+              </a:spcBef>
+              <a:spcAft>
+                <a:spcPts val="0"/>
+              </a:spcAft>
+              <a:buNone/>
+            </a:pPr>
+            <a:r>
+              <a:rPr lang="en"/>
+              <a:t>Enable</a:t>
+            </a:r>
+            <a:r>
+              <a:rPr lang="en"/>
+              <a:t> operation</a:t>
+            </a:r>
+            <a:endParaRPr/>
+          </a:p>
+        </p:txBody>
+      </p:sp>
+      <p:sp>
+        <p:nvSpPr>
+          <p:cNvPr id="583" name="Google Shape;583;p27"/>
+          <p:cNvSpPr txBox="1"/>
+          <p:nvPr/>
+        </p:nvSpPr>
+        <p:spPr>
+          <a:xfrm>
+            <a:off x="3276600" y="404190"/>
+            <a:ext cx="1638900" cy="445800"/>
+          </a:xfrm>
+          <a:prstGeom prst="rect">
+            <a:avLst/>
+          </a:prstGeom>
+          <a:solidFill>
+            <a:srgbClr val="FDF7E6"/>
+          </a:solidFill>
+          <a:ln>
+            <a:noFill/>
+          </a:ln>
+        </p:spPr>
+        <p:txBody>
+          <a:bodyPr anchorCtr="0" anchor="t" bIns="91425" lIns="91425" spcFirstLastPara="1" rIns="91425" wrap="square" tIns="91425">
+            <a:noAutofit/>
+          </a:bodyPr>
+          <a:lstStyle/>
+          <a:p>
+            <a:pPr indent="0" lvl="0" marL="0" rtl="0" algn="l">
+              <a:spcBef>
+                <a:spcPts val="0"/>
+              </a:spcBef>
+              <a:spcAft>
+                <a:spcPts val="0"/>
+              </a:spcAft>
+              <a:buNone/>
+            </a:pPr>
+            <a:r>
+              <a:rPr lang="en"/>
+              <a:t>Disable</a:t>
+            </a:r>
+            <a:r>
+              <a:rPr lang="en"/>
+              <a:t> operation</a:t>
+            </a:r>
+            <a:endParaRPr/>
+          </a:p>
+        </p:txBody>
+      </p:sp>
+      <p:sp>
+        <p:nvSpPr>
+          <p:cNvPr id="584" name="Google Shape;584;p27"/>
+          <p:cNvSpPr txBox="1"/>
+          <p:nvPr/>
+        </p:nvSpPr>
+        <p:spPr>
+          <a:xfrm>
+            <a:off x="5029200" y="404190"/>
+            <a:ext cx="1600200" cy="445800"/>
+          </a:xfrm>
+          <a:prstGeom prst="rect">
+            <a:avLst/>
+          </a:prstGeom>
+          <a:solidFill>
+            <a:srgbClr val="E7F1E3"/>
+          </a:solidFill>
+          <a:ln>
+            <a:noFill/>
+          </a:ln>
+        </p:spPr>
+        <p:txBody>
+          <a:bodyPr anchorCtr="0" anchor="t" bIns="91425" lIns="91425" spcFirstLastPara="1" rIns="91425" wrap="square" tIns="91425">
+            <a:noAutofit/>
+          </a:bodyPr>
+          <a:lstStyle/>
+          <a:p>
+            <a:pPr indent="0" lvl="0" marL="0" rtl="0" algn="l">
+              <a:spcBef>
+                <a:spcPts val="0"/>
+              </a:spcBef>
+              <a:spcAft>
+                <a:spcPts val="0"/>
+              </a:spcAft>
+              <a:buNone/>
+            </a:pPr>
+            <a:r>
+              <a:rPr lang="en"/>
+              <a:t>Delete</a:t>
+            </a:r>
+            <a:r>
+              <a:rPr lang="en"/>
+              <a:t> operation</a:t>
+            </a:r>
+            <a:endParaRPr/>
+          </a:p>
+        </p:txBody>
+      </p:sp>
+      <p:sp>
+        <p:nvSpPr>
+          <p:cNvPr id="585" name="Google Shape;585;p27"/>
+          <p:cNvSpPr txBox="1"/>
+          <p:nvPr/>
+        </p:nvSpPr>
+        <p:spPr>
+          <a:xfrm>
+            <a:off x="6781800" y="394503"/>
+            <a:ext cx="1850400" cy="445800"/>
+          </a:xfrm>
+          <a:prstGeom prst="rect">
+            <a:avLst/>
+          </a:prstGeom>
+          <a:solidFill>
+            <a:srgbClr val="E7F1E3"/>
+          </a:solidFill>
+          <a:ln>
+            <a:noFill/>
+          </a:ln>
+        </p:spPr>
+        <p:txBody>
+          <a:bodyPr anchorCtr="0" anchor="t" bIns="91425" lIns="91425" spcFirstLastPara="1" rIns="91425" wrap="square" tIns="91425">
+            <a:noAutofit/>
+          </a:bodyPr>
+          <a:lstStyle/>
+          <a:p>
+            <a:pPr indent="0" lvl="0" marL="0" rtl="0" algn="l">
+              <a:spcBef>
+                <a:spcPts val="0"/>
+              </a:spcBef>
+              <a:spcAft>
+                <a:spcPts val="0"/>
+              </a:spcAft>
+              <a:buNone/>
+            </a:pPr>
+            <a:r>
+              <a:rPr lang="en"/>
+              <a:t>Query</a:t>
+            </a:r>
+            <a:r>
+              <a:rPr lang="en"/>
+              <a:t> operation</a:t>
+            </a:r>
+            <a:endParaRPr/>
+          </a:p>
+        </p:txBody>
+      </p:sp>
+      <p:pic>
+        <p:nvPicPr>
+          <p:cNvPr id="586" name="Google Shape;586;p27"/>
+          <p:cNvPicPr preferRelativeResize="0"/>
+          <p:nvPr/>
+        </p:nvPicPr>
+        <p:blipFill>
+          <a:blip r:embed="rId10">
+            <a:alphaModFix/>
+          </a:blip>
+          <a:stretch>
+            <a:fillRect/>
+          </a:stretch>
+        </p:blipFill>
+        <p:spPr>
+          <a:xfrm>
+            <a:off x="7443150" y="1000270"/>
+            <a:ext cx="1638825" cy="249400"/>
+          </a:xfrm>
+          <a:prstGeom prst="rect">
+            <a:avLst/>
+          </a:prstGeom>
+          <a:noFill/>
+          <a:ln>
+            <a:noFill/>
+          </a:ln>
+        </p:spPr>
+      </p:pic>
+      <p:cxnSp>
+        <p:nvCxnSpPr>
+          <p:cNvPr id="587" name="Google Shape;587;p27"/>
+          <p:cNvCxnSpPr/>
+          <p:nvPr/>
+        </p:nvCxnSpPr>
+        <p:spPr>
+          <a:xfrm>
+            <a:off x="13500" y="3024468"/>
+            <a:ext cx="9157500" cy="0"/>
+          </a:xfrm>
+          <a:prstGeom prst="straightConnector1">
+            <a:avLst/>
+          </a:prstGeom>
+          <a:noFill/>
+          <a:ln cap="flat" cmpd="sng" w="9525">
+            <a:solidFill>
+              <a:schemeClr val="dk2"/>
+            </a:solidFill>
+            <a:prstDash val="solid"/>
+            <a:round/>
+            <a:headEnd len="med" w="med" type="none"/>
+            <a:tailEnd len="med" w="med" type="none"/>
+          </a:ln>
+        </p:spPr>
+      </p:cxnSp>
+      <p:sp>
+        <p:nvSpPr>
+          <p:cNvPr id="588" name="Google Shape;588;p27"/>
+          <p:cNvSpPr txBox="1"/>
+          <p:nvPr/>
+        </p:nvSpPr>
+        <p:spPr>
+          <a:xfrm>
+            <a:off x="-62693" y="2937129"/>
+            <a:ext cx="1850400" cy="445800"/>
+          </a:xfrm>
+          <a:prstGeom prst="rect">
+            <a:avLst/>
+          </a:prstGeom>
+          <a:noFill/>
+          <a:ln>
+            <a:noFill/>
+          </a:ln>
+        </p:spPr>
+        <p:txBody>
+          <a:bodyPr anchorCtr="0" anchor="t" bIns="91425" lIns="91425" spcFirstLastPara="1" rIns="91425" wrap="square" tIns="91425">
+            <a:noAutofit/>
+          </a:bodyPr>
+          <a:lstStyle/>
+          <a:p>
+            <a:pPr indent="0" lvl="0" marL="0" rtl="0" algn="l">
+              <a:spcBef>
+                <a:spcPts val="0"/>
+              </a:spcBef>
+              <a:spcAft>
+                <a:spcPts val="0"/>
+              </a:spcAft>
+              <a:buNone/>
+            </a:pPr>
+            <a:r>
+              <a:rPr b="1" lang="en"/>
+              <a:t>Response</a:t>
+            </a:r>
+            <a:endParaRPr b="1"/>
+          </a:p>
+        </p:txBody>
+      </p:sp>
+      <p:sp>
+        <p:nvSpPr>
+          <p:cNvPr id="589" name="Google Shape;589;p27"/>
+          <p:cNvSpPr txBox="1"/>
+          <p:nvPr/>
+        </p:nvSpPr>
+        <p:spPr>
+          <a:xfrm>
+            <a:off x="-62693" y="117729"/>
+            <a:ext cx="1850400" cy="445800"/>
+          </a:xfrm>
+          <a:prstGeom prst="rect">
+            <a:avLst/>
+          </a:prstGeom>
+          <a:noFill/>
+          <a:ln>
+            <a:noFill/>
+          </a:ln>
+        </p:spPr>
+        <p:txBody>
+          <a:bodyPr anchorCtr="0" anchor="t" bIns="91425" lIns="91425" spcFirstLastPara="1" rIns="91425" wrap="square" tIns="91425">
+            <a:noAutofit/>
+          </a:bodyPr>
+          <a:lstStyle/>
+          <a:p>
+            <a:pPr indent="0" lvl="0" marL="0" rtl="0" algn="l">
+              <a:spcBef>
+                <a:spcPts val="0"/>
+              </a:spcBef>
+              <a:spcAft>
+                <a:spcPts val="0"/>
+              </a:spcAft>
+              <a:buNone/>
+            </a:pPr>
+            <a:r>
+              <a:rPr b="1" lang="en"/>
+              <a:t>Requests</a:t>
+            </a:r>
+            <a:endParaRPr b="1"/>
+          </a:p>
+        </p:txBody>
+      </p:sp>
+      <p:sp>
+        <p:nvSpPr>
+          <p:cNvPr id="590" name="Google Shape;590;p27"/>
+          <p:cNvSpPr txBox="1"/>
+          <p:nvPr/>
+        </p:nvSpPr>
+        <p:spPr>
+          <a:xfrm>
+            <a:off x="1752600" y="3389500"/>
+            <a:ext cx="1104900" cy="445800"/>
+          </a:xfrm>
+          <a:prstGeom prst="rect">
+            <a:avLst/>
+          </a:prstGeom>
+          <a:noFill/>
+          <a:ln>
+            <a:noFill/>
+          </a:ln>
+        </p:spPr>
+        <p:txBody>
+          <a:bodyPr anchorCtr="0" anchor="t" bIns="91425" lIns="91425" spcFirstLastPara="1" rIns="91425" wrap="square" tIns="91425">
+            <a:noAutofit/>
+          </a:bodyPr>
+          <a:lstStyle/>
+          <a:p>
+            <a:pPr indent="0" lvl="0" marL="0" rtl="0" algn="l">
+              <a:spcBef>
+                <a:spcPts val="0"/>
+              </a:spcBef>
+              <a:spcAft>
+                <a:spcPts val="0"/>
+              </a:spcAft>
+              <a:buNone/>
+            </a:pPr>
+            <a:r>
+              <a:rPr lang="en"/>
+              <a:t>No output parameter. </a:t>
+            </a:r>
+            <a:endParaRPr/>
+          </a:p>
+        </p:txBody>
+      </p:sp>
+      <p:sp>
+        <p:nvSpPr>
+          <p:cNvPr id="591" name="Google Shape;591;p27"/>
+          <p:cNvSpPr txBox="1"/>
+          <p:nvPr/>
+        </p:nvSpPr>
+        <p:spPr>
+          <a:xfrm>
+            <a:off x="3352800" y="3389500"/>
+            <a:ext cx="1104900" cy="445800"/>
+          </a:xfrm>
+          <a:prstGeom prst="rect">
+            <a:avLst/>
+          </a:prstGeom>
+          <a:noFill/>
+          <a:ln>
+            <a:noFill/>
+          </a:ln>
+        </p:spPr>
+        <p:txBody>
+          <a:bodyPr anchorCtr="0" anchor="t" bIns="91425" lIns="91425" spcFirstLastPara="1" rIns="91425" wrap="square" tIns="91425">
+            <a:noAutofit/>
+          </a:bodyPr>
+          <a:lstStyle/>
+          <a:p>
+            <a:pPr indent="0" lvl="0" marL="0" rtl="0" algn="l">
+              <a:spcBef>
+                <a:spcPts val="0"/>
+              </a:spcBef>
+              <a:spcAft>
+                <a:spcPts val="0"/>
+              </a:spcAft>
+              <a:buNone/>
+            </a:pPr>
+            <a:r>
+              <a:rPr lang="en"/>
+              <a:t>No output parameter. </a:t>
+            </a:r>
+            <a:endParaRPr/>
+          </a:p>
+        </p:txBody>
+      </p:sp>
+      <p:sp>
+        <p:nvSpPr>
+          <p:cNvPr id="592" name="Google Shape;592;p27"/>
+          <p:cNvSpPr txBox="1"/>
+          <p:nvPr/>
+        </p:nvSpPr>
+        <p:spPr>
+          <a:xfrm>
+            <a:off x="5181600" y="3389500"/>
+            <a:ext cx="1104900" cy="445800"/>
+          </a:xfrm>
+          <a:prstGeom prst="rect">
+            <a:avLst/>
+          </a:prstGeom>
+          <a:noFill/>
+          <a:ln>
+            <a:noFill/>
+          </a:ln>
+        </p:spPr>
+        <p:txBody>
+          <a:bodyPr anchorCtr="0" anchor="t" bIns="91425" lIns="91425" spcFirstLastPara="1" rIns="91425" wrap="square" tIns="91425">
+            <a:noAutofit/>
+          </a:bodyPr>
+          <a:lstStyle/>
+          <a:p>
+            <a:pPr indent="0" lvl="0" marL="0" rtl="0" algn="l">
+              <a:spcBef>
+                <a:spcPts val="0"/>
+              </a:spcBef>
+              <a:spcAft>
+                <a:spcPts val="0"/>
+              </a:spcAft>
+              <a:buNone/>
+            </a:pPr>
+            <a:r>
+              <a:rPr lang="en"/>
+              <a:t>No output parameter. </a:t>
+            </a:r>
+            <a:endParaRPr/>
+          </a:p>
+        </p:txBody>
+      </p:sp>
+      <p:sp>
+        <p:nvSpPr>
+          <p:cNvPr id="593" name="Google Shape;593;p27"/>
+          <p:cNvSpPr txBox="1"/>
+          <p:nvPr/>
+        </p:nvSpPr>
+        <p:spPr>
+          <a:xfrm>
+            <a:off x="2147088" y="41525"/>
+            <a:ext cx="5295900" cy="445800"/>
+          </a:xfrm>
+          <a:prstGeom prst="rect">
+            <a:avLst/>
+          </a:prstGeom>
+          <a:noFill/>
+          <a:ln>
+            <a:noFill/>
+          </a:ln>
+        </p:spPr>
+        <p:txBody>
+          <a:bodyPr anchorCtr="0" anchor="t" bIns="91425" lIns="91425" spcFirstLastPara="1" rIns="91425" wrap="square" tIns="91425">
+            <a:noAutofit/>
+          </a:bodyPr>
+          <a:lstStyle/>
+          <a:p>
+            <a:pPr indent="0" lvl="0" marL="0" rtl="0" algn="l">
+              <a:spcBef>
+                <a:spcPts val="0"/>
+              </a:spcBef>
+              <a:spcAft>
+                <a:spcPts val="0"/>
+              </a:spcAft>
+              <a:buNone/>
+            </a:pPr>
+            <a:r>
+              <a:rPr b="1" lang="en" sz="1600"/>
+              <a:t>Application Package Management API  (Mm1)</a:t>
+            </a:r>
+            <a:endParaRPr b="1" sz="1600"/>
+          </a:p>
+        </p:txBody>
+      </p:sp>
+      <p:sp>
+        <p:nvSpPr>
+          <p:cNvPr id="594" name="Google Shape;594;p27"/>
+          <p:cNvSpPr txBox="1"/>
+          <p:nvPr/>
+        </p:nvSpPr>
+        <p:spPr>
+          <a:xfrm>
+            <a:off x="7391400" y="1219200"/>
+            <a:ext cx="2002800" cy="445800"/>
+          </a:xfrm>
+          <a:prstGeom prst="rect">
+            <a:avLst/>
+          </a:prstGeom>
+          <a:noFill/>
+          <a:ln>
+            <a:noFill/>
+          </a:ln>
+        </p:spPr>
+        <p:txBody>
+          <a:bodyPr anchorCtr="0" anchor="t" bIns="91425" lIns="91425" spcFirstLastPara="1" rIns="91425" wrap="square" tIns="91425">
+            <a:noAutofit/>
+          </a:bodyPr>
+          <a:lstStyle/>
+          <a:p>
+            <a:pPr indent="0" lvl="0" marL="0" rtl="0" algn="l">
+              <a:spcBef>
+                <a:spcPts val="0"/>
+              </a:spcBef>
+              <a:spcAft>
+                <a:spcPts val="0"/>
+              </a:spcAft>
+              <a:buNone/>
+            </a:pPr>
+            <a:r>
+              <a:rPr lang="en" sz="900"/>
+              <a:t>MEC009v010101p</a:t>
+            </a:r>
+            <a:endParaRPr sz="900"/>
+          </a:p>
+        </p:txBody>
+      </p:sp>
+      <p:sp>
+        <p:nvSpPr>
+          <p:cNvPr id="595" name="Google Shape;595;p27"/>
+          <p:cNvSpPr/>
+          <p:nvPr/>
+        </p:nvSpPr>
+        <p:spPr>
+          <a:xfrm>
+            <a:off x="3388436" y="4812936"/>
+            <a:ext cx="809100" cy="228900"/>
+          </a:xfrm>
+          <a:prstGeom prst="rect">
+            <a:avLst/>
+          </a:prstGeom>
+          <a:solidFill>
+            <a:srgbClr val="E7F1E3"/>
+          </a:solidFill>
+          <a:ln cap="flat" cmpd="sng" w="9525">
+            <a:solidFill>
+              <a:schemeClr val="dk2"/>
+            </a:solidFill>
+            <a:prstDash val="solid"/>
+            <a:round/>
+            <a:headEnd len="sm" w="sm" type="none"/>
+            <a:tailEnd len="sm" w="sm" type="none"/>
+          </a:ln>
+        </p:spPr>
+        <p:txBody>
+          <a:bodyPr anchorCtr="0" anchor="ctr" bIns="91425" lIns="91425" spcFirstLastPara="1" rIns="91425" wrap="square" tIns="91425">
+            <a:noAutofit/>
+          </a:bodyPr>
+          <a:lstStyle/>
+          <a:p>
+            <a:pPr indent="0" lvl="0" marL="0" rtl="0" algn="ctr">
+              <a:spcBef>
+                <a:spcPts val="0"/>
+              </a:spcBef>
+              <a:spcAft>
+                <a:spcPts val="0"/>
+              </a:spcAft>
+              <a:buNone/>
+            </a:pPr>
+            <a:r>
+              <a:rPr lang="en" sz="600"/>
+              <a:t>EG MECM need to Align with ETSI</a:t>
+            </a:r>
+            <a:endParaRPr sz="600"/>
+          </a:p>
+        </p:txBody>
+      </p:sp>
+      <p:sp>
+        <p:nvSpPr>
+          <p:cNvPr id="596" name="Google Shape;596;p27"/>
+          <p:cNvSpPr/>
+          <p:nvPr/>
+        </p:nvSpPr>
+        <p:spPr>
+          <a:xfrm>
+            <a:off x="4369770" y="4812936"/>
+            <a:ext cx="809100" cy="228900"/>
+          </a:xfrm>
+          <a:prstGeom prst="rect">
+            <a:avLst/>
+          </a:prstGeom>
+          <a:solidFill>
+            <a:srgbClr val="FDF7E6"/>
+          </a:solidFill>
+          <a:ln cap="flat" cmpd="sng" w="9525">
+            <a:solidFill>
+              <a:schemeClr val="dk2"/>
+            </a:solidFill>
+            <a:prstDash val="solid"/>
+            <a:round/>
+            <a:headEnd len="sm" w="sm" type="none"/>
+            <a:tailEnd len="sm" w="sm" type="none"/>
+          </a:ln>
+        </p:spPr>
+        <p:txBody>
+          <a:bodyPr anchorCtr="0" anchor="ctr" bIns="91425" lIns="91425" spcFirstLastPara="1" rIns="91425" wrap="square" tIns="91425">
+            <a:noAutofit/>
+          </a:bodyPr>
+          <a:lstStyle/>
+          <a:p>
+            <a:pPr indent="0" lvl="0" marL="0" rtl="0" algn="ctr">
+              <a:spcBef>
+                <a:spcPts val="0"/>
+              </a:spcBef>
+              <a:spcAft>
+                <a:spcPts val="0"/>
+              </a:spcAft>
+              <a:buClr>
+                <a:schemeClr val="dk1"/>
+              </a:buClr>
+              <a:buSzPts val="1100"/>
+              <a:buFont typeface="Arial"/>
+              <a:buNone/>
+            </a:pPr>
+            <a:r>
+              <a:rPr lang="en" sz="600">
+                <a:solidFill>
+                  <a:schemeClr val="dk1"/>
+                </a:solidFill>
+              </a:rPr>
+              <a:t>Not Implemented</a:t>
+            </a:r>
+            <a:endParaRPr sz="600"/>
+          </a:p>
+        </p:txBody>
+      </p:sp>
+    </p:spTree>
+  </p:cSld>
+  <p:clrMapOvr>
+    <a:masterClrMapping/>
+  </p:clrMapOvr>
+</p:sld>
+</file>
+
+<file path=ppt/slides/slide16.xml><?xml version="1.0" encoding="utf-8"?>
+<p:sld xmlns:a="http://schemas.openxmlformats.org/drawingml/2006/main" xmlns:r="http://schemas.openxmlformats.org/officeDocument/2006/relationships" xmlns:mc="http://schemas.openxmlformats.org/markup-compatibility/2006" xmlns:mv="urn:schemas-microsoft-com:mac:vml" xmlns:p="http://schemas.openxmlformats.org/presentationml/2006/main" xmlns:c="http://schemas.openxmlformats.org/drawingml/2006/chart" xmlns:dgm="http://schemas.openxmlformats.org/drawingml/2006/diagram" xmlns:o="urn:schemas-microsoft-com:office:office" xmlns:v="urn:schemas-microsoft-com:vml" xmlns:pvml="urn:schemas-microsoft-com:office:powerpoint" xmlns:com="http://schemas.openxmlformats.org/drawingml/2006/compatibility" xmlns:p14="http://schemas.microsoft.com/office/powerpoint/2010/main" xmlns:p15="http://schemas.microsoft.com/office/powerpoint/2012/main" xmlns:ahyp="http://schemas.microsoft.com/office/drawing/2018/hyperlinkcolor">
+  <p:cSld>
+    <p:spTree>
+      <p:nvGrpSpPr>
+        <p:cNvPr id="600" name="Shape 600"/>
         <p:cNvGrpSpPr/>
         <p:nvPr/>
       </p:nvGrpSpPr>
@@ -16880,7 +18134,2013 @@
       </p:grpSpPr>
       <p:sp>
         <p:nvSpPr>
-          <p:cNvPr id="573" name="Google Shape;573;p27"/>
+          <p:cNvPr id="601" name="Google Shape;601;p28"/>
+          <p:cNvSpPr txBox="1"/>
+          <p:nvPr/>
+        </p:nvSpPr>
+        <p:spPr>
+          <a:xfrm>
+            <a:off x="152400" y="525750"/>
+            <a:ext cx="1447800" cy="445800"/>
+          </a:xfrm>
+          <a:prstGeom prst="rect">
+            <a:avLst/>
+          </a:prstGeom>
+          <a:solidFill>
+            <a:srgbClr val="E7F1E3"/>
+          </a:solidFill>
+          <a:ln>
+            <a:noFill/>
+          </a:ln>
+        </p:spPr>
+        <p:txBody>
+          <a:bodyPr anchorCtr="0" anchor="t" bIns="91425" lIns="91425" spcFirstLastPara="1" rIns="91425" wrap="square" tIns="91425">
+            <a:noAutofit/>
+          </a:bodyPr>
+          <a:lstStyle/>
+          <a:p>
+            <a:pPr indent="0" lvl="0" marL="0" rtl="0" algn="l">
+              <a:spcBef>
+                <a:spcPts val="0"/>
+              </a:spcBef>
+              <a:spcAft>
+                <a:spcPts val="0"/>
+              </a:spcAft>
+              <a:buNone/>
+            </a:pPr>
+            <a:r>
+              <a:rPr lang="en"/>
+              <a:t>Create </a:t>
+            </a:r>
+            <a:endParaRPr/>
+          </a:p>
+          <a:p>
+            <a:pPr indent="0" lvl="0" marL="0" rtl="0" algn="l">
+              <a:spcBef>
+                <a:spcPts val="0"/>
+              </a:spcBef>
+              <a:spcAft>
+                <a:spcPts val="0"/>
+              </a:spcAft>
+              <a:buNone/>
+            </a:pPr>
+            <a:r>
+              <a:rPr lang="en"/>
+              <a:t>Identifier</a:t>
+            </a:r>
+            <a:endParaRPr/>
+          </a:p>
+          <a:p>
+            <a:pPr indent="0" lvl="0" marL="0" rtl="0" algn="l">
+              <a:spcBef>
+                <a:spcPts val="0"/>
+              </a:spcBef>
+              <a:spcAft>
+                <a:spcPts val="0"/>
+              </a:spcAft>
+              <a:buNone/>
+            </a:pPr>
+            <a:r>
+              <a:t/>
+            </a:r>
+            <a:endParaRPr/>
+          </a:p>
+        </p:txBody>
+      </p:sp>
+      <p:sp>
+        <p:nvSpPr>
+          <p:cNvPr id="602" name="Google Shape;602;p28"/>
+          <p:cNvSpPr txBox="1"/>
+          <p:nvPr/>
+        </p:nvSpPr>
+        <p:spPr>
+          <a:xfrm>
+            <a:off x="1676400" y="525750"/>
+            <a:ext cx="1638900" cy="445800"/>
+          </a:xfrm>
+          <a:prstGeom prst="rect">
+            <a:avLst/>
+          </a:prstGeom>
+          <a:solidFill>
+            <a:srgbClr val="E7F1E3"/>
+          </a:solidFill>
+          <a:ln>
+            <a:noFill/>
+          </a:ln>
+        </p:spPr>
+        <p:txBody>
+          <a:bodyPr anchorCtr="0" anchor="t" bIns="91425" lIns="91425" spcFirstLastPara="1" rIns="91425" wrap="square" tIns="91425">
+            <a:noAutofit/>
+          </a:bodyPr>
+          <a:lstStyle/>
+          <a:p>
+            <a:pPr indent="0" lvl="0" marL="0" rtl="0" algn="l">
+              <a:spcBef>
+                <a:spcPts val="0"/>
+              </a:spcBef>
+              <a:spcAft>
+                <a:spcPts val="0"/>
+              </a:spcAft>
+              <a:buNone/>
+            </a:pPr>
+            <a:r>
+              <a:rPr lang="en"/>
+              <a:t>Instantiate</a:t>
+            </a:r>
+            <a:endParaRPr/>
+          </a:p>
+        </p:txBody>
+      </p:sp>
+      <p:sp>
+        <p:nvSpPr>
+          <p:cNvPr id="603" name="Google Shape;603;p28"/>
+          <p:cNvSpPr txBox="1"/>
+          <p:nvPr/>
+        </p:nvSpPr>
+        <p:spPr>
+          <a:xfrm>
+            <a:off x="3312282" y="525750"/>
+            <a:ext cx="1758600" cy="445800"/>
+          </a:xfrm>
+          <a:prstGeom prst="rect">
+            <a:avLst/>
+          </a:prstGeom>
+          <a:solidFill>
+            <a:srgbClr val="FDF7E6"/>
+          </a:solidFill>
+          <a:ln>
+            <a:noFill/>
+          </a:ln>
+        </p:spPr>
+        <p:txBody>
+          <a:bodyPr anchorCtr="0" anchor="t" bIns="91425" lIns="91425" spcFirstLastPara="1" rIns="91425" wrap="square" tIns="91425">
+            <a:noAutofit/>
+          </a:bodyPr>
+          <a:lstStyle/>
+          <a:p>
+            <a:pPr indent="0" lvl="0" marL="0" rtl="0" algn="l">
+              <a:spcBef>
+                <a:spcPts val="0"/>
+              </a:spcBef>
+              <a:spcAft>
+                <a:spcPts val="0"/>
+              </a:spcAft>
+              <a:buNone/>
+            </a:pPr>
+            <a:r>
+              <a:rPr lang="en"/>
+              <a:t>Oper state change</a:t>
+            </a:r>
+            <a:endParaRPr/>
+          </a:p>
+        </p:txBody>
+      </p:sp>
+      <p:sp>
+        <p:nvSpPr>
+          <p:cNvPr id="604" name="Google Shape;604;p28"/>
+          <p:cNvSpPr txBox="1"/>
+          <p:nvPr/>
+        </p:nvSpPr>
+        <p:spPr>
+          <a:xfrm>
+            <a:off x="5029200" y="525743"/>
+            <a:ext cx="1850400" cy="445800"/>
+          </a:xfrm>
+          <a:prstGeom prst="rect">
+            <a:avLst/>
+          </a:prstGeom>
+          <a:solidFill>
+            <a:srgbClr val="E7F1E3"/>
+          </a:solidFill>
+          <a:ln>
+            <a:noFill/>
+          </a:ln>
+        </p:spPr>
+        <p:txBody>
+          <a:bodyPr anchorCtr="0" anchor="t" bIns="91425" lIns="91425" spcFirstLastPara="1" rIns="91425" wrap="square" tIns="91425">
+            <a:noAutofit/>
+          </a:bodyPr>
+          <a:lstStyle/>
+          <a:p>
+            <a:pPr indent="0" lvl="0" marL="0" rtl="0" algn="l">
+              <a:spcBef>
+                <a:spcPts val="0"/>
+              </a:spcBef>
+              <a:spcAft>
+                <a:spcPts val="0"/>
+              </a:spcAft>
+              <a:buNone/>
+            </a:pPr>
+            <a:r>
+              <a:rPr lang="en"/>
+              <a:t>Query</a:t>
+            </a:r>
+            <a:r>
+              <a:rPr lang="en"/>
+              <a:t> app inst info</a:t>
+            </a:r>
+            <a:endParaRPr/>
+          </a:p>
+        </p:txBody>
+      </p:sp>
+      <p:sp>
+        <p:nvSpPr>
+          <p:cNvPr id="605" name="Google Shape;605;p28"/>
+          <p:cNvSpPr txBox="1"/>
+          <p:nvPr/>
+        </p:nvSpPr>
+        <p:spPr>
+          <a:xfrm>
+            <a:off x="6629400" y="516075"/>
+            <a:ext cx="2390700" cy="445800"/>
+          </a:xfrm>
+          <a:prstGeom prst="rect">
+            <a:avLst/>
+          </a:prstGeom>
+          <a:solidFill>
+            <a:srgbClr val="FDF7E6"/>
+          </a:solidFill>
+          <a:ln>
+            <a:noFill/>
+          </a:ln>
+        </p:spPr>
+        <p:txBody>
+          <a:bodyPr anchorCtr="0" anchor="t" bIns="91425" lIns="91425" spcFirstLastPara="1" rIns="91425" wrap="square" tIns="91425">
+            <a:noAutofit/>
+          </a:bodyPr>
+          <a:lstStyle/>
+          <a:p>
+            <a:pPr indent="0" lvl="0" marL="0" rtl="0" algn="l">
+              <a:spcBef>
+                <a:spcPts val="0"/>
+              </a:spcBef>
+              <a:spcAft>
+                <a:spcPts val="0"/>
+              </a:spcAft>
+              <a:buNone/>
+            </a:pPr>
+            <a:r>
+              <a:rPr lang="en"/>
+              <a:t>Query Lcm Oper states</a:t>
+            </a:r>
+            <a:endParaRPr/>
+          </a:p>
+        </p:txBody>
+      </p:sp>
+      <p:pic>
+        <p:nvPicPr>
+          <p:cNvPr id="606" name="Google Shape;606;p28"/>
+          <p:cNvPicPr preferRelativeResize="0"/>
+          <p:nvPr/>
+        </p:nvPicPr>
+        <p:blipFill>
+          <a:blip r:embed="rId3">
+            <a:alphaModFix/>
+          </a:blip>
+          <a:stretch>
+            <a:fillRect/>
+          </a:stretch>
+        </p:blipFill>
+        <p:spPr>
+          <a:xfrm>
+            <a:off x="5133503" y="2066808"/>
+            <a:ext cx="1638825" cy="249400"/>
+          </a:xfrm>
+          <a:prstGeom prst="rect">
+            <a:avLst/>
+          </a:prstGeom>
+          <a:noFill/>
+          <a:ln>
+            <a:noFill/>
+          </a:ln>
+        </p:spPr>
+      </p:pic>
+      <p:cxnSp>
+        <p:nvCxnSpPr>
+          <p:cNvPr id="607" name="Google Shape;607;p28"/>
+          <p:cNvCxnSpPr/>
+          <p:nvPr/>
+        </p:nvCxnSpPr>
+        <p:spPr>
+          <a:xfrm>
+            <a:off x="13500" y="3024468"/>
+            <a:ext cx="9157500" cy="0"/>
+          </a:xfrm>
+          <a:prstGeom prst="straightConnector1">
+            <a:avLst/>
+          </a:prstGeom>
+          <a:noFill/>
+          <a:ln cap="flat" cmpd="sng" w="9525">
+            <a:solidFill>
+              <a:schemeClr val="dk2"/>
+            </a:solidFill>
+            <a:prstDash val="solid"/>
+            <a:round/>
+            <a:headEnd len="med" w="med" type="none"/>
+            <a:tailEnd len="med" w="med" type="none"/>
+          </a:ln>
+        </p:spPr>
+      </p:cxnSp>
+      <p:sp>
+        <p:nvSpPr>
+          <p:cNvPr id="608" name="Google Shape;608;p28"/>
+          <p:cNvSpPr txBox="1"/>
+          <p:nvPr/>
+        </p:nvSpPr>
+        <p:spPr>
+          <a:xfrm>
+            <a:off x="-62693" y="2937129"/>
+            <a:ext cx="1850400" cy="445800"/>
+          </a:xfrm>
+          <a:prstGeom prst="rect">
+            <a:avLst/>
+          </a:prstGeom>
+          <a:noFill/>
+          <a:ln>
+            <a:noFill/>
+          </a:ln>
+        </p:spPr>
+        <p:txBody>
+          <a:bodyPr anchorCtr="0" anchor="t" bIns="91425" lIns="91425" spcFirstLastPara="1" rIns="91425" wrap="square" tIns="91425">
+            <a:noAutofit/>
+          </a:bodyPr>
+          <a:lstStyle/>
+          <a:p>
+            <a:pPr indent="0" lvl="0" marL="0" rtl="0" algn="l">
+              <a:spcBef>
+                <a:spcPts val="0"/>
+              </a:spcBef>
+              <a:spcAft>
+                <a:spcPts val="0"/>
+              </a:spcAft>
+              <a:buNone/>
+            </a:pPr>
+            <a:r>
+              <a:rPr b="1" lang="en"/>
+              <a:t>Response</a:t>
+            </a:r>
+            <a:endParaRPr b="1"/>
+          </a:p>
+        </p:txBody>
+      </p:sp>
+      <p:sp>
+        <p:nvSpPr>
+          <p:cNvPr id="609" name="Google Shape;609;p28"/>
+          <p:cNvSpPr txBox="1"/>
+          <p:nvPr/>
+        </p:nvSpPr>
+        <p:spPr>
+          <a:xfrm>
+            <a:off x="-62693" y="117729"/>
+            <a:ext cx="1850400" cy="445800"/>
+          </a:xfrm>
+          <a:prstGeom prst="rect">
+            <a:avLst/>
+          </a:prstGeom>
+          <a:noFill/>
+          <a:ln>
+            <a:noFill/>
+          </a:ln>
+        </p:spPr>
+        <p:txBody>
+          <a:bodyPr anchorCtr="0" anchor="t" bIns="91425" lIns="91425" spcFirstLastPara="1" rIns="91425" wrap="square" tIns="91425">
+            <a:noAutofit/>
+          </a:bodyPr>
+          <a:lstStyle/>
+          <a:p>
+            <a:pPr indent="0" lvl="0" marL="0" rtl="0" algn="l">
+              <a:spcBef>
+                <a:spcPts val="0"/>
+              </a:spcBef>
+              <a:spcAft>
+                <a:spcPts val="0"/>
+              </a:spcAft>
+              <a:buNone/>
+            </a:pPr>
+            <a:r>
+              <a:rPr b="1" lang="en"/>
+              <a:t>Requests</a:t>
+            </a:r>
+            <a:endParaRPr b="1"/>
+          </a:p>
+        </p:txBody>
+      </p:sp>
+      <p:sp>
+        <p:nvSpPr>
+          <p:cNvPr id="610" name="Google Shape;610;p28"/>
+          <p:cNvSpPr txBox="1"/>
+          <p:nvPr/>
+        </p:nvSpPr>
+        <p:spPr>
+          <a:xfrm>
+            <a:off x="2147088" y="41525"/>
+            <a:ext cx="5295900" cy="445800"/>
+          </a:xfrm>
+          <a:prstGeom prst="rect">
+            <a:avLst/>
+          </a:prstGeom>
+          <a:noFill/>
+          <a:ln>
+            <a:noFill/>
+          </a:ln>
+        </p:spPr>
+        <p:txBody>
+          <a:bodyPr anchorCtr="0" anchor="t" bIns="91425" lIns="91425" spcFirstLastPara="1" rIns="91425" wrap="square" tIns="91425">
+            <a:noAutofit/>
+          </a:bodyPr>
+          <a:lstStyle/>
+          <a:p>
+            <a:pPr indent="0" lvl="0" marL="0" rtl="0" algn="l">
+              <a:spcBef>
+                <a:spcPts val="0"/>
+              </a:spcBef>
+              <a:spcAft>
+                <a:spcPts val="0"/>
+              </a:spcAft>
+              <a:buNone/>
+            </a:pPr>
+            <a:r>
+              <a:rPr b="1" lang="en" sz="1600"/>
+              <a:t>Application Lifecycle management  </a:t>
+            </a:r>
+            <a:r>
+              <a:rPr b="1" lang="en" sz="1600">
+                <a:solidFill>
+                  <a:schemeClr val="dk1"/>
+                </a:solidFill>
+              </a:rPr>
+              <a:t>API </a:t>
+            </a:r>
+            <a:r>
+              <a:rPr b="1" lang="en" sz="1600"/>
+              <a:t>(Mm1)</a:t>
+            </a:r>
+            <a:endParaRPr b="1" sz="1600"/>
+          </a:p>
+        </p:txBody>
+      </p:sp>
+      <p:pic>
+        <p:nvPicPr>
+          <p:cNvPr id="611" name="Google Shape;611;p28"/>
+          <p:cNvPicPr preferRelativeResize="0"/>
+          <p:nvPr/>
+        </p:nvPicPr>
+        <p:blipFill>
+          <a:blip r:embed="rId4">
+            <a:alphaModFix/>
+          </a:blip>
+          <a:stretch>
+            <a:fillRect/>
+          </a:stretch>
+        </p:blipFill>
+        <p:spPr>
+          <a:xfrm>
+            <a:off x="152400" y="991768"/>
+            <a:ext cx="1447800" cy="1038225"/>
+          </a:xfrm>
+          <a:prstGeom prst="rect">
+            <a:avLst/>
+          </a:prstGeom>
+          <a:noFill/>
+          <a:ln>
+            <a:noFill/>
+          </a:ln>
+        </p:spPr>
+      </p:pic>
+      <p:pic>
+        <p:nvPicPr>
+          <p:cNvPr id="612" name="Google Shape;612;p28"/>
+          <p:cNvPicPr preferRelativeResize="0"/>
+          <p:nvPr/>
+        </p:nvPicPr>
+        <p:blipFill>
+          <a:blip r:embed="rId5">
+            <a:alphaModFix/>
+          </a:blip>
+          <a:stretch>
+            <a:fillRect/>
+          </a:stretch>
+        </p:blipFill>
+        <p:spPr>
+          <a:xfrm>
+            <a:off x="95257" y="3431418"/>
+            <a:ext cx="1162050" cy="361950"/>
+          </a:xfrm>
+          <a:prstGeom prst="rect">
+            <a:avLst/>
+          </a:prstGeom>
+          <a:noFill/>
+          <a:ln>
+            <a:noFill/>
+          </a:ln>
+        </p:spPr>
+      </p:pic>
+      <p:pic>
+        <p:nvPicPr>
+          <p:cNvPr id="613" name="Google Shape;613;p28"/>
+          <p:cNvPicPr preferRelativeResize="0"/>
+          <p:nvPr/>
+        </p:nvPicPr>
+        <p:blipFill>
+          <a:blip r:embed="rId6">
+            <a:alphaModFix/>
+          </a:blip>
+          <a:stretch>
+            <a:fillRect/>
+          </a:stretch>
+        </p:blipFill>
+        <p:spPr>
+          <a:xfrm>
+            <a:off x="1711507" y="915568"/>
+            <a:ext cx="1533525" cy="1581150"/>
+          </a:xfrm>
+          <a:prstGeom prst="rect">
+            <a:avLst/>
+          </a:prstGeom>
+          <a:noFill/>
+          <a:ln>
+            <a:noFill/>
+          </a:ln>
+        </p:spPr>
+      </p:pic>
+      <p:pic>
+        <p:nvPicPr>
+          <p:cNvPr id="614" name="Google Shape;614;p28"/>
+          <p:cNvPicPr preferRelativeResize="0"/>
+          <p:nvPr/>
+        </p:nvPicPr>
+        <p:blipFill>
+          <a:blip r:embed="rId7">
+            <a:alphaModFix/>
+          </a:blip>
+          <a:stretch>
+            <a:fillRect/>
+          </a:stretch>
+        </p:blipFill>
+        <p:spPr>
+          <a:xfrm>
+            <a:off x="1743205" y="2439568"/>
+            <a:ext cx="1495425" cy="247650"/>
+          </a:xfrm>
+          <a:prstGeom prst="rect">
+            <a:avLst/>
+          </a:prstGeom>
+          <a:noFill/>
+          <a:ln>
+            <a:noFill/>
+          </a:ln>
+        </p:spPr>
+      </p:pic>
+      <p:pic>
+        <p:nvPicPr>
+          <p:cNvPr id="615" name="Google Shape;615;p28"/>
+          <p:cNvPicPr preferRelativeResize="0"/>
+          <p:nvPr/>
+        </p:nvPicPr>
+        <p:blipFill>
+          <a:blip r:embed="rId8">
+            <a:alphaModFix/>
+          </a:blip>
+          <a:stretch>
+            <a:fillRect/>
+          </a:stretch>
+        </p:blipFill>
+        <p:spPr>
+          <a:xfrm>
+            <a:off x="1504957" y="3382893"/>
+            <a:ext cx="1847850" cy="485775"/>
+          </a:xfrm>
+          <a:prstGeom prst="rect">
+            <a:avLst/>
+          </a:prstGeom>
+          <a:noFill/>
+          <a:ln>
+            <a:noFill/>
+          </a:ln>
+        </p:spPr>
+      </p:pic>
+      <p:pic>
+        <p:nvPicPr>
+          <p:cNvPr id="616" name="Google Shape;616;p28"/>
+          <p:cNvPicPr preferRelativeResize="0"/>
+          <p:nvPr/>
+        </p:nvPicPr>
+        <p:blipFill>
+          <a:blip r:embed="rId9">
+            <a:alphaModFix/>
+          </a:blip>
+          <a:stretch>
+            <a:fillRect/>
+          </a:stretch>
+        </p:blipFill>
+        <p:spPr>
+          <a:xfrm>
+            <a:off x="3397432" y="915568"/>
+            <a:ext cx="1295400" cy="819150"/>
+          </a:xfrm>
+          <a:prstGeom prst="rect">
+            <a:avLst/>
+          </a:prstGeom>
+          <a:noFill/>
+          <a:ln>
+            <a:noFill/>
+          </a:ln>
+        </p:spPr>
+      </p:pic>
+      <p:pic>
+        <p:nvPicPr>
+          <p:cNvPr id="617" name="Google Shape;617;p28"/>
+          <p:cNvPicPr preferRelativeResize="0"/>
+          <p:nvPr/>
+        </p:nvPicPr>
+        <p:blipFill>
+          <a:blip r:embed="rId10">
+            <a:alphaModFix/>
+          </a:blip>
+          <a:stretch>
+            <a:fillRect/>
+          </a:stretch>
+        </p:blipFill>
+        <p:spPr>
+          <a:xfrm>
+            <a:off x="3405110" y="1734718"/>
+            <a:ext cx="1323975" cy="257175"/>
+          </a:xfrm>
+          <a:prstGeom prst="rect">
+            <a:avLst/>
+          </a:prstGeom>
+          <a:noFill/>
+          <a:ln>
+            <a:noFill/>
+          </a:ln>
+        </p:spPr>
+      </p:pic>
+      <p:pic>
+        <p:nvPicPr>
+          <p:cNvPr id="618" name="Google Shape;618;p28"/>
+          <p:cNvPicPr preferRelativeResize="0"/>
+          <p:nvPr/>
+        </p:nvPicPr>
+        <p:blipFill>
+          <a:blip r:embed="rId8">
+            <a:alphaModFix/>
+          </a:blip>
+          <a:stretch>
+            <a:fillRect/>
+          </a:stretch>
+        </p:blipFill>
+        <p:spPr>
+          <a:xfrm>
+            <a:off x="3409957" y="3382893"/>
+            <a:ext cx="1847850" cy="485775"/>
+          </a:xfrm>
+          <a:prstGeom prst="rect">
+            <a:avLst/>
+          </a:prstGeom>
+          <a:noFill/>
+          <a:ln>
+            <a:noFill/>
+          </a:ln>
+        </p:spPr>
+      </p:pic>
+      <p:pic>
+        <p:nvPicPr>
+          <p:cNvPr id="619" name="Google Shape;619;p28"/>
+          <p:cNvPicPr preferRelativeResize="0"/>
+          <p:nvPr/>
+        </p:nvPicPr>
+        <p:blipFill>
+          <a:blip r:embed="rId11">
+            <a:alphaModFix/>
+          </a:blip>
+          <a:stretch>
+            <a:fillRect/>
+          </a:stretch>
+        </p:blipFill>
+        <p:spPr>
+          <a:xfrm>
+            <a:off x="5339853" y="1009968"/>
+            <a:ext cx="1054792" cy="970032"/>
+          </a:xfrm>
+          <a:prstGeom prst="rect">
+            <a:avLst/>
+          </a:prstGeom>
+          <a:noFill/>
+          <a:ln>
+            <a:noFill/>
+          </a:ln>
+        </p:spPr>
+      </p:pic>
+      <p:pic>
+        <p:nvPicPr>
+          <p:cNvPr id="620" name="Google Shape;620;p28"/>
+          <p:cNvPicPr preferRelativeResize="0"/>
+          <p:nvPr/>
+        </p:nvPicPr>
+        <p:blipFill>
+          <a:blip r:embed="rId12">
+            <a:alphaModFix/>
+          </a:blip>
+          <a:stretch>
+            <a:fillRect/>
+          </a:stretch>
+        </p:blipFill>
+        <p:spPr>
+          <a:xfrm>
+            <a:off x="5279400" y="3411468"/>
+            <a:ext cx="1047750" cy="904875"/>
+          </a:xfrm>
+          <a:prstGeom prst="rect">
+            <a:avLst/>
+          </a:prstGeom>
+          <a:noFill/>
+          <a:ln>
+            <a:noFill/>
+          </a:ln>
+        </p:spPr>
+      </p:pic>
+      <p:pic>
+        <p:nvPicPr>
+          <p:cNvPr id="621" name="Google Shape;621;p28"/>
+          <p:cNvPicPr preferRelativeResize="0"/>
+          <p:nvPr/>
+        </p:nvPicPr>
+        <p:blipFill>
+          <a:blip r:embed="rId13">
+            <a:alphaModFix/>
+          </a:blip>
+          <a:stretch>
+            <a:fillRect/>
+          </a:stretch>
+        </p:blipFill>
+        <p:spPr>
+          <a:xfrm>
+            <a:off x="6732357" y="1009968"/>
+            <a:ext cx="1857375" cy="485775"/>
+          </a:xfrm>
+          <a:prstGeom prst="rect">
+            <a:avLst/>
+          </a:prstGeom>
+          <a:noFill/>
+          <a:ln>
+            <a:noFill/>
+          </a:ln>
+        </p:spPr>
+      </p:pic>
+      <p:pic>
+        <p:nvPicPr>
+          <p:cNvPr id="622" name="Google Shape;622;p28"/>
+          <p:cNvPicPr preferRelativeResize="0"/>
+          <p:nvPr/>
+        </p:nvPicPr>
+        <p:blipFill>
+          <a:blip r:embed="rId14">
+            <a:alphaModFix/>
+          </a:blip>
+          <a:stretch>
+            <a:fillRect/>
+          </a:stretch>
+        </p:blipFill>
+        <p:spPr>
+          <a:xfrm>
+            <a:off x="7296113" y="3431418"/>
+            <a:ext cx="1057275" cy="666750"/>
+          </a:xfrm>
+          <a:prstGeom prst="rect">
+            <a:avLst/>
+          </a:prstGeom>
+          <a:noFill/>
+          <a:ln>
+            <a:noFill/>
+          </a:ln>
+        </p:spPr>
+      </p:pic>
+      <p:sp>
+        <p:nvSpPr>
+          <p:cNvPr id="623" name="Google Shape;623;p28"/>
+          <p:cNvSpPr/>
+          <p:nvPr/>
+        </p:nvSpPr>
+        <p:spPr>
+          <a:xfrm>
+            <a:off x="3388436" y="4812936"/>
+            <a:ext cx="809100" cy="228900"/>
+          </a:xfrm>
+          <a:prstGeom prst="rect">
+            <a:avLst/>
+          </a:prstGeom>
+          <a:solidFill>
+            <a:srgbClr val="E7F1E3"/>
+          </a:solidFill>
+          <a:ln cap="flat" cmpd="sng" w="9525">
+            <a:solidFill>
+              <a:schemeClr val="dk2"/>
+            </a:solidFill>
+            <a:prstDash val="solid"/>
+            <a:round/>
+            <a:headEnd len="sm" w="sm" type="none"/>
+            <a:tailEnd len="sm" w="sm" type="none"/>
+          </a:ln>
+        </p:spPr>
+        <p:txBody>
+          <a:bodyPr anchorCtr="0" anchor="ctr" bIns="91425" lIns="91425" spcFirstLastPara="1" rIns="91425" wrap="square" tIns="91425">
+            <a:noAutofit/>
+          </a:bodyPr>
+          <a:lstStyle/>
+          <a:p>
+            <a:pPr indent="0" lvl="0" marL="0" rtl="0" algn="ctr">
+              <a:spcBef>
+                <a:spcPts val="0"/>
+              </a:spcBef>
+              <a:spcAft>
+                <a:spcPts val="0"/>
+              </a:spcAft>
+              <a:buNone/>
+            </a:pPr>
+            <a:r>
+              <a:rPr lang="en" sz="600"/>
+              <a:t>EG MECM need to Align with ETSI</a:t>
+            </a:r>
+            <a:endParaRPr sz="600"/>
+          </a:p>
+        </p:txBody>
+      </p:sp>
+      <p:sp>
+        <p:nvSpPr>
+          <p:cNvPr id="624" name="Google Shape;624;p28"/>
+          <p:cNvSpPr/>
+          <p:nvPr/>
+        </p:nvSpPr>
+        <p:spPr>
+          <a:xfrm>
+            <a:off x="4369770" y="4812936"/>
+            <a:ext cx="809100" cy="228900"/>
+          </a:xfrm>
+          <a:prstGeom prst="rect">
+            <a:avLst/>
+          </a:prstGeom>
+          <a:solidFill>
+            <a:srgbClr val="FDF7E6"/>
+          </a:solidFill>
+          <a:ln cap="flat" cmpd="sng" w="9525">
+            <a:solidFill>
+              <a:schemeClr val="dk2"/>
+            </a:solidFill>
+            <a:prstDash val="solid"/>
+            <a:round/>
+            <a:headEnd len="sm" w="sm" type="none"/>
+            <a:tailEnd len="sm" w="sm" type="none"/>
+          </a:ln>
+        </p:spPr>
+        <p:txBody>
+          <a:bodyPr anchorCtr="0" anchor="ctr" bIns="91425" lIns="91425" spcFirstLastPara="1" rIns="91425" wrap="square" tIns="91425">
+            <a:noAutofit/>
+          </a:bodyPr>
+          <a:lstStyle/>
+          <a:p>
+            <a:pPr indent="0" lvl="0" marL="0" rtl="0" algn="ctr">
+              <a:spcBef>
+                <a:spcPts val="0"/>
+              </a:spcBef>
+              <a:spcAft>
+                <a:spcPts val="0"/>
+              </a:spcAft>
+              <a:buClr>
+                <a:schemeClr val="dk1"/>
+              </a:buClr>
+              <a:buSzPts val="1100"/>
+              <a:buFont typeface="Arial"/>
+              <a:buNone/>
+            </a:pPr>
+            <a:r>
+              <a:rPr lang="en" sz="600">
+                <a:solidFill>
+                  <a:schemeClr val="dk1"/>
+                </a:solidFill>
+              </a:rPr>
+              <a:t>Not Implemented</a:t>
+            </a:r>
+            <a:endParaRPr sz="600"/>
+          </a:p>
+        </p:txBody>
+      </p:sp>
+    </p:spTree>
+  </p:cSld>
+  <p:clrMapOvr>
+    <a:masterClrMapping/>
+  </p:clrMapOvr>
+</p:sld>
+</file>
+
+<file path=ppt/slides/slide17.xml><?xml version="1.0" encoding="utf-8"?>
+<p:sld xmlns:a="http://schemas.openxmlformats.org/drawingml/2006/main" xmlns:r="http://schemas.openxmlformats.org/officeDocument/2006/relationships" xmlns:mc="http://schemas.openxmlformats.org/markup-compatibility/2006" xmlns:mv="urn:schemas-microsoft-com:mac:vml" xmlns:p="http://schemas.openxmlformats.org/presentationml/2006/main" xmlns:c="http://schemas.openxmlformats.org/drawingml/2006/chart" xmlns:dgm="http://schemas.openxmlformats.org/drawingml/2006/diagram" xmlns:o="urn:schemas-microsoft-com:office:office" xmlns:v="urn:schemas-microsoft-com:vml" xmlns:pvml="urn:schemas-microsoft-com:office:powerpoint" xmlns:com="http://schemas.openxmlformats.org/drawingml/2006/compatibility" xmlns:p14="http://schemas.microsoft.com/office/powerpoint/2010/main" xmlns:p15="http://schemas.microsoft.com/office/powerpoint/2012/main" xmlns:ahyp="http://schemas.microsoft.com/office/drawing/2018/hyperlinkcolor">
+  <p:cSld>
+    <p:spTree>
+      <p:nvGrpSpPr>
+        <p:cNvPr id="628" name="Shape 628"/>
+        <p:cNvGrpSpPr/>
+        <p:nvPr/>
+      </p:nvGrpSpPr>
+      <p:grpSpPr>
+        <a:xfrm>
+          <a:off x="0" y="0"/>
+          <a:ext cx="0" cy="0"/>
+          <a:chOff x="0" y="0"/>
+          <a:chExt cx="0" cy="0"/>
+        </a:xfrm>
+      </p:grpSpPr>
+      <p:sp>
+        <p:nvSpPr>
+          <p:cNvPr id="629" name="Google Shape;629;p29"/>
+          <p:cNvSpPr txBox="1"/>
+          <p:nvPr/>
+        </p:nvSpPr>
+        <p:spPr>
+          <a:xfrm>
+            <a:off x="152400" y="373350"/>
+            <a:ext cx="1543200" cy="445800"/>
+          </a:xfrm>
+          <a:prstGeom prst="rect">
+            <a:avLst/>
+          </a:prstGeom>
+          <a:solidFill>
+            <a:srgbClr val="E7F1E3"/>
+          </a:solidFill>
+          <a:ln>
+            <a:noFill/>
+          </a:ln>
+        </p:spPr>
+        <p:txBody>
+          <a:bodyPr anchorCtr="0" anchor="t" bIns="91425" lIns="91425" spcFirstLastPara="1" rIns="91425" wrap="square" tIns="91425">
+            <a:noAutofit/>
+          </a:bodyPr>
+          <a:lstStyle/>
+          <a:p>
+            <a:pPr indent="0" lvl="0" marL="0" rtl="0" algn="l">
+              <a:spcBef>
+                <a:spcPts val="0"/>
+              </a:spcBef>
+              <a:spcAft>
+                <a:spcPts val="0"/>
+              </a:spcAft>
+              <a:buNone/>
+            </a:pPr>
+            <a:r>
+              <a:rPr lang="en"/>
+              <a:t>Terminate</a:t>
+            </a:r>
+            <a:endParaRPr/>
+          </a:p>
+          <a:p>
+            <a:pPr indent="0" lvl="0" marL="0" rtl="0" algn="l">
+              <a:spcBef>
+                <a:spcPts val="0"/>
+              </a:spcBef>
+              <a:spcAft>
+                <a:spcPts val="0"/>
+              </a:spcAft>
+              <a:buNone/>
+            </a:pPr>
+            <a:r>
+              <a:t/>
+            </a:r>
+            <a:endParaRPr/>
+          </a:p>
+        </p:txBody>
+      </p:sp>
+      <p:sp>
+        <p:nvSpPr>
+          <p:cNvPr id="630" name="Google Shape;630;p29"/>
+          <p:cNvSpPr txBox="1"/>
+          <p:nvPr/>
+        </p:nvSpPr>
+        <p:spPr>
+          <a:xfrm>
+            <a:off x="1828800" y="525750"/>
+            <a:ext cx="1504800" cy="445800"/>
+          </a:xfrm>
+          <a:prstGeom prst="rect">
+            <a:avLst/>
+          </a:prstGeom>
+          <a:solidFill>
+            <a:srgbClr val="FDF7E6"/>
+          </a:solidFill>
+          <a:ln>
+            <a:noFill/>
+          </a:ln>
+        </p:spPr>
+        <p:txBody>
+          <a:bodyPr anchorCtr="0" anchor="t" bIns="91425" lIns="91425" spcFirstLastPara="1" rIns="91425" wrap="square" tIns="91425">
+            <a:noAutofit/>
+          </a:bodyPr>
+          <a:lstStyle/>
+          <a:p>
+            <a:pPr indent="0" lvl="0" marL="0" rtl="0" algn="l">
+              <a:spcBef>
+                <a:spcPts val="0"/>
+              </a:spcBef>
+              <a:spcAft>
+                <a:spcPts val="0"/>
+              </a:spcAft>
+              <a:buNone/>
+            </a:pPr>
+            <a:r>
+              <a:rPr lang="en"/>
+              <a:t>Delete identifier</a:t>
+            </a:r>
+            <a:endParaRPr/>
+          </a:p>
+        </p:txBody>
+      </p:sp>
+      <p:sp>
+        <p:nvSpPr>
+          <p:cNvPr id="631" name="Google Shape;631;p29"/>
+          <p:cNvSpPr txBox="1"/>
+          <p:nvPr/>
+        </p:nvSpPr>
+        <p:spPr>
+          <a:xfrm>
+            <a:off x="3374973" y="525743"/>
+            <a:ext cx="1850400" cy="445800"/>
+          </a:xfrm>
+          <a:prstGeom prst="rect">
+            <a:avLst/>
+          </a:prstGeom>
+          <a:solidFill>
+            <a:srgbClr val="FDF7E6"/>
+          </a:solidFill>
+          <a:ln>
+            <a:noFill/>
+          </a:ln>
+        </p:spPr>
+        <p:txBody>
+          <a:bodyPr anchorCtr="0" anchor="t" bIns="91425" lIns="91425" spcFirstLastPara="1" rIns="91425" wrap="square" tIns="91425">
+            <a:noAutofit/>
+          </a:bodyPr>
+          <a:lstStyle/>
+          <a:p>
+            <a:pPr indent="0" lvl="0" marL="0" rtl="0" algn="l">
+              <a:spcBef>
+                <a:spcPts val="0"/>
+              </a:spcBef>
+              <a:spcAft>
+                <a:spcPts val="0"/>
+              </a:spcAft>
+              <a:buNone/>
+            </a:pPr>
+            <a:r>
+              <a:rPr lang="en"/>
+              <a:t>Subscribe</a:t>
+            </a:r>
+            <a:endParaRPr/>
+          </a:p>
+        </p:txBody>
+      </p:sp>
+      <p:sp>
+        <p:nvSpPr>
+          <p:cNvPr id="632" name="Google Shape;632;p29"/>
+          <p:cNvSpPr txBox="1"/>
+          <p:nvPr/>
+        </p:nvSpPr>
+        <p:spPr>
+          <a:xfrm>
+            <a:off x="3428850" y="3275475"/>
+            <a:ext cx="859800" cy="445800"/>
+          </a:xfrm>
+          <a:prstGeom prst="rect">
+            <a:avLst/>
+          </a:prstGeom>
+          <a:noFill/>
+          <a:ln>
+            <a:noFill/>
+          </a:ln>
+        </p:spPr>
+        <p:txBody>
+          <a:bodyPr anchorCtr="0" anchor="t" bIns="91425" lIns="91425" spcFirstLastPara="1" rIns="91425" wrap="square" tIns="91425">
+            <a:noAutofit/>
+          </a:bodyPr>
+          <a:lstStyle/>
+          <a:p>
+            <a:pPr indent="0" lvl="0" marL="0" rtl="0" algn="l">
+              <a:spcBef>
+                <a:spcPts val="0"/>
+              </a:spcBef>
+              <a:spcAft>
+                <a:spcPts val="0"/>
+              </a:spcAft>
+              <a:buNone/>
+            </a:pPr>
+            <a:r>
+              <a:rPr lang="en"/>
+              <a:t>Notify</a:t>
+            </a:r>
+            <a:endParaRPr/>
+          </a:p>
+        </p:txBody>
+      </p:sp>
+      <p:sp>
+        <p:nvSpPr>
+          <p:cNvPr id="633" name="Google Shape;633;p29"/>
+          <p:cNvSpPr txBox="1"/>
+          <p:nvPr/>
+        </p:nvSpPr>
+        <p:spPr>
+          <a:xfrm>
+            <a:off x="5334000" y="516075"/>
+            <a:ext cx="2390700" cy="445800"/>
+          </a:xfrm>
+          <a:prstGeom prst="rect">
+            <a:avLst/>
+          </a:prstGeom>
+          <a:solidFill>
+            <a:srgbClr val="FDF7E6"/>
+          </a:solidFill>
+          <a:ln>
+            <a:noFill/>
+          </a:ln>
+        </p:spPr>
+        <p:txBody>
+          <a:bodyPr anchorCtr="0" anchor="t" bIns="91425" lIns="91425" spcFirstLastPara="1" rIns="91425" wrap="square" tIns="91425">
+            <a:noAutofit/>
+          </a:bodyPr>
+          <a:lstStyle/>
+          <a:p>
+            <a:pPr indent="0" lvl="0" marL="0" rtl="0" algn="l">
+              <a:spcBef>
+                <a:spcPts val="0"/>
+              </a:spcBef>
+              <a:spcAft>
+                <a:spcPts val="0"/>
+              </a:spcAft>
+              <a:buNone/>
+            </a:pPr>
+            <a:r>
+              <a:rPr lang="en"/>
+              <a:t>Query subscription </a:t>
+            </a:r>
+            <a:endParaRPr/>
+          </a:p>
+        </p:txBody>
+      </p:sp>
+      <p:cxnSp>
+        <p:nvCxnSpPr>
+          <p:cNvPr id="634" name="Google Shape;634;p29"/>
+          <p:cNvCxnSpPr/>
+          <p:nvPr/>
+        </p:nvCxnSpPr>
+        <p:spPr>
+          <a:xfrm>
+            <a:off x="13500" y="2262468"/>
+            <a:ext cx="9157500" cy="0"/>
+          </a:xfrm>
+          <a:prstGeom prst="straightConnector1">
+            <a:avLst/>
+          </a:prstGeom>
+          <a:noFill/>
+          <a:ln cap="flat" cmpd="sng" w="9525">
+            <a:solidFill>
+              <a:schemeClr val="dk2"/>
+            </a:solidFill>
+            <a:prstDash val="solid"/>
+            <a:round/>
+            <a:headEnd len="med" w="med" type="none"/>
+            <a:tailEnd len="med" w="med" type="none"/>
+          </a:ln>
+        </p:spPr>
+      </p:cxnSp>
+      <p:sp>
+        <p:nvSpPr>
+          <p:cNvPr id="635" name="Google Shape;635;p29"/>
+          <p:cNvSpPr txBox="1"/>
+          <p:nvPr/>
+        </p:nvSpPr>
+        <p:spPr>
+          <a:xfrm>
+            <a:off x="-62693" y="2175129"/>
+            <a:ext cx="1850400" cy="445800"/>
+          </a:xfrm>
+          <a:prstGeom prst="rect">
+            <a:avLst/>
+          </a:prstGeom>
+          <a:noFill/>
+          <a:ln>
+            <a:noFill/>
+          </a:ln>
+        </p:spPr>
+        <p:txBody>
+          <a:bodyPr anchorCtr="0" anchor="t" bIns="91425" lIns="91425" spcFirstLastPara="1" rIns="91425" wrap="square" tIns="91425">
+            <a:noAutofit/>
+          </a:bodyPr>
+          <a:lstStyle/>
+          <a:p>
+            <a:pPr indent="0" lvl="0" marL="0" rtl="0" algn="l">
+              <a:spcBef>
+                <a:spcPts val="0"/>
+              </a:spcBef>
+              <a:spcAft>
+                <a:spcPts val="0"/>
+              </a:spcAft>
+              <a:buNone/>
+            </a:pPr>
+            <a:r>
+              <a:rPr b="1" lang="en"/>
+              <a:t>Response</a:t>
+            </a:r>
+            <a:endParaRPr b="1"/>
+          </a:p>
+        </p:txBody>
+      </p:sp>
+      <p:sp>
+        <p:nvSpPr>
+          <p:cNvPr id="636" name="Google Shape;636;p29"/>
+          <p:cNvSpPr txBox="1"/>
+          <p:nvPr/>
+        </p:nvSpPr>
+        <p:spPr>
+          <a:xfrm>
+            <a:off x="-62693" y="117729"/>
+            <a:ext cx="1850400" cy="445800"/>
+          </a:xfrm>
+          <a:prstGeom prst="rect">
+            <a:avLst/>
+          </a:prstGeom>
+          <a:noFill/>
+          <a:ln>
+            <a:noFill/>
+          </a:ln>
+        </p:spPr>
+        <p:txBody>
+          <a:bodyPr anchorCtr="0" anchor="t" bIns="91425" lIns="91425" spcFirstLastPara="1" rIns="91425" wrap="square" tIns="91425">
+            <a:noAutofit/>
+          </a:bodyPr>
+          <a:lstStyle/>
+          <a:p>
+            <a:pPr indent="0" lvl="0" marL="0" rtl="0" algn="l">
+              <a:spcBef>
+                <a:spcPts val="0"/>
+              </a:spcBef>
+              <a:spcAft>
+                <a:spcPts val="0"/>
+              </a:spcAft>
+              <a:buNone/>
+            </a:pPr>
+            <a:r>
+              <a:rPr b="1" lang="en"/>
+              <a:t>Requests</a:t>
+            </a:r>
+            <a:endParaRPr b="1"/>
+          </a:p>
+        </p:txBody>
+      </p:sp>
+      <p:sp>
+        <p:nvSpPr>
+          <p:cNvPr id="637" name="Google Shape;637;p29"/>
+          <p:cNvSpPr txBox="1"/>
+          <p:nvPr/>
+        </p:nvSpPr>
+        <p:spPr>
+          <a:xfrm>
+            <a:off x="2147088" y="41525"/>
+            <a:ext cx="5295900" cy="445800"/>
+          </a:xfrm>
+          <a:prstGeom prst="rect">
+            <a:avLst/>
+          </a:prstGeom>
+          <a:noFill/>
+          <a:ln>
+            <a:noFill/>
+          </a:ln>
+        </p:spPr>
+        <p:txBody>
+          <a:bodyPr anchorCtr="0" anchor="t" bIns="91425" lIns="91425" spcFirstLastPara="1" rIns="91425" wrap="square" tIns="91425">
+            <a:noAutofit/>
+          </a:bodyPr>
+          <a:lstStyle/>
+          <a:p>
+            <a:pPr indent="0" lvl="0" marL="0" rtl="0" algn="l">
+              <a:spcBef>
+                <a:spcPts val="0"/>
+              </a:spcBef>
+              <a:spcAft>
+                <a:spcPts val="0"/>
+              </a:spcAft>
+              <a:buClr>
+                <a:schemeClr val="dk1"/>
+              </a:buClr>
+              <a:buSzPts val="1100"/>
+              <a:buFont typeface="Arial"/>
+              <a:buNone/>
+            </a:pPr>
+            <a:r>
+              <a:rPr b="1" lang="en" sz="1600">
+                <a:solidFill>
+                  <a:schemeClr val="dk1"/>
+                </a:solidFill>
+              </a:rPr>
+              <a:t>Application Lifecycle management  API (Mm1)</a:t>
+            </a:r>
+            <a:endParaRPr b="1" sz="1600">
+              <a:solidFill>
+                <a:schemeClr val="dk1"/>
+              </a:solidFill>
+            </a:endParaRPr>
+          </a:p>
+          <a:p>
+            <a:pPr indent="0" lvl="0" marL="0" rtl="0" algn="l">
+              <a:spcBef>
+                <a:spcPts val="0"/>
+              </a:spcBef>
+              <a:spcAft>
+                <a:spcPts val="0"/>
+              </a:spcAft>
+              <a:buNone/>
+            </a:pPr>
+            <a:r>
+              <a:t/>
+            </a:r>
+            <a:endParaRPr b="1" sz="1600"/>
+          </a:p>
+        </p:txBody>
+      </p:sp>
+      <p:pic>
+        <p:nvPicPr>
+          <p:cNvPr id="638" name="Google Shape;638;p29"/>
+          <p:cNvPicPr preferRelativeResize="0"/>
+          <p:nvPr/>
+        </p:nvPicPr>
+        <p:blipFill>
+          <a:blip r:embed="rId3">
+            <a:alphaModFix/>
+          </a:blip>
+          <a:stretch>
+            <a:fillRect/>
+          </a:stretch>
+        </p:blipFill>
+        <p:spPr>
+          <a:xfrm>
+            <a:off x="-35179" y="819158"/>
+            <a:ext cx="1724025" cy="514350"/>
+          </a:xfrm>
+          <a:prstGeom prst="rect">
+            <a:avLst/>
+          </a:prstGeom>
+          <a:noFill/>
+          <a:ln>
+            <a:noFill/>
+          </a:ln>
+        </p:spPr>
+      </p:pic>
+      <p:pic>
+        <p:nvPicPr>
+          <p:cNvPr id="639" name="Google Shape;639;p29"/>
+          <p:cNvPicPr preferRelativeResize="0"/>
+          <p:nvPr/>
+        </p:nvPicPr>
+        <p:blipFill>
+          <a:blip r:embed="rId4">
+            <a:alphaModFix/>
+          </a:blip>
+          <a:stretch>
+            <a:fillRect/>
+          </a:stretch>
+        </p:blipFill>
+        <p:spPr>
+          <a:xfrm>
+            <a:off x="-31847" y="1225983"/>
+            <a:ext cx="1724025" cy="352425"/>
+          </a:xfrm>
+          <a:prstGeom prst="rect">
+            <a:avLst/>
+          </a:prstGeom>
+          <a:noFill/>
+          <a:ln>
+            <a:noFill/>
+          </a:ln>
+        </p:spPr>
+      </p:pic>
+      <p:pic>
+        <p:nvPicPr>
+          <p:cNvPr id="640" name="Google Shape;640;p29"/>
+          <p:cNvPicPr preferRelativeResize="0"/>
+          <p:nvPr/>
+        </p:nvPicPr>
+        <p:blipFill>
+          <a:blip r:embed="rId5">
+            <a:alphaModFix/>
+          </a:blip>
+          <a:stretch>
+            <a:fillRect/>
+          </a:stretch>
+        </p:blipFill>
+        <p:spPr>
+          <a:xfrm>
+            <a:off x="-8031" y="1479483"/>
+            <a:ext cx="1676400" cy="276225"/>
+          </a:xfrm>
+          <a:prstGeom prst="rect">
+            <a:avLst/>
+          </a:prstGeom>
+          <a:noFill/>
+          <a:ln>
+            <a:noFill/>
+          </a:ln>
+        </p:spPr>
+      </p:pic>
+      <p:pic>
+        <p:nvPicPr>
+          <p:cNvPr id="641" name="Google Shape;641;p29"/>
+          <p:cNvPicPr preferRelativeResize="0"/>
+          <p:nvPr/>
+        </p:nvPicPr>
+        <p:blipFill>
+          <a:blip r:embed="rId6">
+            <a:alphaModFix/>
+          </a:blip>
+          <a:stretch>
+            <a:fillRect/>
+          </a:stretch>
+        </p:blipFill>
+        <p:spPr>
+          <a:xfrm>
+            <a:off x="-19043" y="2620893"/>
+            <a:ext cx="1847850" cy="485775"/>
+          </a:xfrm>
+          <a:prstGeom prst="rect">
+            <a:avLst/>
+          </a:prstGeom>
+          <a:noFill/>
+          <a:ln>
+            <a:noFill/>
+          </a:ln>
+        </p:spPr>
+      </p:pic>
+      <p:pic>
+        <p:nvPicPr>
+          <p:cNvPr id="642" name="Google Shape;642;p29"/>
+          <p:cNvPicPr preferRelativeResize="0"/>
+          <p:nvPr/>
+        </p:nvPicPr>
+        <p:blipFill>
+          <a:blip r:embed="rId7">
+            <a:alphaModFix/>
+          </a:blip>
+          <a:stretch>
+            <a:fillRect/>
+          </a:stretch>
+        </p:blipFill>
+        <p:spPr>
+          <a:xfrm>
+            <a:off x="1919293" y="900120"/>
+            <a:ext cx="1019175" cy="352425"/>
+          </a:xfrm>
+          <a:prstGeom prst="rect">
+            <a:avLst/>
+          </a:prstGeom>
+          <a:noFill/>
+          <a:ln>
+            <a:noFill/>
+          </a:ln>
+        </p:spPr>
+      </p:pic>
+      <p:sp>
+        <p:nvSpPr>
+          <p:cNvPr id="643" name="Google Shape;643;p29"/>
+          <p:cNvSpPr txBox="1"/>
+          <p:nvPr/>
+        </p:nvSpPr>
+        <p:spPr>
+          <a:xfrm>
+            <a:off x="1905000" y="2627500"/>
+            <a:ext cx="1104900" cy="445800"/>
+          </a:xfrm>
+          <a:prstGeom prst="rect">
+            <a:avLst/>
+          </a:prstGeom>
+          <a:noFill/>
+          <a:ln>
+            <a:noFill/>
+          </a:ln>
+        </p:spPr>
+        <p:txBody>
+          <a:bodyPr anchorCtr="0" anchor="t" bIns="91425" lIns="91425" spcFirstLastPara="1" rIns="91425" wrap="square" tIns="91425">
+            <a:noAutofit/>
+          </a:bodyPr>
+          <a:lstStyle/>
+          <a:p>
+            <a:pPr indent="0" lvl="0" marL="0" rtl="0" algn="l">
+              <a:spcBef>
+                <a:spcPts val="0"/>
+              </a:spcBef>
+              <a:spcAft>
+                <a:spcPts val="0"/>
+              </a:spcAft>
+              <a:buNone/>
+            </a:pPr>
+            <a:r>
+              <a:rPr lang="en"/>
+              <a:t>No output parameter. </a:t>
+            </a:r>
+            <a:endParaRPr/>
+          </a:p>
+        </p:txBody>
+      </p:sp>
+      <p:pic>
+        <p:nvPicPr>
+          <p:cNvPr id="644" name="Google Shape;644;p29"/>
+          <p:cNvPicPr preferRelativeResize="0"/>
+          <p:nvPr/>
+        </p:nvPicPr>
+        <p:blipFill>
+          <a:blip r:embed="rId8">
+            <a:alphaModFix/>
+          </a:blip>
+          <a:stretch>
+            <a:fillRect/>
+          </a:stretch>
+        </p:blipFill>
+        <p:spPr>
+          <a:xfrm>
+            <a:off x="3405100" y="961883"/>
+            <a:ext cx="1028700" cy="428625"/>
+          </a:xfrm>
+          <a:prstGeom prst="rect">
+            <a:avLst/>
+          </a:prstGeom>
+          <a:noFill/>
+          <a:ln>
+            <a:noFill/>
+          </a:ln>
+        </p:spPr>
+      </p:pic>
+      <p:pic>
+        <p:nvPicPr>
+          <p:cNvPr id="645" name="Google Shape;645;p29"/>
+          <p:cNvPicPr preferRelativeResize="0"/>
+          <p:nvPr/>
+        </p:nvPicPr>
+        <p:blipFill>
+          <a:blip r:embed="rId9">
+            <a:alphaModFix/>
+          </a:blip>
+          <a:stretch>
+            <a:fillRect/>
+          </a:stretch>
+        </p:blipFill>
+        <p:spPr>
+          <a:xfrm>
+            <a:off x="3428838" y="1417570"/>
+            <a:ext cx="1543050" cy="400050"/>
+          </a:xfrm>
+          <a:prstGeom prst="rect">
+            <a:avLst/>
+          </a:prstGeom>
+          <a:noFill/>
+          <a:ln>
+            <a:noFill/>
+          </a:ln>
+        </p:spPr>
+      </p:pic>
+      <p:pic>
+        <p:nvPicPr>
+          <p:cNvPr id="646" name="Google Shape;646;p29"/>
+          <p:cNvPicPr preferRelativeResize="0"/>
+          <p:nvPr/>
+        </p:nvPicPr>
+        <p:blipFill>
+          <a:blip r:embed="rId10">
+            <a:alphaModFix/>
+          </a:blip>
+          <a:stretch>
+            <a:fillRect/>
+          </a:stretch>
+        </p:blipFill>
+        <p:spPr>
+          <a:xfrm>
+            <a:off x="3233650" y="2687583"/>
+            <a:ext cx="1371600" cy="352425"/>
+          </a:xfrm>
+          <a:prstGeom prst="rect">
+            <a:avLst/>
+          </a:prstGeom>
+          <a:noFill/>
+          <a:ln>
+            <a:noFill/>
+          </a:ln>
+        </p:spPr>
+      </p:pic>
+      <p:pic>
+        <p:nvPicPr>
+          <p:cNvPr id="647" name="Google Shape;647;p29"/>
+          <p:cNvPicPr preferRelativeResize="0"/>
+          <p:nvPr/>
+        </p:nvPicPr>
+        <p:blipFill>
+          <a:blip r:embed="rId11">
+            <a:alphaModFix/>
+          </a:blip>
+          <a:stretch>
+            <a:fillRect/>
+          </a:stretch>
+        </p:blipFill>
+        <p:spPr>
+          <a:xfrm>
+            <a:off x="3308000" y="3721283"/>
+            <a:ext cx="904875" cy="495300"/>
+          </a:xfrm>
+          <a:prstGeom prst="rect">
+            <a:avLst/>
+          </a:prstGeom>
+          <a:noFill/>
+          <a:ln>
+            <a:noFill/>
+          </a:ln>
+        </p:spPr>
+      </p:pic>
+      <p:pic>
+        <p:nvPicPr>
+          <p:cNvPr id="648" name="Google Shape;648;p29"/>
+          <p:cNvPicPr preferRelativeResize="0"/>
+          <p:nvPr/>
+        </p:nvPicPr>
+        <p:blipFill>
+          <a:blip r:embed="rId12">
+            <a:alphaModFix/>
+          </a:blip>
+          <a:stretch>
+            <a:fillRect/>
+          </a:stretch>
+        </p:blipFill>
+        <p:spPr>
+          <a:xfrm>
+            <a:off x="3214588" y="4283243"/>
+            <a:ext cx="2524125" cy="742950"/>
+          </a:xfrm>
+          <a:prstGeom prst="rect">
+            <a:avLst/>
+          </a:prstGeom>
+          <a:noFill/>
+          <a:ln>
+            <a:noFill/>
+          </a:ln>
+        </p:spPr>
+      </p:pic>
+      <p:pic>
+        <p:nvPicPr>
+          <p:cNvPr id="649" name="Google Shape;649;p29"/>
+          <p:cNvPicPr preferRelativeResize="0"/>
+          <p:nvPr/>
+        </p:nvPicPr>
+        <p:blipFill>
+          <a:blip r:embed="rId13">
+            <a:alphaModFix/>
+          </a:blip>
+          <a:stretch>
+            <a:fillRect/>
+          </a:stretch>
+        </p:blipFill>
+        <p:spPr>
+          <a:xfrm>
+            <a:off x="5598263" y="2620893"/>
+            <a:ext cx="1562100" cy="352425"/>
+          </a:xfrm>
+          <a:prstGeom prst="rect">
+            <a:avLst/>
+          </a:prstGeom>
+          <a:noFill/>
+          <a:ln>
+            <a:noFill/>
+          </a:ln>
+        </p:spPr>
+      </p:pic>
+      <p:sp>
+        <p:nvSpPr>
+          <p:cNvPr id="650" name="Google Shape;650;p29"/>
+          <p:cNvSpPr txBox="1"/>
+          <p:nvPr/>
+        </p:nvSpPr>
+        <p:spPr>
+          <a:xfrm>
+            <a:off x="5598275" y="1243700"/>
+            <a:ext cx="1104900" cy="445800"/>
+          </a:xfrm>
+          <a:prstGeom prst="rect">
+            <a:avLst/>
+          </a:prstGeom>
+          <a:noFill/>
+          <a:ln>
+            <a:noFill/>
+          </a:ln>
+        </p:spPr>
+        <p:txBody>
+          <a:bodyPr anchorCtr="0" anchor="t" bIns="91425" lIns="91425" spcFirstLastPara="1" rIns="91425" wrap="square" tIns="91425">
+            <a:noAutofit/>
+          </a:bodyPr>
+          <a:lstStyle/>
+          <a:p>
+            <a:pPr indent="0" lvl="0" marL="0" rtl="0" algn="l">
+              <a:spcBef>
+                <a:spcPts val="0"/>
+              </a:spcBef>
+              <a:spcAft>
+                <a:spcPts val="0"/>
+              </a:spcAft>
+              <a:buNone/>
+            </a:pPr>
+            <a:r>
+              <a:rPr lang="en"/>
+              <a:t>No input</a:t>
+            </a:r>
+            <a:endParaRPr/>
+          </a:p>
+        </p:txBody>
+      </p:sp>
+      <p:sp>
+        <p:nvSpPr>
+          <p:cNvPr id="651" name="Google Shape;651;p29"/>
+          <p:cNvSpPr txBox="1"/>
+          <p:nvPr/>
+        </p:nvSpPr>
+        <p:spPr>
+          <a:xfrm>
+            <a:off x="7108773" y="525743"/>
+            <a:ext cx="1850400" cy="445800"/>
+          </a:xfrm>
+          <a:prstGeom prst="rect">
+            <a:avLst/>
+          </a:prstGeom>
+          <a:solidFill>
+            <a:srgbClr val="FDF7E6"/>
+          </a:solidFill>
+          <a:ln>
+            <a:noFill/>
+          </a:ln>
+        </p:spPr>
+        <p:txBody>
+          <a:bodyPr anchorCtr="0" anchor="t" bIns="91425" lIns="91425" spcFirstLastPara="1" rIns="91425" wrap="square" tIns="91425">
+            <a:noAutofit/>
+          </a:bodyPr>
+          <a:lstStyle/>
+          <a:p>
+            <a:pPr indent="0" lvl="0" marL="0" rtl="0" algn="l">
+              <a:spcBef>
+                <a:spcPts val="0"/>
+              </a:spcBef>
+              <a:spcAft>
+                <a:spcPts val="0"/>
+              </a:spcAft>
+              <a:buClr>
+                <a:schemeClr val="dk1"/>
+              </a:buClr>
+              <a:buSzPts val="1100"/>
+              <a:buFont typeface="Arial"/>
+              <a:buNone/>
+            </a:pPr>
+            <a:r>
+              <a:rPr lang="en">
+                <a:solidFill>
+                  <a:schemeClr val="dk1"/>
+                </a:solidFill>
+              </a:rPr>
+              <a:t>Delete</a:t>
+            </a:r>
+            <a:r>
+              <a:rPr lang="en">
+                <a:solidFill>
+                  <a:schemeClr val="dk1"/>
+                </a:solidFill>
+              </a:rPr>
+              <a:t> subscription </a:t>
+            </a:r>
+            <a:endParaRPr>
+              <a:solidFill>
+                <a:schemeClr val="dk1"/>
+              </a:solidFill>
+            </a:endParaRPr>
+          </a:p>
+          <a:p>
+            <a:pPr indent="0" lvl="0" marL="0" rtl="0" algn="l">
+              <a:spcBef>
+                <a:spcPts val="0"/>
+              </a:spcBef>
+              <a:spcAft>
+                <a:spcPts val="0"/>
+              </a:spcAft>
+              <a:buNone/>
+            </a:pPr>
+            <a:r>
+              <a:t/>
+            </a:r>
+            <a:endParaRPr/>
+          </a:p>
+        </p:txBody>
+      </p:sp>
+      <p:pic>
+        <p:nvPicPr>
+          <p:cNvPr id="652" name="Google Shape;652;p29"/>
+          <p:cNvPicPr preferRelativeResize="0"/>
+          <p:nvPr/>
+        </p:nvPicPr>
+        <p:blipFill>
+          <a:blip r:embed="rId14">
+            <a:alphaModFix/>
+          </a:blip>
+          <a:stretch>
+            <a:fillRect/>
+          </a:stretch>
+        </p:blipFill>
+        <p:spPr>
+          <a:xfrm>
+            <a:off x="7221207" y="1235495"/>
+            <a:ext cx="1504950" cy="333375"/>
+          </a:xfrm>
+          <a:prstGeom prst="rect">
+            <a:avLst/>
+          </a:prstGeom>
+          <a:noFill/>
+          <a:ln>
+            <a:noFill/>
+          </a:ln>
+        </p:spPr>
+      </p:pic>
+      <p:sp>
+        <p:nvSpPr>
+          <p:cNvPr id="653" name="Google Shape;653;p29"/>
+          <p:cNvSpPr txBox="1"/>
+          <p:nvPr/>
+        </p:nvSpPr>
+        <p:spPr>
+          <a:xfrm>
+            <a:off x="7772400" y="2627500"/>
+            <a:ext cx="1104900" cy="445800"/>
+          </a:xfrm>
+          <a:prstGeom prst="rect">
+            <a:avLst/>
+          </a:prstGeom>
+          <a:noFill/>
+          <a:ln>
+            <a:noFill/>
+          </a:ln>
+        </p:spPr>
+        <p:txBody>
+          <a:bodyPr anchorCtr="0" anchor="t" bIns="91425" lIns="91425" spcFirstLastPara="1" rIns="91425" wrap="square" tIns="91425">
+            <a:noAutofit/>
+          </a:bodyPr>
+          <a:lstStyle/>
+          <a:p>
+            <a:pPr indent="0" lvl="0" marL="0" rtl="0" algn="l">
+              <a:spcBef>
+                <a:spcPts val="0"/>
+              </a:spcBef>
+              <a:spcAft>
+                <a:spcPts val="0"/>
+              </a:spcAft>
+              <a:buNone/>
+            </a:pPr>
+            <a:r>
+              <a:rPr lang="en"/>
+              <a:t>No output parameter. </a:t>
+            </a:r>
+            <a:endParaRPr/>
+          </a:p>
+        </p:txBody>
+      </p:sp>
+      <p:sp>
+        <p:nvSpPr>
+          <p:cNvPr id="654" name="Google Shape;654;p29"/>
+          <p:cNvSpPr/>
+          <p:nvPr/>
+        </p:nvSpPr>
+        <p:spPr>
+          <a:xfrm>
+            <a:off x="7198436" y="4812936"/>
+            <a:ext cx="809100" cy="228900"/>
+          </a:xfrm>
+          <a:prstGeom prst="rect">
+            <a:avLst/>
+          </a:prstGeom>
+          <a:solidFill>
+            <a:srgbClr val="E7F1E3"/>
+          </a:solidFill>
+          <a:ln cap="flat" cmpd="sng" w="9525">
+            <a:solidFill>
+              <a:schemeClr val="dk2"/>
+            </a:solidFill>
+            <a:prstDash val="solid"/>
+            <a:round/>
+            <a:headEnd len="sm" w="sm" type="none"/>
+            <a:tailEnd len="sm" w="sm" type="none"/>
+          </a:ln>
+        </p:spPr>
+        <p:txBody>
+          <a:bodyPr anchorCtr="0" anchor="ctr" bIns="91425" lIns="91425" spcFirstLastPara="1" rIns="91425" wrap="square" tIns="91425">
+            <a:noAutofit/>
+          </a:bodyPr>
+          <a:lstStyle/>
+          <a:p>
+            <a:pPr indent="0" lvl="0" marL="0" rtl="0" algn="ctr">
+              <a:spcBef>
+                <a:spcPts val="0"/>
+              </a:spcBef>
+              <a:spcAft>
+                <a:spcPts val="0"/>
+              </a:spcAft>
+              <a:buNone/>
+            </a:pPr>
+            <a:r>
+              <a:rPr lang="en" sz="600"/>
+              <a:t>EG MECM need to Align with ETSI</a:t>
+            </a:r>
+            <a:endParaRPr sz="600"/>
+          </a:p>
+        </p:txBody>
+      </p:sp>
+      <p:sp>
+        <p:nvSpPr>
+          <p:cNvPr id="655" name="Google Shape;655;p29"/>
+          <p:cNvSpPr/>
+          <p:nvPr/>
+        </p:nvSpPr>
+        <p:spPr>
+          <a:xfrm>
+            <a:off x="8179770" y="4812936"/>
+            <a:ext cx="809100" cy="228900"/>
+          </a:xfrm>
+          <a:prstGeom prst="rect">
+            <a:avLst/>
+          </a:prstGeom>
+          <a:solidFill>
+            <a:srgbClr val="FDF7E6"/>
+          </a:solidFill>
+          <a:ln cap="flat" cmpd="sng" w="9525">
+            <a:solidFill>
+              <a:schemeClr val="dk2"/>
+            </a:solidFill>
+            <a:prstDash val="solid"/>
+            <a:round/>
+            <a:headEnd len="sm" w="sm" type="none"/>
+            <a:tailEnd len="sm" w="sm" type="none"/>
+          </a:ln>
+        </p:spPr>
+        <p:txBody>
+          <a:bodyPr anchorCtr="0" anchor="ctr" bIns="91425" lIns="91425" spcFirstLastPara="1" rIns="91425" wrap="square" tIns="91425">
+            <a:noAutofit/>
+          </a:bodyPr>
+          <a:lstStyle/>
+          <a:p>
+            <a:pPr indent="0" lvl="0" marL="0" rtl="0" algn="ctr">
+              <a:spcBef>
+                <a:spcPts val="0"/>
+              </a:spcBef>
+              <a:spcAft>
+                <a:spcPts val="0"/>
+              </a:spcAft>
+              <a:buClr>
+                <a:schemeClr val="dk1"/>
+              </a:buClr>
+              <a:buSzPts val="1100"/>
+              <a:buFont typeface="Arial"/>
+              <a:buNone/>
+            </a:pPr>
+            <a:r>
+              <a:rPr lang="en" sz="600">
+                <a:solidFill>
+                  <a:schemeClr val="dk1"/>
+                </a:solidFill>
+              </a:rPr>
+              <a:t>Not Implemented</a:t>
+            </a:r>
+            <a:endParaRPr sz="600"/>
+          </a:p>
+        </p:txBody>
+      </p:sp>
+    </p:spTree>
+  </p:cSld>
+  <p:clrMapOvr>
+    <a:masterClrMapping/>
+  </p:clrMapOvr>
+</p:sld>
+</file>
+
+<file path=ppt/slides/slide18.xml><?xml version="1.0" encoding="utf-8"?>
+<p:sld xmlns:a="http://schemas.openxmlformats.org/drawingml/2006/main" xmlns:r="http://schemas.openxmlformats.org/officeDocument/2006/relationships" xmlns:mc="http://schemas.openxmlformats.org/markup-compatibility/2006" xmlns:mv="urn:schemas-microsoft-com:mac:vml" xmlns:p="http://schemas.openxmlformats.org/presentationml/2006/main" xmlns:c="http://schemas.openxmlformats.org/drawingml/2006/chart" xmlns:dgm="http://schemas.openxmlformats.org/drawingml/2006/diagram" xmlns:o="urn:schemas-microsoft-com:office:office" xmlns:v="urn:schemas-microsoft-com:vml" xmlns:pvml="urn:schemas-microsoft-com:office:powerpoint" xmlns:com="http://schemas.openxmlformats.org/drawingml/2006/compatibility" xmlns:p14="http://schemas.microsoft.com/office/powerpoint/2010/main" xmlns:p15="http://schemas.microsoft.com/office/powerpoint/2012/main" xmlns:ahyp="http://schemas.microsoft.com/office/drawing/2018/hyperlinkcolor">
+  <p:cSld>
+    <p:spTree>
+      <p:nvGrpSpPr>
+        <p:cNvPr id="659" name="Shape 659"/>
+        <p:cNvGrpSpPr/>
+        <p:nvPr/>
+      </p:nvGrpSpPr>
+      <p:grpSpPr>
+        <a:xfrm>
+          <a:off x="0" y="0"/>
+          <a:ext cx="0" cy="0"/>
+          <a:chOff x="0" y="0"/>
+          <a:chExt cx="0" cy="0"/>
+        </a:xfrm>
+      </p:grpSpPr>
+      <p:sp>
+        <p:nvSpPr>
+          <p:cNvPr id="660" name="Google Shape;660;p30"/>
           <p:cNvSpPr txBox="1"/>
           <p:nvPr>
             <p:ph idx="1" type="body"/>
@@ -16965,7 +20225,7 @@
   <p:cSld>
     <p:spTree>
       <p:nvGrpSpPr>
-        <p:cNvPr id="58" name="Shape 58"/>
+        <p:cNvPr id="59" name="Shape 59"/>
         <p:cNvGrpSpPr/>
         <p:nvPr/>
       </p:nvGrpSpPr>
@@ -16979,7 +20239,7 @@
       </p:grpSpPr>
       <p:pic>
         <p:nvPicPr>
-          <p:cNvPr id="59" name="Google Shape;59;p14"/>
+          <p:cNvPr id="60" name="Google Shape;60;p14"/>
           <p:cNvPicPr preferRelativeResize="0"/>
           <p:nvPr/>
         </p:nvPicPr>
@@ -17006,7 +20266,7 @@
       </p:pic>
       <p:sp>
         <p:nvSpPr>
-          <p:cNvPr id="60" name="Google Shape;60;p14"/>
+          <p:cNvPr id="61" name="Google Shape;61;p14"/>
           <p:cNvSpPr/>
           <p:nvPr/>
         </p:nvSpPr>
@@ -17160,7 +20420,7 @@
       </p:sp>
       <p:sp>
         <p:nvSpPr>
-          <p:cNvPr id="61" name="Google Shape;61;p14"/>
+          <p:cNvPr id="62" name="Google Shape;62;p14"/>
           <p:cNvSpPr/>
           <p:nvPr/>
         </p:nvSpPr>
@@ -17236,7 +20496,7 @@
       </p:sp>
       <p:sp>
         <p:nvSpPr>
-          <p:cNvPr id="62" name="Google Shape;62;p14"/>
+          <p:cNvPr id="63" name="Google Shape;63;p14"/>
           <p:cNvSpPr/>
           <p:nvPr/>
         </p:nvSpPr>
@@ -17430,7 +20690,7 @@
       </p:sp>
       <p:sp>
         <p:nvSpPr>
-          <p:cNvPr id="63" name="Google Shape;63;p14"/>
+          <p:cNvPr id="64" name="Google Shape;64;p14"/>
           <p:cNvSpPr/>
           <p:nvPr/>
         </p:nvSpPr>
@@ -17506,7 +20766,7 @@
       </p:sp>
       <p:sp>
         <p:nvSpPr>
-          <p:cNvPr id="64" name="Google Shape;64;p14"/>
+          <p:cNvPr id="65" name="Google Shape;65;p14"/>
           <p:cNvSpPr/>
           <p:nvPr/>
         </p:nvSpPr>
@@ -17740,7 +21000,7 @@
       </p:sp>
       <p:sp>
         <p:nvSpPr>
-          <p:cNvPr id="65" name="Google Shape;65;p14"/>
+          <p:cNvPr id="66" name="Google Shape;66;p14"/>
           <p:cNvSpPr/>
           <p:nvPr/>
         </p:nvSpPr>
@@ -17816,7 +21076,7 @@
       </p:sp>
       <p:sp>
         <p:nvSpPr>
-          <p:cNvPr id="66" name="Google Shape;66;p14"/>
+          <p:cNvPr id="67" name="Google Shape;67;p14"/>
           <p:cNvSpPr/>
           <p:nvPr/>
         </p:nvSpPr>
@@ -18010,7 +21270,7 @@
       </p:sp>
       <p:sp>
         <p:nvSpPr>
-          <p:cNvPr id="67" name="Google Shape;67;p14"/>
+          <p:cNvPr id="68" name="Google Shape;68;p14"/>
           <p:cNvSpPr/>
           <p:nvPr/>
         </p:nvSpPr>
@@ -18086,7 +21346,7 @@
       </p:sp>
       <p:sp>
         <p:nvSpPr>
-          <p:cNvPr id="68" name="Google Shape;68;p14"/>
+          <p:cNvPr id="69" name="Google Shape;69;p14"/>
           <p:cNvSpPr/>
           <p:nvPr/>
         </p:nvSpPr>
@@ -18320,7 +21580,7 @@
       </p:sp>
       <p:sp>
         <p:nvSpPr>
-          <p:cNvPr id="69" name="Google Shape;69;p14"/>
+          <p:cNvPr id="70" name="Google Shape;70;p14"/>
           <p:cNvSpPr/>
           <p:nvPr/>
         </p:nvSpPr>
@@ -18396,7 +21656,7 @@
       </p:sp>
       <p:sp>
         <p:nvSpPr>
-          <p:cNvPr id="70" name="Google Shape;70;p14"/>
+          <p:cNvPr id="71" name="Google Shape;71;p14"/>
           <p:cNvSpPr/>
           <p:nvPr/>
         </p:nvSpPr>
@@ -18461,10 +21721,10 @@
       </p:sp>
       <p:cxnSp>
         <p:nvCxnSpPr>
-          <p:cNvPr id="71" name="Google Shape;71;p14"/>
+          <p:cNvPr id="72" name="Google Shape;72;p14"/>
           <p:cNvCxnSpPr>
-            <a:stCxn id="70" idx="2"/>
-            <a:endCxn id="61" idx="0"/>
+            <a:stCxn id="71" idx="2"/>
+            <a:endCxn id="62" idx="0"/>
           </p:cNvCxnSpPr>
           <p:nvPr/>
         </p:nvCxnSpPr>
@@ -18492,7 +21752,7 @@
       </p:cxnSp>
       <p:sp>
         <p:nvSpPr>
-          <p:cNvPr id="72" name="Google Shape;72;p14"/>
+          <p:cNvPr id="73" name="Google Shape;73;p14"/>
           <p:cNvSpPr/>
           <p:nvPr/>
         </p:nvSpPr>
@@ -18557,10 +21817,10 @@
       </p:sp>
       <p:cxnSp>
         <p:nvCxnSpPr>
-          <p:cNvPr id="73" name="Google Shape;73;p14"/>
+          <p:cNvPr id="74" name="Google Shape;74;p14"/>
           <p:cNvCxnSpPr>
-            <a:stCxn id="64" idx="1"/>
-            <a:endCxn id="72" idx="1"/>
+            <a:stCxn id="65" idx="1"/>
+            <a:endCxn id="73" idx="1"/>
           </p:cNvCxnSpPr>
           <p:nvPr/>
         </p:nvCxnSpPr>
@@ -18588,7 +21848,7 @@
       </p:cxnSp>
       <p:sp>
         <p:nvSpPr>
-          <p:cNvPr id="74" name="Google Shape;74;p14"/>
+          <p:cNvPr id="75" name="Google Shape;75;p14"/>
           <p:cNvSpPr/>
           <p:nvPr/>
         </p:nvSpPr>
@@ -18653,10 +21913,10 @@
       </p:sp>
       <p:cxnSp>
         <p:nvCxnSpPr>
-          <p:cNvPr id="75" name="Google Shape;75;p14"/>
+          <p:cNvPr id="76" name="Google Shape;76;p14"/>
           <p:cNvCxnSpPr>
-            <a:stCxn id="67" idx="1"/>
-            <a:endCxn id="74" idx="3"/>
+            <a:stCxn id="68" idx="1"/>
+            <a:endCxn id="75" idx="3"/>
           </p:cNvCxnSpPr>
           <p:nvPr/>
         </p:nvCxnSpPr>
@@ -18684,7 +21944,7 @@
       </p:cxnSp>
       <p:sp>
         <p:nvSpPr>
-          <p:cNvPr id="76" name="Google Shape;76;p14"/>
+          <p:cNvPr id="77" name="Google Shape;77;p14"/>
           <p:cNvSpPr/>
           <p:nvPr/>
         </p:nvSpPr>
@@ -18749,10 +22009,10 @@
       </p:sp>
       <p:cxnSp>
         <p:nvCxnSpPr>
-          <p:cNvPr id="77" name="Google Shape;77;p14"/>
+          <p:cNvPr id="78" name="Google Shape;78;p14"/>
           <p:cNvCxnSpPr>
-            <a:stCxn id="76" idx="2"/>
-            <a:endCxn id="68" idx="1"/>
+            <a:stCxn id="77" idx="2"/>
+            <a:endCxn id="69" idx="1"/>
           </p:cNvCxnSpPr>
           <p:nvPr/>
         </p:nvCxnSpPr>
@@ -18778,7 +22038,7 @@
       </p:cxnSp>
       <p:sp>
         <p:nvSpPr>
-          <p:cNvPr id="78" name="Google Shape;78;p14"/>
+          <p:cNvPr id="79" name="Google Shape;79;p14"/>
           <p:cNvSpPr/>
           <p:nvPr/>
         </p:nvSpPr>
@@ -18843,10 +22103,10 @@
       </p:sp>
       <p:cxnSp>
         <p:nvCxnSpPr>
-          <p:cNvPr id="79" name="Google Shape;79;p14"/>
+          <p:cNvPr id="80" name="Google Shape;80;p14"/>
           <p:cNvCxnSpPr>
-            <a:stCxn id="78" idx="3"/>
-            <a:endCxn id="63" idx="1"/>
+            <a:stCxn id="79" idx="3"/>
+            <a:endCxn id="64" idx="1"/>
           </p:cNvCxnSpPr>
           <p:nvPr/>
         </p:nvCxnSpPr>
@@ -18874,7 +22134,7 @@
       </p:cxnSp>
       <p:sp>
         <p:nvSpPr>
-          <p:cNvPr id="80" name="Google Shape;80;p14"/>
+          <p:cNvPr id="81" name="Google Shape;81;p14"/>
           <p:cNvSpPr/>
           <p:nvPr/>
         </p:nvSpPr>
@@ -19068,7 +22328,7 @@
       </p:sp>
       <p:sp>
         <p:nvSpPr>
-          <p:cNvPr id="81" name="Google Shape;81;p14"/>
+          <p:cNvPr id="82" name="Google Shape;82;p14"/>
           <p:cNvSpPr/>
           <p:nvPr/>
         </p:nvSpPr>
@@ -19144,7 +22404,7 @@
       </p:sp>
       <p:sp>
         <p:nvSpPr>
-          <p:cNvPr id="82" name="Google Shape;82;p14"/>
+          <p:cNvPr id="83" name="Google Shape;83;p14"/>
           <p:cNvSpPr/>
           <p:nvPr/>
         </p:nvSpPr>
@@ -19329,7 +22589,7 @@
       </p:sp>
       <p:sp>
         <p:nvSpPr>
-          <p:cNvPr id="83" name="Google Shape;83;p14"/>
+          <p:cNvPr id="84" name="Google Shape;84;p14"/>
           <p:cNvSpPr/>
           <p:nvPr/>
         </p:nvSpPr>
@@ -19405,7 +22665,7 @@
       </p:sp>
       <p:sp>
         <p:nvSpPr>
-          <p:cNvPr id="84" name="Google Shape;84;p14"/>
+          <p:cNvPr id="85" name="Google Shape;85;p14"/>
           <p:cNvSpPr/>
           <p:nvPr/>
         </p:nvSpPr>
@@ -19470,7 +22730,7 @@
       </p:sp>
       <p:sp>
         <p:nvSpPr>
-          <p:cNvPr id="85" name="Google Shape;85;p14"/>
+          <p:cNvPr id="86" name="Google Shape;86;p14"/>
           <p:cNvSpPr/>
           <p:nvPr/>
         </p:nvSpPr>
@@ -19535,10 +22795,10 @@
       </p:sp>
       <p:cxnSp>
         <p:nvCxnSpPr>
-          <p:cNvPr id="86" name="Google Shape;86;p14"/>
+          <p:cNvPr id="87" name="Google Shape;87;p14"/>
           <p:cNvCxnSpPr>
-            <a:stCxn id="83" idx="3"/>
-            <a:endCxn id="84" idx="1"/>
+            <a:stCxn id="84" idx="3"/>
+            <a:endCxn id="85" idx="1"/>
           </p:cNvCxnSpPr>
           <p:nvPr/>
         </p:nvCxnSpPr>
@@ -19566,10 +22826,10 @@
       </p:cxnSp>
       <p:cxnSp>
         <p:nvCxnSpPr>
-          <p:cNvPr id="87" name="Google Shape;87;p14"/>
+          <p:cNvPr id="88" name="Google Shape;88;p14"/>
           <p:cNvCxnSpPr>
-            <a:stCxn id="81" idx="3"/>
-            <a:endCxn id="85" idx="2"/>
+            <a:stCxn id="82" idx="3"/>
+            <a:endCxn id="86" idx="2"/>
           </p:cNvCxnSpPr>
           <p:nvPr/>
         </p:nvCxnSpPr>
@@ -19595,7 +22855,7 @@
       </p:cxnSp>
       <p:sp>
         <p:nvSpPr>
-          <p:cNvPr id="88" name="Google Shape;88;p14"/>
+          <p:cNvPr id="89" name="Google Shape;89;p14"/>
           <p:cNvSpPr/>
           <p:nvPr/>
         </p:nvSpPr>
@@ -19789,7 +23049,7 @@
       </p:sp>
       <p:sp>
         <p:nvSpPr>
-          <p:cNvPr id="89" name="Google Shape;89;p14"/>
+          <p:cNvPr id="90" name="Google Shape;90;p14"/>
           <p:cNvSpPr/>
           <p:nvPr/>
         </p:nvSpPr>
@@ -19865,7 +23125,7 @@
       </p:sp>
       <p:sp>
         <p:nvSpPr>
-          <p:cNvPr id="90" name="Google Shape;90;p14"/>
+          <p:cNvPr id="91" name="Google Shape;91;p14"/>
           <p:cNvSpPr/>
           <p:nvPr/>
         </p:nvSpPr>
@@ -19930,9 +23190,9 @@
       </p:sp>
       <p:cxnSp>
         <p:nvCxnSpPr>
-          <p:cNvPr id="91" name="Google Shape;91;p14"/>
+          <p:cNvPr id="92" name="Google Shape;92;p14"/>
           <p:cNvCxnSpPr>
-            <a:stCxn id="89" idx="3"/>
+            <a:stCxn id="90" idx="3"/>
           </p:cNvCxnSpPr>
           <p:nvPr/>
         </p:nvCxnSpPr>
@@ -19971,7 +23231,7 @@
   <p:cSld>
     <p:spTree>
       <p:nvGrpSpPr>
-        <p:cNvPr id="95" name="Shape 95"/>
+        <p:cNvPr id="96" name="Shape 96"/>
         <p:cNvGrpSpPr/>
         <p:nvPr/>
       </p:nvGrpSpPr>
@@ -19985,7 +23245,7 @@
       </p:grpSpPr>
       <p:pic>
         <p:nvPicPr>
-          <p:cNvPr id="96" name="Google Shape;96;p15"/>
+          <p:cNvPr id="97" name="Google Shape;97;p15"/>
           <p:cNvPicPr preferRelativeResize="0"/>
           <p:nvPr/>
         </p:nvPicPr>
@@ -20012,7 +23272,7 @@
       </p:pic>
       <p:sp>
         <p:nvSpPr>
-          <p:cNvPr id="97" name="Google Shape;97;p15"/>
+          <p:cNvPr id="98" name="Google Shape;98;p15"/>
           <p:cNvSpPr/>
           <p:nvPr/>
         </p:nvSpPr>
@@ -20326,7 +23586,7 @@
       </p:sp>
       <p:sp>
         <p:nvSpPr>
-          <p:cNvPr id="98" name="Google Shape;98;p15"/>
+          <p:cNvPr id="99" name="Google Shape;99;p15"/>
           <p:cNvSpPr/>
           <p:nvPr/>
         </p:nvSpPr>
@@ -20402,7 +23662,7 @@
       </p:sp>
       <p:sp>
         <p:nvSpPr>
-          <p:cNvPr id="99" name="Google Shape;99;p15"/>
+          <p:cNvPr id="100" name="Google Shape;100;p15"/>
           <p:cNvSpPr/>
           <p:nvPr/>
         </p:nvSpPr>
@@ -20676,7 +23936,7 @@
       </p:sp>
       <p:sp>
         <p:nvSpPr>
-          <p:cNvPr id="100" name="Google Shape;100;p15"/>
+          <p:cNvPr id="101" name="Google Shape;101;p15"/>
           <p:cNvSpPr/>
           <p:nvPr/>
         </p:nvSpPr>
@@ -20752,7 +24012,7 @@
       </p:sp>
       <p:sp>
         <p:nvSpPr>
-          <p:cNvPr id="101" name="Google Shape;101;p15"/>
+          <p:cNvPr id="102" name="Google Shape;102;p15"/>
           <p:cNvSpPr/>
           <p:nvPr/>
         </p:nvSpPr>
@@ -21257,7 +24517,7 @@
       </p:sp>
       <p:sp>
         <p:nvSpPr>
-          <p:cNvPr id="102" name="Google Shape;102;p15"/>
+          <p:cNvPr id="103" name="Google Shape;103;p15"/>
           <p:cNvSpPr/>
           <p:nvPr/>
         </p:nvSpPr>
@@ -21333,7 +24593,7 @@
       </p:sp>
       <p:sp>
         <p:nvSpPr>
-          <p:cNvPr id="103" name="Google Shape;103;p15"/>
+          <p:cNvPr id="104" name="Google Shape;104;p15"/>
           <p:cNvSpPr/>
           <p:nvPr/>
         </p:nvSpPr>
@@ -21407,7 +24667,7 @@
       </p:sp>
       <p:sp>
         <p:nvSpPr>
-          <p:cNvPr id="104" name="Google Shape;104;p15"/>
+          <p:cNvPr id="105" name="Google Shape;105;p15"/>
           <p:cNvSpPr/>
           <p:nvPr/>
         </p:nvSpPr>
@@ -21483,7 +24743,7 @@
       </p:sp>
       <p:sp>
         <p:nvSpPr>
-          <p:cNvPr id="105" name="Google Shape;105;p15"/>
+          <p:cNvPr id="106" name="Google Shape;106;p15"/>
           <p:cNvSpPr/>
           <p:nvPr/>
         </p:nvSpPr>
@@ -21588,7 +24848,7 @@
       </p:sp>
       <p:sp>
         <p:nvSpPr>
-          <p:cNvPr id="106" name="Google Shape;106;p15"/>
+          <p:cNvPr id="107" name="Google Shape;107;p15"/>
           <p:cNvSpPr/>
           <p:nvPr/>
         </p:nvSpPr>
@@ -21664,7 +24924,7 @@
       </p:sp>
       <p:sp>
         <p:nvSpPr>
-          <p:cNvPr id="107" name="Google Shape;107;p15"/>
+          <p:cNvPr id="108" name="Google Shape;108;p15"/>
           <p:cNvSpPr/>
           <p:nvPr/>
         </p:nvSpPr>
@@ -21738,7 +24998,7 @@
       </p:sp>
       <p:sp>
         <p:nvSpPr>
-          <p:cNvPr id="108" name="Google Shape;108;p15"/>
+          <p:cNvPr id="109" name="Google Shape;109;p15"/>
           <p:cNvSpPr/>
           <p:nvPr/>
         </p:nvSpPr>
@@ -21814,7 +25074,7 @@
       </p:sp>
       <p:sp>
         <p:nvSpPr>
-          <p:cNvPr id="109" name="Google Shape;109;p15"/>
+          <p:cNvPr id="110" name="Google Shape;110;p15"/>
           <p:cNvSpPr/>
           <p:nvPr/>
         </p:nvSpPr>
@@ -21919,7 +25179,7 @@
       </p:sp>
       <p:sp>
         <p:nvSpPr>
-          <p:cNvPr id="110" name="Google Shape;110;p15"/>
+          <p:cNvPr id="111" name="Google Shape;111;p15"/>
           <p:cNvSpPr/>
           <p:nvPr/>
         </p:nvSpPr>
@@ -21995,7 +25255,7 @@
       </p:sp>
       <p:sp>
         <p:nvSpPr>
-          <p:cNvPr id="111" name="Google Shape;111;p15"/>
+          <p:cNvPr id="112" name="Google Shape;112;p15"/>
           <p:cNvSpPr/>
           <p:nvPr/>
         </p:nvSpPr>
@@ -22149,7 +25409,7 @@
       </p:sp>
       <p:sp>
         <p:nvSpPr>
-          <p:cNvPr id="112" name="Google Shape;112;p15"/>
+          <p:cNvPr id="113" name="Google Shape;113;p15"/>
           <p:cNvSpPr/>
           <p:nvPr/>
         </p:nvSpPr>
@@ -22225,7 +25485,7 @@
       </p:sp>
       <p:sp>
         <p:nvSpPr>
-          <p:cNvPr id="113" name="Google Shape;113;p15"/>
+          <p:cNvPr id="114" name="Google Shape;114;p15"/>
           <p:cNvSpPr/>
           <p:nvPr/>
         </p:nvSpPr>
@@ -22339,7 +25599,7 @@
       </p:sp>
       <p:sp>
         <p:nvSpPr>
-          <p:cNvPr id="114" name="Google Shape;114;p15"/>
+          <p:cNvPr id="115" name="Google Shape;115;p15"/>
           <p:cNvSpPr/>
           <p:nvPr/>
         </p:nvSpPr>
@@ -22415,7 +25675,7 @@
       </p:sp>
       <p:sp>
         <p:nvSpPr>
-          <p:cNvPr id="115" name="Google Shape;115;p15"/>
+          <p:cNvPr id="116" name="Google Shape;116;p15"/>
           <p:cNvSpPr txBox="1"/>
           <p:nvPr/>
         </p:nvSpPr>
@@ -22601,7 +25861,7 @@
       </p:sp>
       <p:sp>
         <p:nvSpPr>
-          <p:cNvPr id="116" name="Google Shape;116;p15"/>
+          <p:cNvPr id="117" name="Google Shape;117;p15"/>
           <p:cNvSpPr/>
           <p:nvPr/>
         </p:nvSpPr>
@@ -22658,7 +25918,7 @@
       </p:sp>
       <p:sp>
         <p:nvSpPr>
-          <p:cNvPr id="117" name="Google Shape;117;p15"/>
+          <p:cNvPr id="118" name="Google Shape;118;p15"/>
           <p:cNvSpPr/>
           <p:nvPr/>
         </p:nvSpPr>
@@ -22711,7 +25971,7 @@
       </p:sp>
       <p:sp>
         <p:nvSpPr>
-          <p:cNvPr id="118" name="Google Shape;118;p15"/>
+          <p:cNvPr id="119" name="Google Shape;119;p15"/>
           <p:cNvSpPr/>
           <p:nvPr/>
         </p:nvSpPr>
@@ -22764,7 +26024,7 @@
       </p:sp>
       <p:sp>
         <p:nvSpPr>
-          <p:cNvPr id="119" name="Google Shape;119;p15"/>
+          <p:cNvPr id="120" name="Google Shape;120;p15"/>
           <p:cNvSpPr/>
           <p:nvPr/>
         </p:nvSpPr>
@@ -22836,7 +26096,7 @@
       </p:sp>
       <p:sp>
         <p:nvSpPr>
-          <p:cNvPr id="120" name="Google Shape;120;p15"/>
+          <p:cNvPr id="121" name="Google Shape;121;p15"/>
           <p:cNvSpPr txBox="1"/>
           <p:nvPr/>
         </p:nvSpPr>
@@ -22889,7 +26149,7 @@
   <p:cSld>
     <p:spTree>
       <p:nvGrpSpPr>
-        <p:cNvPr id="124" name="Shape 124"/>
+        <p:cNvPr id="125" name="Shape 125"/>
         <p:cNvGrpSpPr/>
         <p:nvPr/>
       </p:nvGrpSpPr>
@@ -22903,7 +26163,7 @@
       </p:grpSpPr>
       <p:sp>
         <p:nvSpPr>
-          <p:cNvPr id="125" name="Google Shape;125;p16"/>
+          <p:cNvPr id="126" name="Google Shape;126;p16"/>
           <p:cNvSpPr txBox="1"/>
           <p:nvPr/>
         </p:nvSpPr>
@@ -22949,7 +26209,7 @@
       </p:sp>
       <p:sp>
         <p:nvSpPr>
-          <p:cNvPr id="126" name="Google Shape;126;p16"/>
+          <p:cNvPr id="127" name="Google Shape;127;p16"/>
           <p:cNvSpPr/>
           <p:nvPr/>
         </p:nvSpPr>
@@ -22998,7 +26258,7 @@
       </p:sp>
       <p:grpSp>
         <p:nvGrpSpPr>
-          <p:cNvPr id="127" name="Google Shape;127;p16"/>
+          <p:cNvPr id="128" name="Google Shape;128;p16"/>
           <p:cNvGrpSpPr/>
           <p:nvPr/>
         </p:nvGrpSpPr>
@@ -23012,7 +26272,7 @@
         </p:grpSpPr>
         <p:pic>
           <p:nvPicPr>
-            <p:cNvPr id="128" name="Google Shape;128;p16"/>
+            <p:cNvPr id="129" name="Google Shape;129;p16"/>
             <p:cNvPicPr preferRelativeResize="0"/>
             <p:nvPr/>
           </p:nvPicPr>
@@ -23040,7 +26300,7 @@
         </p:pic>
         <p:sp>
           <p:nvSpPr>
-            <p:cNvPr id="129" name="Google Shape;129;p16"/>
+            <p:cNvPr id="130" name="Google Shape;130;p16"/>
             <p:cNvSpPr/>
             <p:nvPr/>
           </p:nvSpPr>
@@ -23090,7 +26350,7 @@
       </p:grpSp>
       <p:sp>
         <p:nvSpPr>
-          <p:cNvPr id="130" name="Google Shape;130;p16"/>
+          <p:cNvPr id="131" name="Google Shape;131;p16"/>
           <p:cNvSpPr/>
           <p:nvPr/>
         </p:nvSpPr>
@@ -23153,7 +26413,7 @@
       </p:sp>
       <p:sp>
         <p:nvSpPr>
-          <p:cNvPr id="131" name="Google Shape;131;p16"/>
+          <p:cNvPr id="132" name="Google Shape;132;p16"/>
           <p:cNvSpPr/>
           <p:nvPr/>
         </p:nvSpPr>
@@ -23216,7 +26476,7 @@
       </p:sp>
       <p:sp>
         <p:nvSpPr>
-          <p:cNvPr id="132" name="Google Shape;132;p16"/>
+          <p:cNvPr id="133" name="Google Shape;133;p16"/>
           <p:cNvSpPr/>
           <p:nvPr/>
         </p:nvSpPr>
@@ -23269,7 +26529,7 @@
       </p:sp>
       <p:sp>
         <p:nvSpPr>
-          <p:cNvPr id="133" name="Google Shape;133;p16"/>
+          <p:cNvPr id="134" name="Google Shape;134;p16"/>
           <p:cNvSpPr/>
           <p:nvPr/>
         </p:nvSpPr>
@@ -23332,7 +26592,7 @@
       </p:sp>
       <p:sp>
         <p:nvSpPr>
-          <p:cNvPr id="134" name="Google Shape;134;p16"/>
+          <p:cNvPr id="135" name="Google Shape;135;p16"/>
           <p:cNvSpPr/>
           <p:nvPr/>
         </p:nvSpPr>
@@ -23385,7 +26645,7 @@
       </p:sp>
       <p:sp>
         <p:nvSpPr>
-          <p:cNvPr id="135" name="Google Shape;135;p16"/>
+          <p:cNvPr id="136" name="Google Shape;136;p16"/>
           <p:cNvSpPr/>
           <p:nvPr/>
         </p:nvSpPr>
@@ -23448,7 +26708,7 @@
       </p:sp>
       <p:sp>
         <p:nvSpPr>
-          <p:cNvPr id="136" name="Google Shape;136;p16"/>
+          <p:cNvPr id="137" name="Google Shape;137;p16"/>
           <p:cNvSpPr/>
           <p:nvPr/>
         </p:nvSpPr>
@@ -23497,7 +26757,7 @@
       </p:sp>
       <p:sp>
         <p:nvSpPr>
-          <p:cNvPr id="137" name="Google Shape;137;p16"/>
+          <p:cNvPr id="138" name="Google Shape;138;p16"/>
           <p:cNvSpPr txBox="1"/>
           <p:nvPr/>
         </p:nvSpPr>
@@ -23549,7 +26809,7 @@
       </p:sp>
       <p:sp>
         <p:nvSpPr>
-          <p:cNvPr id="138" name="Google Shape;138;p16"/>
+          <p:cNvPr id="139" name="Google Shape;139;p16"/>
           <p:cNvSpPr/>
           <p:nvPr/>
         </p:nvSpPr>
@@ -23612,7 +26872,7 @@
       </p:sp>
       <p:sp>
         <p:nvSpPr>
-          <p:cNvPr id="139" name="Google Shape;139;p16"/>
+          <p:cNvPr id="140" name="Google Shape;140;p16"/>
           <p:cNvSpPr/>
           <p:nvPr/>
         </p:nvSpPr>
@@ -23675,7 +26935,7 @@
       </p:sp>
       <p:sp>
         <p:nvSpPr>
-          <p:cNvPr id="140" name="Google Shape;140;p16"/>
+          <p:cNvPr id="141" name="Google Shape;141;p16"/>
           <p:cNvSpPr/>
           <p:nvPr/>
         </p:nvSpPr>
@@ -23738,7 +26998,7 @@
       </p:sp>
       <p:sp>
         <p:nvSpPr>
-          <p:cNvPr id="141" name="Google Shape;141;p16"/>
+          <p:cNvPr id="142" name="Google Shape;142;p16"/>
           <p:cNvSpPr/>
           <p:nvPr/>
         </p:nvSpPr>
@@ -23801,7 +27061,7 @@
       </p:sp>
       <p:sp>
         <p:nvSpPr>
-          <p:cNvPr id="142" name="Google Shape;142;p16"/>
+          <p:cNvPr id="143" name="Google Shape;143;p16"/>
           <p:cNvSpPr/>
           <p:nvPr/>
         </p:nvSpPr>
@@ -23852,7 +27112,7 @@
       </p:sp>
       <p:sp>
         <p:nvSpPr>
-          <p:cNvPr id="143" name="Google Shape;143;p16"/>
+          <p:cNvPr id="144" name="Google Shape;144;p16"/>
           <p:cNvSpPr/>
           <p:nvPr/>
         </p:nvSpPr>
@@ -23902,7 +27162,7 @@
       </p:sp>
       <p:sp>
         <p:nvSpPr>
-          <p:cNvPr id="144" name="Google Shape;144;p16"/>
+          <p:cNvPr id="145" name="Google Shape;145;p16"/>
           <p:cNvSpPr/>
           <p:nvPr/>
         </p:nvSpPr>
@@ -23952,7 +27212,7 @@
       </p:sp>
       <p:sp>
         <p:nvSpPr>
-          <p:cNvPr id="145" name="Google Shape;145;p16"/>
+          <p:cNvPr id="146" name="Google Shape;146;p16"/>
           <p:cNvSpPr txBox="1"/>
           <p:nvPr/>
         </p:nvSpPr>
@@ -24024,7 +27284,7 @@
       </p:sp>
       <p:cxnSp>
         <p:nvCxnSpPr>
-          <p:cNvPr id="146" name="Google Shape;146;p16"/>
+          <p:cNvPr id="147" name="Google Shape;147;p16"/>
           <p:cNvCxnSpPr/>
           <p:nvPr/>
         </p:nvCxnSpPr>
@@ -24050,7 +27310,7 @@
       </p:cxnSp>
       <p:sp>
         <p:nvSpPr>
-          <p:cNvPr id="147" name="Google Shape;147;p16"/>
+          <p:cNvPr id="148" name="Google Shape;148;p16"/>
           <p:cNvSpPr/>
           <p:nvPr/>
         </p:nvSpPr>
@@ -24098,7 +27358,7 @@
       </p:sp>
       <p:sp>
         <p:nvSpPr>
-          <p:cNvPr id="148" name="Google Shape;148;p16"/>
+          <p:cNvPr id="149" name="Google Shape;149;p16"/>
           <p:cNvSpPr/>
           <p:nvPr/>
         </p:nvSpPr>
@@ -24146,7 +27406,7 @@
       </p:sp>
       <p:sp>
         <p:nvSpPr>
-          <p:cNvPr id="149" name="Google Shape;149;p16"/>
+          <p:cNvPr id="150" name="Google Shape;150;p16"/>
           <p:cNvSpPr/>
           <p:nvPr/>
         </p:nvSpPr>
@@ -24194,7 +27454,7 @@
       </p:sp>
       <p:sp>
         <p:nvSpPr>
-          <p:cNvPr id="150" name="Google Shape;150;p16"/>
+          <p:cNvPr id="151" name="Google Shape;151;p16"/>
           <p:cNvSpPr/>
           <p:nvPr/>
         </p:nvSpPr>
@@ -24242,7 +27502,7 @@
       </p:sp>
       <p:sp>
         <p:nvSpPr>
-          <p:cNvPr id="151" name="Google Shape;151;p16"/>
+          <p:cNvPr id="152" name="Google Shape;152;p16"/>
           <p:cNvSpPr/>
           <p:nvPr/>
         </p:nvSpPr>
@@ -24290,7 +27550,7 @@
       </p:sp>
       <p:sp>
         <p:nvSpPr>
-          <p:cNvPr id="152" name="Google Shape;152;p16"/>
+          <p:cNvPr id="153" name="Google Shape;153;p16"/>
           <p:cNvSpPr/>
           <p:nvPr/>
         </p:nvSpPr>
@@ -24338,7 +27598,7 @@
       </p:sp>
       <p:sp>
         <p:nvSpPr>
-          <p:cNvPr id="153" name="Google Shape;153;p16"/>
+          <p:cNvPr id="154" name="Google Shape;154;p16"/>
           <p:cNvSpPr/>
           <p:nvPr/>
         </p:nvSpPr>
@@ -24386,9 +27646,9 @@
       </p:sp>
       <p:cxnSp>
         <p:nvCxnSpPr>
-          <p:cNvPr id="154" name="Google Shape;154;p16"/>
+          <p:cNvPr id="155" name="Google Shape;155;p16"/>
           <p:cNvCxnSpPr>
-            <a:endCxn id="148" idx="0"/>
+            <a:endCxn id="149" idx="0"/>
           </p:cNvCxnSpPr>
           <p:nvPr/>
         </p:nvCxnSpPr>
@@ -24414,7 +27674,7 @@
       </p:cxnSp>
       <p:cxnSp>
         <p:nvCxnSpPr>
-          <p:cNvPr id="155" name="Google Shape;155;p16"/>
+          <p:cNvPr id="156" name="Google Shape;156;p16"/>
           <p:cNvCxnSpPr/>
           <p:nvPr/>
         </p:nvCxnSpPr>
@@ -24440,9 +27700,9 @@
       </p:cxnSp>
       <p:cxnSp>
         <p:nvCxnSpPr>
-          <p:cNvPr id="156" name="Google Shape;156;p16"/>
+          <p:cNvPr id="157" name="Google Shape;157;p16"/>
           <p:cNvCxnSpPr>
-            <a:stCxn id="148" idx="2"/>
+            <a:stCxn id="149" idx="2"/>
           </p:cNvCxnSpPr>
           <p:nvPr/>
         </p:nvCxnSpPr>
@@ -24468,10 +27728,10 @@
       </p:cxnSp>
       <p:cxnSp>
         <p:nvCxnSpPr>
-          <p:cNvPr id="157" name="Google Shape;157;p16"/>
+          <p:cNvPr id="158" name="Google Shape;158;p16"/>
           <p:cNvCxnSpPr>
-            <a:stCxn id="151" idx="2"/>
-            <a:endCxn id="153" idx="0"/>
+            <a:stCxn id="152" idx="2"/>
+            <a:endCxn id="154" idx="0"/>
           </p:cNvCxnSpPr>
           <p:nvPr/>
         </p:nvCxnSpPr>
@@ -24497,7 +27757,7 @@
       </p:cxnSp>
       <p:sp>
         <p:nvSpPr>
-          <p:cNvPr id="158" name="Google Shape;158;p16"/>
+          <p:cNvPr id="159" name="Google Shape;159;p16"/>
           <p:cNvSpPr/>
           <p:nvPr/>
         </p:nvSpPr>
@@ -24560,7 +27820,7 @@
       </p:sp>
       <p:sp>
         <p:nvSpPr>
-          <p:cNvPr id="159" name="Google Shape;159;p16"/>
+          <p:cNvPr id="160" name="Google Shape;160;p16"/>
           <p:cNvSpPr txBox="1"/>
           <p:nvPr/>
         </p:nvSpPr>
@@ -24612,7 +27872,7 @@
       </p:sp>
       <p:sp>
         <p:nvSpPr>
-          <p:cNvPr id="160" name="Google Shape;160;p16"/>
+          <p:cNvPr id="161" name="Google Shape;161;p16"/>
           <p:cNvSpPr/>
           <p:nvPr/>
         </p:nvSpPr>
@@ -24670,7 +27930,7 @@
       </p:sp>
       <p:sp>
         <p:nvSpPr>
-          <p:cNvPr id="161" name="Google Shape;161;p16"/>
+          <p:cNvPr id="162" name="Google Shape;162;p16"/>
           <p:cNvSpPr/>
           <p:nvPr/>
         </p:nvSpPr>
@@ -24733,7 +27993,7 @@
       </p:sp>
       <p:sp>
         <p:nvSpPr>
-          <p:cNvPr id="162" name="Google Shape;162;p16"/>
+          <p:cNvPr id="163" name="Google Shape;163;p16"/>
           <p:cNvSpPr/>
           <p:nvPr/>
         </p:nvSpPr>
@@ -24791,7 +28051,7 @@
       </p:sp>
       <p:sp>
         <p:nvSpPr>
-          <p:cNvPr id="163" name="Google Shape;163;p16"/>
+          <p:cNvPr id="164" name="Google Shape;164;p16"/>
           <p:cNvSpPr/>
           <p:nvPr/>
         </p:nvSpPr>
@@ -24849,7 +28109,7 @@
       </p:sp>
       <p:sp>
         <p:nvSpPr>
-          <p:cNvPr id="164" name="Google Shape;164;p16"/>
+          <p:cNvPr id="165" name="Google Shape;165;p16"/>
           <p:cNvSpPr/>
           <p:nvPr/>
         </p:nvSpPr>
@@ -24907,7 +28167,7 @@
       </p:sp>
       <p:sp>
         <p:nvSpPr>
-          <p:cNvPr id="165" name="Google Shape;165;p16"/>
+          <p:cNvPr id="166" name="Google Shape;166;p16"/>
           <p:cNvSpPr/>
           <p:nvPr/>
         </p:nvSpPr>
@@ -24969,7 +28229,7 @@
       </p:sp>
       <p:cxnSp>
         <p:nvCxnSpPr>
-          <p:cNvPr id="166" name="Google Shape;166;p16"/>
+          <p:cNvPr id="167" name="Google Shape;167;p16"/>
           <p:cNvCxnSpPr/>
           <p:nvPr/>
         </p:nvCxnSpPr>
@@ -24995,7 +28255,7 @@
       </p:cxnSp>
       <p:cxnSp>
         <p:nvCxnSpPr>
-          <p:cNvPr id="167" name="Google Shape;167;p16"/>
+          <p:cNvPr id="168" name="Google Shape;168;p16"/>
           <p:cNvCxnSpPr/>
           <p:nvPr/>
         </p:nvCxnSpPr>
@@ -25021,7 +28281,7 @@
       </p:cxnSp>
       <p:cxnSp>
         <p:nvCxnSpPr>
-          <p:cNvPr id="168" name="Google Shape;168;p16"/>
+          <p:cNvPr id="169" name="Google Shape;169;p16"/>
           <p:cNvCxnSpPr/>
           <p:nvPr/>
         </p:nvCxnSpPr>
@@ -25058,7 +28318,7 @@
   <p:cSld>
     <p:spTree>
       <p:nvGrpSpPr>
-        <p:cNvPr id="172" name="Shape 172"/>
+        <p:cNvPr id="173" name="Shape 173"/>
         <p:cNvGrpSpPr/>
         <p:nvPr/>
       </p:nvGrpSpPr>
@@ -25072,7 +28332,7 @@
       </p:grpSpPr>
       <p:sp>
         <p:nvSpPr>
-          <p:cNvPr id="173" name="Google Shape;173;p17"/>
+          <p:cNvPr id="174" name="Google Shape;174;p17"/>
           <p:cNvSpPr txBox="1"/>
           <p:nvPr/>
         </p:nvSpPr>
@@ -25118,7 +28378,7 @@
       </p:sp>
       <p:sp>
         <p:nvSpPr>
-          <p:cNvPr id="174" name="Google Shape;174;p17"/>
+          <p:cNvPr id="175" name="Google Shape;175;p17"/>
           <p:cNvSpPr/>
           <p:nvPr/>
         </p:nvSpPr>
@@ -25167,7 +28427,7 @@
       </p:sp>
       <p:grpSp>
         <p:nvGrpSpPr>
-          <p:cNvPr id="175" name="Google Shape;175;p17"/>
+          <p:cNvPr id="176" name="Google Shape;176;p17"/>
           <p:cNvGrpSpPr/>
           <p:nvPr/>
         </p:nvGrpSpPr>
@@ -25181,7 +28441,7 @@
         </p:grpSpPr>
         <p:pic>
           <p:nvPicPr>
-            <p:cNvPr id="176" name="Google Shape;176;p17"/>
+            <p:cNvPr id="177" name="Google Shape;177;p17"/>
             <p:cNvPicPr preferRelativeResize="0"/>
             <p:nvPr/>
           </p:nvPicPr>
@@ -25209,7 +28469,7 @@
         </p:pic>
         <p:sp>
           <p:nvSpPr>
-            <p:cNvPr id="177" name="Google Shape;177;p17"/>
+            <p:cNvPr id="178" name="Google Shape;178;p17"/>
             <p:cNvSpPr/>
             <p:nvPr/>
           </p:nvSpPr>
@@ -25259,7 +28519,7 @@
       </p:grpSp>
       <p:sp>
         <p:nvSpPr>
-          <p:cNvPr id="178" name="Google Shape;178;p17"/>
+          <p:cNvPr id="179" name="Google Shape;179;p17"/>
           <p:cNvSpPr/>
           <p:nvPr/>
         </p:nvSpPr>
@@ -25322,7 +28582,7 @@
       </p:sp>
       <p:sp>
         <p:nvSpPr>
-          <p:cNvPr id="179" name="Google Shape;179;p17"/>
+          <p:cNvPr id="180" name="Google Shape;180;p17"/>
           <p:cNvSpPr/>
           <p:nvPr/>
         </p:nvSpPr>
@@ -25385,7 +28645,7 @@
       </p:sp>
       <p:sp>
         <p:nvSpPr>
-          <p:cNvPr id="180" name="Google Shape;180;p17"/>
+          <p:cNvPr id="181" name="Google Shape;181;p17"/>
           <p:cNvSpPr/>
           <p:nvPr/>
         </p:nvSpPr>
@@ -25438,7 +28698,7 @@
       </p:sp>
       <p:sp>
         <p:nvSpPr>
-          <p:cNvPr id="181" name="Google Shape;181;p17"/>
+          <p:cNvPr id="182" name="Google Shape;182;p17"/>
           <p:cNvSpPr/>
           <p:nvPr/>
         </p:nvSpPr>
@@ -25501,7 +28761,7 @@
       </p:sp>
       <p:sp>
         <p:nvSpPr>
-          <p:cNvPr id="182" name="Google Shape;182;p17"/>
+          <p:cNvPr id="183" name="Google Shape;183;p17"/>
           <p:cNvSpPr/>
           <p:nvPr/>
         </p:nvSpPr>
@@ -25554,7 +28814,7 @@
       </p:sp>
       <p:sp>
         <p:nvSpPr>
-          <p:cNvPr id="183" name="Google Shape;183;p17"/>
+          <p:cNvPr id="184" name="Google Shape;184;p17"/>
           <p:cNvSpPr/>
           <p:nvPr/>
         </p:nvSpPr>
@@ -25617,7 +28877,7 @@
       </p:sp>
       <p:sp>
         <p:nvSpPr>
-          <p:cNvPr id="184" name="Google Shape;184;p17"/>
+          <p:cNvPr id="185" name="Google Shape;185;p17"/>
           <p:cNvSpPr/>
           <p:nvPr/>
         </p:nvSpPr>
@@ -25666,7 +28926,7 @@
       </p:sp>
       <p:sp>
         <p:nvSpPr>
-          <p:cNvPr id="185" name="Google Shape;185;p17"/>
+          <p:cNvPr id="186" name="Google Shape;186;p17"/>
           <p:cNvSpPr txBox="1"/>
           <p:nvPr/>
         </p:nvSpPr>
@@ -25718,7 +28978,7 @@
       </p:sp>
       <p:sp>
         <p:nvSpPr>
-          <p:cNvPr id="186" name="Google Shape;186;p17"/>
+          <p:cNvPr id="187" name="Google Shape;187;p17"/>
           <p:cNvSpPr/>
           <p:nvPr/>
         </p:nvSpPr>
@@ -25781,7 +29041,7 @@
       </p:sp>
       <p:sp>
         <p:nvSpPr>
-          <p:cNvPr id="187" name="Google Shape;187;p17"/>
+          <p:cNvPr id="188" name="Google Shape;188;p17"/>
           <p:cNvSpPr/>
           <p:nvPr/>
         </p:nvSpPr>
@@ -25844,7 +29104,7 @@
       </p:sp>
       <p:sp>
         <p:nvSpPr>
-          <p:cNvPr id="188" name="Google Shape;188;p17"/>
+          <p:cNvPr id="189" name="Google Shape;189;p17"/>
           <p:cNvSpPr/>
           <p:nvPr/>
         </p:nvSpPr>
@@ -25907,7 +29167,7 @@
       </p:sp>
       <p:sp>
         <p:nvSpPr>
-          <p:cNvPr id="189" name="Google Shape;189;p17"/>
+          <p:cNvPr id="190" name="Google Shape;190;p17"/>
           <p:cNvSpPr/>
           <p:nvPr/>
         </p:nvSpPr>
@@ -25970,7 +29230,7 @@
       </p:sp>
       <p:sp>
         <p:nvSpPr>
-          <p:cNvPr id="190" name="Google Shape;190;p17"/>
+          <p:cNvPr id="191" name="Google Shape;191;p17"/>
           <p:cNvSpPr/>
           <p:nvPr/>
         </p:nvSpPr>
@@ -26021,7 +29281,7 @@
       </p:sp>
       <p:sp>
         <p:nvSpPr>
-          <p:cNvPr id="191" name="Google Shape;191;p17"/>
+          <p:cNvPr id="192" name="Google Shape;192;p17"/>
           <p:cNvSpPr/>
           <p:nvPr/>
         </p:nvSpPr>
@@ -26071,7 +29331,7 @@
       </p:sp>
       <p:sp>
         <p:nvSpPr>
-          <p:cNvPr id="192" name="Google Shape;192;p17"/>
+          <p:cNvPr id="193" name="Google Shape;193;p17"/>
           <p:cNvSpPr txBox="1"/>
           <p:nvPr/>
         </p:nvSpPr>
@@ -26143,7 +29403,7 @@
       </p:sp>
       <p:cxnSp>
         <p:nvCxnSpPr>
-          <p:cNvPr id="193" name="Google Shape;193;p17"/>
+          <p:cNvPr id="194" name="Google Shape;194;p17"/>
           <p:cNvCxnSpPr/>
           <p:nvPr/>
         </p:nvCxnSpPr>
@@ -26169,7 +29429,7 @@
       </p:cxnSp>
       <p:sp>
         <p:nvSpPr>
-          <p:cNvPr id="194" name="Google Shape;194;p17"/>
+          <p:cNvPr id="195" name="Google Shape;195;p17"/>
           <p:cNvSpPr/>
           <p:nvPr/>
         </p:nvSpPr>
@@ -26217,7 +29477,7 @@
       </p:sp>
       <p:sp>
         <p:nvSpPr>
-          <p:cNvPr id="195" name="Google Shape;195;p17"/>
+          <p:cNvPr id="196" name="Google Shape;196;p17"/>
           <p:cNvSpPr/>
           <p:nvPr/>
         </p:nvSpPr>
@@ -26265,7 +29525,7 @@
       </p:sp>
       <p:sp>
         <p:nvSpPr>
-          <p:cNvPr id="196" name="Google Shape;196;p17"/>
+          <p:cNvPr id="197" name="Google Shape;197;p17"/>
           <p:cNvSpPr/>
           <p:nvPr/>
         </p:nvSpPr>
@@ -26313,7 +29573,7 @@
       </p:sp>
       <p:sp>
         <p:nvSpPr>
-          <p:cNvPr id="197" name="Google Shape;197;p17"/>
+          <p:cNvPr id="198" name="Google Shape;198;p17"/>
           <p:cNvSpPr/>
           <p:nvPr/>
         </p:nvSpPr>
@@ -26361,7 +29621,7 @@
       </p:sp>
       <p:sp>
         <p:nvSpPr>
-          <p:cNvPr id="198" name="Google Shape;198;p17"/>
+          <p:cNvPr id="199" name="Google Shape;199;p17"/>
           <p:cNvSpPr/>
           <p:nvPr/>
         </p:nvSpPr>
@@ -26409,7 +29669,7 @@
       </p:sp>
       <p:sp>
         <p:nvSpPr>
-          <p:cNvPr id="199" name="Google Shape;199;p17"/>
+          <p:cNvPr id="200" name="Google Shape;200;p17"/>
           <p:cNvSpPr/>
           <p:nvPr/>
         </p:nvSpPr>
@@ -26457,7 +29717,7 @@
       </p:sp>
       <p:sp>
         <p:nvSpPr>
-          <p:cNvPr id="200" name="Google Shape;200;p17"/>
+          <p:cNvPr id="201" name="Google Shape;201;p17"/>
           <p:cNvSpPr/>
           <p:nvPr/>
         </p:nvSpPr>
@@ -26505,9 +29765,9 @@
       </p:sp>
       <p:cxnSp>
         <p:nvCxnSpPr>
-          <p:cNvPr id="201" name="Google Shape;201;p17"/>
+          <p:cNvPr id="202" name="Google Shape;202;p17"/>
           <p:cNvCxnSpPr>
-            <a:endCxn id="195" idx="0"/>
+            <a:endCxn id="196" idx="0"/>
           </p:cNvCxnSpPr>
           <p:nvPr/>
         </p:nvCxnSpPr>
@@ -26533,7 +29793,7 @@
       </p:cxnSp>
       <p:cxnSp>
         <p:nvCxnSpPr>
-          <p:cNvPr id="202" name="Google Shape;202;p17"/>
+          <p:cNvPr id="203" name="Google Shape;203;p17"/>
           <p:cNvCxnSpPr/>
           <p:nvPr/>
         </p:nvCxnSpPr>
@@ -26559,9 +29819,9 @@
       </p:cxnSp>
       <p:cxnSp>
         <p:nvCxnSpPr>
-          <p:cNvPr id="203" name="Google Shape;203;p17"/>
+          <p:cNvPr id="204" name="Google Shape;204;p17"/>
           <p:cNvCxnSpPr>
-            <a:stCxn id="195" idx="2"/>
+            <a:stCxn id="196" idx="2"/>
           </p:cNvCxnSpPr>
           <p:nvPr/>
         </p:nvCxnSpPr>
@@ -26587,10 +29847,10 @@
       </p:cxnSp>
       <p:cxnSp>
         <p:nvCxnSpPr>
-          <p:cNvPr id="204" name="Google Shape;204;p17"/>
+          <p:cNvPr id="205" name="Google Shape;205;p17"/>
           <p:cNvCxnSpPr>
-            <a:stCxn id="198" idx="2"/>
-            <a:endCxn id="200" idx="0"/>
+            <a:stCxn id="199" idx="2"/>
+            <a:endCxn id="201" idx="0"/>
           </p:cNvCxnSpPr>
           <p:nvPr/>
         </p:nvCxnSpPr>
@@ -26616,7 +29876,7 @@
       </p:cxnSp>
       <p:sp>
         <p:nvSpPr>
-          <p:cNvPr id="205" name="Google Shape;205;p17"/>
+          <p:cNvPr id="206" name="Google Shape;206;p17"/>
           <p:cNvSpPr/>
           <p:nvPr/>
         </p:nvSpPr>
@@ -26679,7 +29939,7 @@
       </p:sp>
       <p:sp>
         <p:nvSpPr>
-          <p:cNvPr id="206" name="Google Shape;206;p17"/>
+          <p:cNvPr id="207" name="Google Shape;207;p17"/>
           <p:cNvSpPr txBox="1"/>
           <p:nvPr/>
         </p:nvSpPr>
@@ -26731,7 +29991,7 @@
       </p:sp>
       <p:sp>
         <p:nvSpPr>
-          <p:cNvPr id="207" name="Google Shape;207;p17"/>
+          <p:cNvPr id="208" name="Google Shape;208;p17"/>
           <p:cNvSpPr/>
           <p:nvPr/>
         </p:nvSpPr>
@@ -26789,7 +30049,7 @@
       </p:sp>
       <p:sp>
         <p:nvSpPr>
-          <p:cNvPr id="208" name="Google Shape;208;p17"/>
+          <p:cNvPr id="209" name="Google Shape;209;p17"/>
           <p:cNvSpPr/>
           <p:nvPr/>
         </p:nvSpPr>
@@ -26852,7 +30112,7 @@
       </p:sp>
       <p:sp>
         <p:nvSpPr>
-          <p:cNvPr id="209" name="Google Shape;209;p17"/>
+          <p:cNvPr id="210" name="Google Shape;210;p17"/>
           <p:cNvSpPr/>
           <p:nvPr/>
         </p:nvSpPr>
@@ -26910,7 +30170,7 @@
       </p:sp>
       <p:sp>
         <p:nvSpPr>
-          <p:cNvPr id="210" name="Google Shape;210;p17"/>
+          <p:cNvPr id="211" name="Google Shape;211;p17"/>
           <p:cNvSpPr/>
           <p:nvPr/>
         </p:nvSpPr>
@@ -26968,7 +30228,7 @@
       </p:sp>
       <p:sp>
         <p:nvSpPr>
-          <p:cNvPr id="211" name="Google Shape;211;p17"/>
+          <p:cNvPr id="212" name="Google Shape;212;p17"/>
           <p:cNvSpPr/>
           <p:nvPr/>
         </p:nvSpPr>
@@ -27026,7 +30286,7 @@
       </p:sp>
       <p:sp>
         <p:nvSpPr>
-          <p:cNvPr id="212" name="Google Shape;212;p17"/>
+          <p:cNvPr id="213" name="Google Shape;213;p17"/>
           <p:cNvSpPr/>
           <p:nvPr/>
         </p:nvSpPr>
@@ -27084,7 +30344,7 @@
       </p:sp>
       <p:cxnSp>
         <p:nvCxnSpPr>
-          <p:cNvPr id="213" name="Google Shape;213;p17"/>
+          <p:cNvPr id="214" name="Google Shape;214;p17"/>
           <p:cNvCxnSpPr/>
           <p:nvPr/>
         </p:nvCxnSpPr>
@@ -27110,7 +30370,7 @@
       </p:cxnSp>
       <p:cxnSp>
         <p:nvCxnSpPr>
-          <p:cNvPr id="214" name="Google Shape;214;p17"/>
+          <p:cNvPr id="215" name="Google Shape;215;p17"/>
           <p:cNvCxnSpPr/>
           <p:nvPr/>
         </p:nvCxnSpPr>
@@ -27136,7 +30396,7 @@
       </p:cxnSp>
       <p:cxnSp>
         <p:nvCxnSpPr>
-          <p:cNvPr id="215" name="Google Shape;215;p17"/>
+          <p:cNvPr id="216" name="Google Shape;216;p17"/>
           <p:cNvCxnSpPr/>
           <p:nvPr/>
         </p:nvCxnSpPr>
@@ -27162,7 +30422,7 @@
       </p:cxnSp>
       <p:sp>
         <p:nvSpPr>
-          <p:cNvPr id="216" name="Google Shape;216;p17"/>
+          <p:cNvPr id="217" name="Google Shape;217;p17"/>
           <p:cNvSpPr/>
           <p:nvPr/>
         </p:nvSpPr>
@@ -27215,7 +30475,7 @@
       </p:sp>
       <p:sp>
         <p:nvSpPr>
-          <p:cNvPr id="217" name="Google Shape;217;p17"/>
+          <p:cNvPr id="218" name="Google Shape;218;p17"/>
           <p:cNvSpPr/>
           <p:nvPr/>
         </p:nvSpPr>
@@ -27265,7 +30525,7 @@
       </p:sp>
       <p:sp>
         <p:nvSpPr>
-          <p:cNvPr id="218" name="Google Shape;218;p17"/>
+          <p:cNvPr id="219" name="Google Shape;219;p17"/>
           <p:cNvSpPr txBox="1"/>
           <p:nvPr/>
         </p:nvSpPr>
@@ -27311,7 +30571,7 @@
       </p:sp>
       <p:sp>
         <p:nvSpPr>
-          <p:cNvPr id="219" name="Google Shape;219;p17"/>
+          <p:cNvPr id="220" name="Google Shape;220;p17"/>
           <p:cNvSpPr txBox="1"/>
           <p:nvPr/>
         </p:nvSpPr>
@@ -27357,7 +30617,7 @@
       </p:sp>
       <p:sp>
         <p:nvSpPr>
-          <p:cNvPr id="220" name="Google Shape;220;p17"/>
+          <p:cNvPr id="221" name="Google Shape;221;p17"/>
           <p:cNvSpPr/>
           <p:nvPr/>
         </p:nvSpPr>
@@ -27407,7 +30667,7 @@
       </p:sp>
       <p:sp>
         <p:nvSpPr>
-          <p:cNvPr id="221" name="Google Shape;221;p17"/>
+          <p:cNvPr id="222" name="Google Shape;222;p17"/>
           <p:cNvSpPr txBox="1"/>
           <p:nvPr/>
         </p:nvSpPr>
@@ -27453,7 +30713,7 @@
       </p:sp>
       <p:sp>
         <p:nvSpPr>
-          <p:cNvPr id="222" name="Google Shape;222;p17"/>
+          <p:cNvPr id="223" name="Google Shape;223;p17"/>
           <p:cNvSpPr txBox="1"/>
           <p:nvPr/>
         </p:nvSpPr>
@@ -27543,7 +30803,7 @@
       </p:sp>
       <p:sp>
         <p:nvSpPr>
-          <p:cNvPr id="223" name="Google Shape;223;p17"/>
+          <p:cNvPr id="224" name="Google Shape;224;p17"/>
           <p:cNvSpPr txBox="1"/>
           <p:nvPr/>
         </p:nvSpPr>
@@ -27652,7 +30912,7 @@
       </p:sp>
       <p:sp>
         <p:nvSpPr>
-          <p:cNvPr id="224" name="Google Shape;224;p17"/>
+          <p:cNvPr id="225" name="Google Shape;225;p17"/>
           <p:cNvSpPr txBox="1"/>
           <p:nvPr/>
         </p:nvSpPr>
@@ -27742,10 +31002,10 @@
       </p:sp>
       <p:cxnSp>
         <p:nvCxnSpPr>
-          <p:cNvPr id="225" name="Google Shape;225;p17"/>
+          <p:cNvPr id="226" name="Google Shape;226;p17"/>
           <p:cNvCxnSpPr>
-            <a:stCxn id="195" idx="3"/>
-            <a:endCxn id="200" idx="3"/>
+            <a:stCxn id="196" idx="3"/>
+            <a:endCxn id="201" idx="3"/>
           </p:cNvCxnSpPr>
           <p:nvPr/>
         </p:nvCxnSpPr>
@@ -27773,7 +31033,7 @@
       </p:cxnSp>
       <p:sp>
         <p:nvSpPr>
-          <p:cNvPr id="226" name="Google Shape;226;p17"/>
+          <p:cNvPr id="227" name="Google Shape;227;p17"/>
           <p:cNvSpPr txBox="1"/>
           <p:nvPr/>
         </p:nvSpPr>
@@ -27847,7 +31107,7 @@
       </p:sp>
       <p:sp>
         <p:nvSpPr>
-          <p:cNvPr id="227" name="Google Shape;227;p17"/>
+          <p:cNvPr id="228" name="Google Shape;228;p17"/>
           <p:cNvSpPr txBox="1"/>
           <p:nvPr/>
         </p:nvSpPr>
@@ -27929,7 +31189,7 @@
       </p:sp>
       <p:sp>
         <p:nvSpPr>
-          <p:cNvPr id="228" name="Google Shape;228;p17"/>
+          <p:cNvPr id="229" name="Google Shape;229;p17"/>
           <p:cNvSpPr txBox="1"/>
           <p:nvPr/>
         </p:nvSpPr>
@@ -27979,7 +31239,7 @@
       </p:sp>
       <p:sp>
         <p:nvSpPr>
-          <p:cNvPr id="229" name="Google Shape;229;p17"/>
+          <p:cNvPr id="230" name="Google Shape;230;p17"/>
           <p:cNvSpPr/>
           <p:nvPr/>
         </p:nvSpPr>
@@ -28029,7 +31289,7 @@
       </p:sp>
       <p:sp>
         <p:nvSpPr>
-          <p:cNvPr id="230" name="Google Shape;230;p17"/>
+          <p:cNvPr id="231" name="Google Shape;231;p17"/>
           <p:cNvSpPr txBox="1"/>
           <p:nvPr/>
         </p:nvSpPr>
@@ -28103,7 +31363,7 @@
       </p:sp>
       <p:sp>
         <p:nvSpPr>
-          <p:cNvPr id="231" name="Google Shape;231;p17"/>
+          <p:cNvPr id="232" name="Google Shape;232;p17"/>
           <p:cNvSpPr txBox="1"/>
           <p:nvPr/>
         </p:nvSpPr>
@@ -28138,48 +31398,6 @@
             <a:r>
               <a:rPr lang="en" sz="1000"/>
               <a:t>MM3</a:t>
-            </a:r>
-            <a:endParaRPr sz="1000"/>
-          </a:p>
-        </p:txBody>
-      </p:sp>
-      <p:sp>
-        <p:nvSpPr>
-          <p:cNvPr id="232" name="Google Shape;232;p17"/>
-          <p:cNvSpPr txBox="1"/>
-          <p:nvPr/>
-        </p:nvSpPr>
-        <p:spPr>
-          <a:xfrm>
-            <a:off x="2022452" y="1051375"/>
-            <a:ext cx="639600" cy="346200"/>
-          </a:xfrm>
-          <a:prstGeom prst="rect">
-            <a:avLst/>
-          </a:prstGeom>
-          <a:noFill/>
-          <a:ln>
-            <a:noFill/>
-          </a:ln>
-        </p:spPr>
-        <p:txBody>
-          <a:bodyPr anchorCtr="0" anchor="t" bIns="91425" lIns="91425" spcFirstLastPara="1" rIns="91425" wrap="square" tIns="91425">
-            <a:noAutofit/>
-          </a:bodyPr>
-          <a:lstStyle/>
-          <a:p>
-            <a:pPr indent="0" lvl="0" marL="0" rtl="0" algn="r">
-              <a:spcBef>
-                <a:spcPts val="0"/>
-              </a:spcBef>
-              <a:spcAft>
-                <a:spcPts val="0"/>
-              </a:spcAft>
-              <a:buNone/>
-            </a:pPr>
-            <a:r>
-              <a:rPr lang="en" sz="1000"/>
-              <a:t>MM1</a:t>
             </a:r>
             <a:endParaRPr sz="1000"/>
           </a:p>
@@ -28193,7 +31411,7 @@
         </p:nvSpPr>
         <p:spPr>
           <a:xfrm>
-            <a:off x="3602602" y="2865038"/>
+            <a:off x="2022452" y="1051375"/>
             <a:ext cx="639600" cy="346200"/>
           </a:xfrm>
           <a:prstGeom prst="rect">
@@ -28221,7 +31439,7 @@
             </a:pPr>
             <a:r>
               <a:rPr lang="en" sz="1000"/>
-              <a:t>MM4</a:t>
+              <a:t>MM1</a:t>
             </a:r>
             <a:endParaRPr sz="1000"/>
           </a:p>
@@ -28235,6 +31453,48 @@
         </p:nvSpPr>
         <p:spPr>
           <a:xfrm>
+            <a:off x="3602602" y="2865038"/>
+            <a:ext cx="639600" cy="346200"/>
+          </a:xfrm>
+          <a:prstGeom prst="rect">
+            <a:avLst/>
+          </a:prstGeom>
+          <a:noFill/>
+          <a:ln>
+            <a:noFill/>
+          </a:ln>
+        </p:spPr>
+        <p:txBody>
+          <a:bodyPr anchorCtr="0" anchor="t" bIns="91425" lIns="91425" spcFirstLastPara="1" rIns="91425" wrap="square" tIns="91425">
+            <a:noAutofit/>
+          </a:bodyPr>
+          <a:lstStyle/>
+          <a:p>
+            <a:pPr indent="0" lvl="0" marL="0" rtl="0" algn="r">
+              <a:spcBef>
+                <a:spcPts val="0"/>
+              </a:spcBef>
+              <a:spcAft>
+                <a:spcPts val="0"/>
+              </a:spcAft>
+              <a:buNone/>
+            </a:pPr>
+            <a:r>
+              <a:rPr lang="en" sz="1000"/>
+              <a:t>MM4</a:t>
+            </a:r>
+            <a:endParaRPr sz="1000"/>
+          </a:p>
+        </p:txBody>
+      </p:sp>
+      <p:sp>
+        <p:nvSpPr>
+          <p:cNvPr id="235" name="Google Shape;235;p17"/>
+          <p:cNvSpPr txBox="1"/>
+          <p:nvPr/>
+        </p:nvSpPr>
+        <p:spPr>
+          <a:xfrm>
             <a:off x="-244500" y="3294575"/>
             <a:ext cx="993300" cy="918300"/>
           </a:xfrm>
@@ -28389,7 +31649,7 @@
       </p:sp>
       <p:cxnSp>
         <p:nvCxnSpPr>
-          <p:cNvPr id="235" name="Google Shape;235;p17"/>
+          <p:cNvPr id="236" name="Google Shape;236;p17"/>
           <p:cNvCxnSpPr/>
           <p:nvPr/>
         </p:nvCxnSpPr>
@@ -28415,7 +31675,7 @@
       </p:cxnSp>
       <p:sp>
         <p:nvSpPr>
-          <p:cNvPr id="236" name="Google Shape;236;p17"/>
+          <p:cNvPr id="237" name="Google Shape;237;p17"/>
           <p:cNvSpPr/>
           <p:nvPr/>
         </p:nvSpPr>
@@ -28468,7 +31728,7 @@
       </p:sp>
       <p:sp>
         <p:nvSpPr>
-          <p:cNvPr id="237" name="Google Shape;237;p17"/>
+          <p:cNvPr id="238" name="Google Shape;238;p17"/>
           <p:cNvSpPr txBox="1"/>
           <p:nvPr/>
         </p:nvSpPr>
@@ -28521,7 +31781,7 @@
   <p:cSld>
     <p:spTree>
       <p:nvGrpSpPr>
-        <p:cNvPr id="241" name="Shape 241"/>
+        <p:cNvPr id="242" name="Shape 242"/>
         <p:cNvGrpSpPr/>
         <p:nvPr/>
       </p:nvGrpSpPr>
@@ -28535,7 +31795,7 @@
       </p:grpSpPr>
       <p:graphicFrame>
         <p:nvGraphicFramePr>
-          <p:cNvPr id="242" name="Google Shape;242;p18"/>
+          <p:cNvPr id="243" name="Google Shape;243;p18"/>
           <p:cNvGraphicFramePr/>
           <p:nvPr/>
         </p:nvGraphicFramePr>
@@ -28548,7 +31808,7 @@
             <a:tbl>
               <a:tblPr>
                 <a:noFill/>
-                <a:tableStyleId>{9516BA6F-AA1F-4454-A6A2-C78CDC7ADEBA}</a:tableStyleId>
+                <a:tableStyleId>{3133F2AC-340D-43B4-9B79-CC9FF042F340}</a:tableStyleId>
               </a:tblPr>
               <a:tblGrid>
                 <a:gridCol w="752475"/>
@@ -30213,7 +33473,7 @@
       </p:graphicFrame>
       <p:sp>
         <p:nvSpPr>
-          <p:cNvPr id="243" name="Google Shape;243;p18"/>
+          <p:cNvPr id="244" name="Google Shape;244;p18"/>
           <p:cNvSpPr txBox="1"/>
           <p:nvPr/>
         </p:nvSpPr>
@@ -30263,7 +33523,7 @@
       </p:sp>
       <p:sp>
         <p:nvSpPr>
-          <p:cNvPr id="244" name="Google Shape;244;p18"/>
+          <p:cNvPr id="245" name="Google Shape;245;p18"/>
           <p:cNvSpPr/>
           <p:nvPr/>
         </p:nvSpPr>
@@ -30312,7 +33572,7 @@
       </p:sp>
       <p:sp>
         <p:nvSpPr>
-          <p:cNvPr id="245" name="Google Shape;245;p18"/>
+          <p:cNvPr id="246" name="Google Shape;246;p18"/>
           <p:cNvSpPr/>
           <p:nvPr/>
         </p:nvSpPr>
@@ -30362,7 +33622,7 @@
       </p:sp>
       <p:sp>
         <p:nvSpPr>
-          <p:cNvPr id="246" name="Google Shape;246;p18"/>
+          <p:cNvPr id="247" name="Google Shape;247;p18"/>
           <p:cNvSpPr/>
           <p:nvPr/>
         </p:nvSpPr>
@@ -30423,7 +33683,7 @@
   <p:cSld>
     <p:spTree>
       <p:nvGrpSpPr>
-        <p:cNvPr id="250" name="Shape 250"/>
+        <p:cNvPr id="251" name="Shape 251"/>
         <p:cNvGrpSpPr/>
         <p:nvPr/>
       </p:nvGrpSpPr>
@@ -30437,7 +33697,7 @@
       </p:grpSpPr>
       <p:graphicFrame>
         <p:nvGraphicFramePr>
-          <p:cNvPr id="251" name="Google Shape;251;p19"/>
+          <p:cNvPr id="252" name="Google Shape;252;p19"/>
           <p:cNvGraphicFramePr/>
           <p:nvPr/>
         </p:nvGraphicFramePr>
@@ -30450,7 +33710,7 @@
             <a:tbl>
               <a:tblPr>
                 <a:noFill/>
-                <a:tableStyleId>{9516BA6F-AA1F-4454-A6A2-C78CDC7ADEBA}</a:tableStyleId>
+                <a:tableStyleId>{3133F2AC-340D-43B4-9B79-CC9FF042F340}</a:tableStyleId>
               </a:tblPr>
               <a:tblGrid>
                 <a:gridCol w="476150"/>
@@ -32831,7 +36091,7 @@
       </p:graphicFrame>
       <p:sp>
         <p:nvSpPr>
-          <p:cNvPr id="252" name="Google Shape;252;p19"/>
+          <p:cNvPr id="253" name="Google Shape;253;p19"/>
           <p:cNvSpPr txBox="1"/>
           <p:nvPr/>
         </p:nvSpPr>
@@ -32905,7 +36165,7 @@
       </p:sp>
       <p:sp>
         <p:nvSpPr>
-          <p:cNvPr id="253" name="Google Shape;253;p19"/>
+          <p:cNvPr id="254" name="Google Shape;254;p19"/>
           <p:cNvSpPr/>
           <p:nvPr/>
         </p:nvSpPr>
@@ -32954,7 +36214,7 @@
       </p:sp>
       <p:sp>
         <p:nvSpPr>
-          <p:cNvPr id="254" name="Google Shape;254;p19"/>
+          <p:cNvPr id="255" name="Google Shape;255;p19"/>
           <p:cNvSpPr/>
           <p:nvPr/>
         </p:nvSpPr>
@@ -33004,7 +36264,7 @@
       </p:sp>
       <p:sp>
         <p:nvSpPr>
-          <p:cNvPr id="255" name="Google Shape;255;p19"/>
+          <p:cNvPr id="256" name="Google Shape;256;p19"/>
           <p:cNvSpPr/>
           <p:nvPr/>
         </p:nvSpPr>
@@ -33074,7 +36334,7 @@
   <p:cSld>
     <p:spTree>
       <p:nvGrpSpPr>
-        <p:cNvPr id="259" name="Shape 259"/>
+        <p:cNvPr id="260" name="Shape 260"/>
         <p:cNvGrpSpPr/>
         <p:nvPr/>
       </p:nvGrpSpPr>
@@ -33088,7 +36348,7 @@
       </p:grpSpPr>
       <p:graphicFrame>
         <p:nvGraphicFramePr>
-          <p:cNvPr id="260" name="Google Shape;260;p20"/>
+          <p:cNvPr id="261" name="Google Shape;261;p20"/>
           <p:cNvGraphicFramePr/>
           <p:nvPr/>
         </p:nvGraphicFramePr>
@@ -33101,7 +36361,7 @@
             <a:tbl>
               <a:tblPr>
                 <a:noFill/>
-                <a:tableStyleId>{9516BA6F-AA1F-4454-A6A2-C78CDC7ADEBA}</a:tableStyleId>
+                <a:tableStyleId>{3133F2AC-340D-43B4-9B79-CC9FF042F340}</a:tableStyleId>
               </a:tblPr>
               <a:tblGrid>
                 <a:gridCol w="476150"/>
@@ -35269,7 +38529,7 @@
       </p:graphicFrame>
       <p:sp>
         <p:nvSpPr>
-          <p:cNvPr id="261" name="Google Shape;261;p20"/>
+          <p:cNvPr id="262" name="Google Shape;262;p20"/>
           <p:cNvSpPr txBox="1"/>
           <p:nvPr/>
         </p:nvSpPr>
@@ -35343,7 +38603,7 @@
       </p:sp>
       <p:sp>
         <p:nvSpPr>
-          <p:cNvPr id="262" name="Google Shape;262;p20"/>
+          <p:cNvPr id="263" name="Google Shape;263;p20"/>
           <p:cNvSpPr/>
           <p:nvPr/>
         </p:nvSpPr>
@@ -35413,7 +38673,7 @@
   <p:cSld>
     <p:spTree>
       <p:nvGrpSpPr>
-        <p:cNvPr id="266" name="Shape 266"/>
+        <p:cNvPr id="267" name="Shape 267"/>
         <p:cNvGrpSpPr/>
         <p:nvPr/>
       </p:nvGrpSpPr>
@@ -35427,7 +38687,7 @@
       </p:grpSpPr>
       <p:sp>
         <p:nvSpPr>
-          <p:cNvPr id="267" name="Google Shape;267;p21"/>
+          <p:cNvPr id="268" name="Google Shape;268;p21"/>
           <p:cNvSpPr/>
           <p:nvPr/>
         </p:nvSpPr>
@@ -35481,7 +38741,7 @@
       </p:sp>
       <p:sp>
         <p:nvSpPr>
-          <p:cNvPr id="268" name="Google Shape;268;p21"/>
+          <p:cNvPr id="269" name="Google Shape;269;p21"/>
           <p:cNvSpPr/>
           <p:nvPr/>
         </p:nvSpPr>
@@ -35532,7 +38792,7 @@
       </p:sp>
       <p:sp>
         <p:nvSpPr>
-          <p:cNvPr id="269" name="Google Shape;269;p21"/>
+          <p:cNvPr id="270" name="Google Shape;270;p21"/>
           <p:cNvSpPr/>
           <p:nvPr/>
         </p:nvSpPr>
@@ -35583,7 +38843,7 @@
       </p:sp>
       <p:sp>
         <p:nvSpPr>
-          <p:cNvPr id="270" name="Google Shape;270;p21"/>
+          <p:cNvPr id="271" name="Google Shape;271;p21"/>
           <p:cNvSpPr/>
           <p:nvPr/>
         </p:nvSpPr>
@@ -35634,7 +38894,7 @@
       </p:sp>
       <p:sp>
         <p:nvSpPr>
-          <p:cNvPr id="271" name="Google Shape;271;p21"/>
+          <p:cNvPr id="272" name="Google Shape;272;p21"/>
           <p:cNvSpPr txBox="1"/>
           <p:nvPr/>
         </p:nvSpPr>
@@ -35680,7 +38940,7 @@
       </p:sp>
       <p:cxnSp>
         <p:nvCxnSpPr>
-          <p:cNvPr id="272" name="Google Shape;272;p21"/>
+          <p:cNvPr id="273" name="Google Shape;273;p21"/>
           <p:cNvCxnSpPr/>
           <p:nvPr/>
         </p:nvCxnSpPr>
@@ -35706,7 +38966,7 @@
       </p:cxnSp>
       <p:sp>
         <p:nvSpPr>
-          <p:cNvPr id="273" name="Google Shape;273;p21"/>
+          <p:cNvPr id="274" name="Google Shape;274;p21"/>
           <p:cNvSpPr txBox="1"/>
           <p:nvPr/>
         </p:nvSpPr>
@@ -35794,7 +39054,7 @@
       </p:sp>
       <p:sp>
         <p:nvSpPr>
-          <p:cNvPr id="274" name="Google Shape;274;p21"/>
+          <p:cNvPr id="275" name="Google Shape;275;p21"/>
           <p:cNvSpPr/>
           <p:nvPr/>
         </p:nvSpPr>
@@ -35845,7 +39105,7 @@
       </p:sp>
       <p:sp>
         <p:nvSpPr>
-          <p:cNvPr id="275" name="Google Shape;275;p21"/>
+          <p:cNvPr id="276" name="Google Shape;276;p21"/>
           <p:cNvSpPr/>
           <p:nvPr/>
         </p:nvSpPr>
@@ -35896,7 +39156,7 @@
       </p:sp>
       <p:sp>
         <p:nvSpPr>
-          <p:cNvPr id="276" name="Google Shape;276;p21"/>
+          <p:cNvPr id="277" name="Google Shape;277;p21"/>
           <p:cNvSpPr/>
           <p:nvPr/>
         </p:nvSpPr>
@@ -35947,7 +39207,7 @@
       </p:sp>
       <p:sp>
         <p:nvSpPr>
-          <p:cNvPr id="277" name="Google Shape;277;p21"/>
+          <p:cNvPr id="278" name="Google Shape;278;p21"/>
           <p:cNvSpPr/>
           <p:nvPr/>
         </p:nvSpPr>
@@ -35999,7 +39259,7 @@
       </p:sp>
       <p:cxnSp>
         <p:nvCxnSpPr>
-          <p:cNvPr id="278" name="Google Shape;278;p21"/>
+          <p:cNvPr id="279" name="Google Shape;279;p21"/>
           <p:cNvCxnSpPr/>
           <p:nvPr/>
         </p:nvCxnSpPr>
@@ -36025,7 +39285,7 @@
       </p:cxnSp>
       <p:sp>
         <p:nvSpPr>
-          <p:cNvPr id="279" name="Google Shape;279;p21"/>
+          <p:cNvPr id="280" name="Google Shape;280;p21"/>
           <p:cNvSpPr/>
           <p:nvPr/>
         </p:nvSpPr>
@@ -36077,7 +39337,7 @@
       </p:sp>
       <p:cxnSp>
         <p:nvCxnSpPr>
-          <p:cNvPr id="280" name="Google Shape;280;p21"/>
+          <p:cNvPr id="281" name="Google Shape;281;p21"/>
           <p:cNvCxnSpPr/>
           <p:nvPr/>
         </p:nvCxnSpPr>
@@ -36103,7 +39363,7 @@
       </p:cxnSp>
       <p:sp>
         <p:nvSpPr>
-          <p:cNvPr id="281" name="Google Shape;281;p21"/>
+          <p:cNvPr id="282" name="Google Shape;282;p21"/>
           <p:cNvSpPr/>
           <p:nvPr/>
         </p:nvSpPr>
@@ -36155,7 +39415,7 @@
       </p:sp>
       <p:cxnSp>
         <p:nvCxnSpPr>
-          <p:cNvPr id="282" name="Google Shape;282;p21"/>
+          <p:cNvPr id="283" name="Google Shape;283;p21"/>
           <p:cNvCxnSpPr/>
           <p:nvPr/>
         </p:nvCxnSpPr>
@@ -36181,7 +39441,7 @@
       </p:cxnSp>
       <p:cxnSp>
         <p:nvCxnSpPr>
-          <p:cNvPr id="283" name="Google Shape;283;p21"/>
+          <p:cNvPr id="284" name="Google Shape;284;p21"/>
           <p:cNvCxnSpPr/>
           <p:nvPr/>
         </p:nvCxnSpPr>
@@ -36207,7 +39467,7 @@
       </p:cxnSp>
       <p:sp>
         <p:nvSpPr>
-          <p:cNvPr id="284" name="Google Shape;284;p21"/>
+          <p:cNvPr id="285" name="Google Shape;285;p21"/>
           <p:cNvSpPr txBox="1"/>
           <p:nvPr/>
         </p:nvSpPr>
@@ -36249,7 +39509,7 @@
       </p:sp>
       <p:cxnSp>
         <p:nvCxnSpPr>
-          <p:cNvPr id="285" name="Google Shape;285;p21"/>
+          <p:cNvPr id="286" name="Google Shape;286;p21"/>
           <p:cNvCxnSpPr/>
           <p:nvPr/>
         </p:nvCxnSpPr>
@@ -36275,7 +39535,7 @@
       </p:cxnSp>
       <p:cxnSp>
         <p:nvCxnSpPr>
-          <p:cNvPr id="286" name="Google Shape;286;p21"/>
+          <p:cNvPr id="287" name="Google Shape;287;p21"/>
           <p:cNvCxnSpPr/>
           <p:nvPr/>
         </p:nvCxnSpPr>
@@ -36301,7 +39561,7 @@
       </p:cxnSp>
       <p:sp>
         <p:nvSpPr>
-          <p:cNvPr id="287" name="Google Shape;287;p21"/>
+          <p:cNvPr id="288" name="Google Shape;288;p21"/>
           <p:cNvSpPr txBox="1"/>
           <p:nvPr/>
         </p:nvSpPr>
@@ -36343,7 +39603,7 @@
       </p:sp>
       <p:sp>
         <p:nvSpPr>
-          <p:cNvPr id="288" name="Google Shape;288;p21"/>
+          <p:cNvPr id="289" name="Google Shape;289;p21"/>
           <p:cNvSpPr txBox="1"/>
           <p:nvPr/>
         </p:nvSpPr>
@@ -36385,7 +39645,7 @@
       </p:sp>
       <p:sp>
         <p:nvSpPr>
-          <p:cNvPr id="289" name="Google Shape;289;p21"/>
+          <p:cNvPr id="290" name="Google Shape;290;p21"/>
           <p:cNvSpPr/>
           <p:nvPr/>
         </p:nvSpPr>
@@ -36438,7 +39698,7 @@
       </p:sp>
       <p:sp>
         <p:nvSpPr>
-          <p:cNvPr id="290" name="Google Shape;290;p21"/>
+          <p:cNvPr id="291" name="Google Shape;291;p21"/>
           <p:cNvSpPr txBox="1"/>
           <p:nvPr/>
         </p:nvSpPr>
@@ -36480,7 +39740,7 @@
       </p:sp>
       <p:sp>
         <p:nvSpPr>
-          <p:cNvPr id="291" name="Google Shape;291;p21"/>
+          <p:cNvPr id="292" name="Google Shape;292;p21"/>
           <p:cNvSpPr txBox="1"/>
           <p:nvPr/>
         </p:nvSpPr>
@@ -36545,7 +39805,7 @@
       </p:sp>
       <p:cxnSp>
         <p:nvCxnSpPr>
-          <p:cNvPr id="292" name="Google Shape;292;p21"/>
+          <p:cNvPr id="293" name="Google Shape;293;p21"/>
           <p:cNvCxnSpPr/>
           <p:nvPr/>
         </p:nvCxnSpPr>
@@ -36571,7 +39831,7 @@
       </p:cxnSp>
       <p:sp>
         <p:nvSpPr>
-          <p:cNvPr id="293" name="Google Shape;293;p21"/>
+          <p:cNvPr id="294" name="Google Shape;294;p21"/>
           <p:cNvSpPr txBox="1"/>
           <p:nvPr/>
         </p:nvSpPr>
@@ -36613,7 +39873,7 @@
       </p:sp>
       <p:cxnSp>
         <p:nvCxnSpPr>
-          <p:cNvPr id="294" name="Google Shape;294;p21"/>
+          <p:cNvPr id="295" name="Google Shape;295;p21"/>
           <p:cNvCxnSpPr/>
           <p:nvPr/>
         </p:nvCxnSpPr>
@@ -36639,7 +39899,7 @@
       </p:cxnSp>
       <p:cxnSp>
         <p:nvCxnSpPr>
-          <p:cNvPr id="295" name="Google Shape;295;p21"/>
+          <p:cNvPr id="296" name="Google Shape;296;p21"/>
           <p:cNvCxnSpPr/>
           <p:nvPr/>
         </p:nvCxnSpPr>
@@ -36665,7 +39925,7 @@
       </p:cxnSp>
       <p:sp>
         <p:nvSpPr>
-          <p:cNvPr id="296" name="Google Shape;296;p21"/>
+          <p:cNvPr id="297" name="Google Shape;297;p21"/>
           <p:cNvSpPr txBox="1"/>
           <p:nvPr/>
         </p:nvSpPr>
@@ -36707,7 +39967,7 @@
       </p:sp>
       <p:cxnSp>
         <p:nvCxnSpPr>
-          <p:cNvPr id="297" name="Google Shape;297;p21"/>
+          <p:cNvPr id="298" name="Google Shape;298;p21"/>
           <p:cNvCxnSpPr/>
           <p:nvPr/>
         </p:nvCxnSpPr>
@@ -36733,7 +39993,7 @@
       </p:cxnSp>
       <p:sp>
         <p:nvSpPr>
-          <p:cNvPr id="298" name="Google Shape;298;p21"/>
+          <p:cNvPr id="299" name="Google Shape;299;p21"/>
           <p:cNvSpPr txBox="1"/>
           <p:nvPr/>
         </p:nvSpPr>
@@ -36775,7 +40035,7 @@
       </p:sp>
       <p:cxnSp>
         <p:nvCxnSpPr>
-          <p:cNvPr id="299" name="Google Shape;299;p21"/>
+          <p:cNvPr id="300" name="Google Shape;300;p21"/>
           <p:cNvCxnSpPr/>
           <p:nvPr/>
         </p:nvCxnSpPr>
@@ -36801,7 +40061,7 @@
       </p:cxnSp>
       <p:sp>
         <p:nvSpPr>
-          <p:cNvPr id="300" name="Google Shape;300;p21"/>
+          <p:cNvPr id="301" name="Google Shape;301;p21"/>
           <p:cNvSpPr/>
           <p:nvPr/>
         </p:nvSpPr>
@@ -36854,7 +40114,7 @@
       </p:sp>
       <p:sp>
         <p:nvSpPr>
-          <p:cNvPr id="301" name="Google Shape;301;p21"/>
+          <p:cNvPr id="302" name="Google Shape;302;p21"/>
           <p:cNvSpPr txBox="1"/>
           <p:nvPr/>
         </p:nvSpPr>
@@ -36896,7 +40156,7 @@
       </p:sp>
       <p:sp>
         <p:nvSpPr>
-          <p:cNvPr id="302" name="Google Shape;302;p21"/>
+          <p:cNvPr id="303" name="Google Shape;303;p21"/>
           <p:cNvSpPr/>
           <p:nvPr/>
         </p:nvSpPr>
@@ -36948,7 +40208,7 @@
       </p:sp>
       <p:cxnSp>
         <p:nvCxnSpPr>
-          <p:cNvPr id="303" name="Google Shape;303;p21"/>
+          <p:cNvPr id="304" name="Google Shape;304;p21"/>
           <p:cNvCxnSpPr/>
           <p:nvPr/>
         </p:nvCxnSpPr>
@@ -36974,7 +40234,7 @@
       </p:cxnSp>
       <p:sp>
         <p:nvSpPr>
-          <p:cNvPr id="304" name="Google Shape;304;p21"/>
+          <p:cNvPr id="305" name="Google Shape;305;p21"/>
           <p:cNvSpPr/>
           <p:nvPr/>
         </p:nvSpPr>
@@ -37026,7 +40286,7 @@
       </p:sp>
       <p:cxnSp>
         <p:nvCxnSpPr>
-          <p:cNvPr id="305" name="Google Shape;305;p21"/>
+          <p:cNvPr id="306" name="Google Shape;306;p21"/>
           <p:cNvCxnSpPr/>
           <p:nvPr/>
         </p:nvCxnSpPr>
@@ -37052,7 +40312,7 @@
       </p:cxnSp>
       <p:sp>
         <p:nvSpPr>
-          <p:cNvPr id="306" name="Google Shape;306;p21"/>
+          <p:cNvPr id="307" name="Google Shape;307;p21"/>
           <p:cNvSpPr/>
           <p:nvPr/>
         </p:nvSpPr>
@@ -37104,7 +40364,7 @@
       </p:sp>
       <p:cxnSp>
         <p:nvCxnSpPr>
-          <p:cNvPr id="307" name="Google Shape;307;p21"/>
+          <p:cNvPr id="308" name="Google Shape;308;p21"/>
           <p:cNvCxnSpPr/>
           <p:nvPr/>
         </p:nvCxnSpPr>
@@ -37130,7 +40390,7 @@
       </p:cxnSp>
       <p:sp>
         <p:nvSpPr>
-          <p:cNvPr id="308" name="Google Shape;308;p21"/>
+          <p:cNvPr id="309" name="Google Shape;309;p21"/>
           <p:cNvSpPr/>
           <p:nvPr/>
         </p:nvSpPr>
@@ -37182,7 +40442,7 @@
       </p:sp>
       <p:cxnSp>
         <p:nvCxnSpPr>
-          <p:cNvPr id="309" name="Google Shape;309;p21"/>
+          <p:cNvPr id="310" name="Google Shape;310;p21"/>
           <p:cNvCxnSpPr/>
           <p:nvPr/>
         </p:nvCxnSpPr>
@@ -37208,7 +40468,7 @@
       </p:cxnSp>
       <p:cxnSp>
         <p:nvCxnSpPr>
-          <p:cNvPr id="310" name="Google Shape;310;p21"/>
+          <p:cNvPr id="311" name="Google Shape;311;p21"/>
           <p:cNvCxnSpPr/>
           <p:nvPr/>
         </p:nvCxnSpPr>
@@ -37234,7 +40494,7 @@
       </p:cxnSp>
       <p:sp>
         <p:nvSpPr>
-          <p:cNvPr id="311" name="Google Shape;311;p21"/>
+          <p:cNvPr id="312" name="Google Shape;312;p21"/>
           <p:cNvSpPr txBox="1"/>
           <p:nvPr/>
         </p:nvSpPr>
@@ -37276,7 +40536,7 @@
       </p:sp>
       <p:cxnSp>
         <p:nvCxnSpPr>
-          <p:cNvPr id="312" name="Google Shape;312;p21"/>
+          <p:cNvPr id="313" name="Google Shape;313;p21"/>
           <p:cNvCxnSpPr/>
           <p:nvPr/>
         </p:nvCxnSpPr>
@@ -37302,7 +40562,7 @@
       </p:cxnSp>
       <p:cxnSp>
         <p:nvCxnSpPr>
-          <p:cNvPr id="313" name="Google Shape;313;p21"/>
+          <p:cNvPr id="314" name="Google Shape;314;p21"/>
           <p:cNvCxnSpPr/>
           <p:nvPr/>
         </p:nvCxnSpPr>
@@ -37328,7 +40588,7 @@
       </p:cxnSp>
       <p:sp>
         <p:nvSpPr>
-          <p:cNvPr id="314" name="Google Shape;314;p21"/>
+          <p:cNvPr id="315" name="Google Shape;315;p21"/>
           <p:cNvSpPr txBox="1"/>
           <p:nvPr/>
         </p:nvSpPr>
@@ -37370,7 +40630,7 @@
       </p:sp>
       <p:sp>
         <p:nvSpPr>
-          <p:cNvPr id="315" name="Google Shape;315;p21"/>
+          <p:cNvPr id="316" name="Google Shape;316;p21"/>
           <p:cNvSpPr/>
           <p:nvPr/>
         </p:nvSpPr>
@@ -37423,7 +40683,7 @@
       </p:sp>
       <p:sp>
         <p:nvSpPr>
-          <p:cNvPr id="316" name="Google Shape;316;p21"/>
+          <p:cNvPr id="317" name="Google Shape;317;p21"/>
           <p:cNvSpPr txBox="1"/>
           <p:nvPr/>
         </p:nvSpPr>
@@ -37465,7 +40725,7 @@
       </p:sp>
       <p:cxnSp>
         <p:nvCxnSpPr>
-          <p:cNvPr id="317" name="Google Shape;317;p21"/>
+          <p:cNvPr id="318" name="Google Shape;318;p21"/>
           <p:cNvCxnSpPr/>
           <p:nvPr/>
         </p:nvCxnSpPr>
@@ -37491,7 +40751,7 @@
       </p:cxnSp>
       <p:sp>
         <p:nvSpPr>
-          <p:cNvPr id="318" name="Google Shape;318;p21"/>
+          <p:cNvPr id="319" name="Google Shape;319;p21"/>
           <p:cNvSpPr txBox="1"/>
           <p:nvPr/>
         </p:nvSpPr>
@@ -37533,7 +40793,7 @@
       </p:sp>
       <p:cxnSp>
         <p:nvCxnSpPr>
-          <p:cNvPr id="319" name="Google Shape;319;p21"/>
+          <p:cNvPr id="320" name="Google Shape;320;p21"/>
           <p:cNvCxnSpPr/>
           <p:nvPr/>
         </p:nvCxnSpPr>
@@ -37559,7 +40819,7 @@
       </p:cxnSp>
       <p:sp>
         <p:nvSpPr>
-          <p:cNvPr id="320" name="Google Shape;320;p21"/>
+          <p:cNvPr id="321" name="Google Shape;321;p21"/>
           <p:cNvSpPr txBox="1"/>
           <p:nvPr/>
         </p:nvSpPr>
@@ -37601,7 +40861,7 @@
       </p:sp>
       <p:sp>
         <p:nvSpPr>
-          <p:cNvPr id="321" name="Google Shape;321;p21"/>
+          <p:cNvPr id="322" name="Google Shape;322;p21"/>
           <p:cNvSpPr txBox="1"/>
           <p:nvPr/>
         </p:nvSpPr>
@@ -37661,7 +40921,7 @@
       </p:sp>
       <p:cxnSp>
         <p:nvCxnSpPr>
-          <p:cNvPr id="322" name="Google Shape;322;p21"/>
+          <p:cNvPr id="323" name="Google Shape;323;p21"/>
           <p:cNvCxnSpPr/>
           <p:nvPr/>
         </p:nvCxnSpPr>
@@ -37687,7 +40947,7 @@
       </p:cxnSp>
       <p:sp>
         <p:nvSpPr>
-          <p:cNvPr id="323" name="Google Shape;323;p21"/>
+          <p:cNvPr id="324" name="Google Shape;324;p21"/>
           <p:cNvSpPr txBox="1"/>
           <p:nvPr/>
         </p:nvSpPr>
@@ -37729,7 +40989,7 @@
       </p:sp>
       <p:cxnSp>
         <p:nvCxnSpPr>
-          <p:cNvPr id="324" name="Google Shape;324;p21"/>
+          <p:cNvPr id="325" name="Google Shape;325;p21"/>
           <p:cNvCxnSpPr/>
           <p:nvPr/>
         </p:nvCxnSpPr>
@@ -37755,7 +41015,7 @@
       </p:cxnSp>
       <p:cxnSp>
         <p:nvCxnSpPr>
-          <p:cNvPr id="325" name="Google Shape;325;p21"/>
+          <p:cNvPr id="326" name="Google Shape;326;p21"/>
           <p:cNvCxnSpPr/>
           <p:nvPr/>
         </p:nvCxnSpPr>
@@ -37781,7 +41041,7 @@
       </p:cxnSp>
       <p:sp>
         <p:nvSpPr>
-          <p:cNvPr id="326" name="Google Shape;326;p21"/>
+          <p:cNvPr id="327" name="Google Shape;327;p21"/>
           <p:cNvSpPr txBox="1"/>
           <p:nvPr/>
         </p:nvSpPr>
@@ -37823,7 +41083,7 @@
       </p:sp>
       <p:cxnSp>
         <p:nvCxnSpPr>
-          <p:cNvPr id="327" name="Google Shape;327;p21"/>
+          <p:cNvPr id="328" name="Google Shape;328;p21"/>
           <p:cNvCxnSpPr/>
           <p:nvPr/>
         </p:nvCxnSpPr>
@@ -37849,7 +41109,7 @@
       </p:cxnSp>
       <p:sp>
         <p:nvSpPr>
-          <p:cNvPr id="328" name="Google Shape;328;p21"/>
+          <p:cNvPr id="329" name="Google Shape;329;p21"/>
           <p:cNvSpPr txBox="1"/>
           <p:nvPr/>
         </p:nvSpPr>
@@ -37891,7 +41151,7 @@
       </p:sp>
       <p:sp>
         <p:nvSpPr>
-          <p:cNvPr id="329" name="Google Shape;329;p21"/>
+          <p:cNvPr id="330" name="Google Shape;330;p21"/>
           <p:cNvSpPr txBox="1"/>
           <p:nvPr/>
         </p:nvSpPr>
@@ -37933,7 +41193,7 @@
       </p:sp>
       <p:cxnSp>
         <p:nvCxnSpPr>
-          <p:cNvPr id="330" name="Google Shape;330;p21"/>
+          <p:cNvPr id="331" name="Google Shape;331;p21"/>
           <p:cNvCxnSpPr/>
           <p:nvPr/>
         </p:nvCxnSpPr>
@@ -37959,7 +41219,7 @@
       </p:cxnSp>
       <p:sp>
         <p:nvSpPr>
-          <p:cNvPr id="331" name="Google Shape;331;p21"/>
+          <p:cNvPr id="332" name="Google Shape;332;p21"/>
           <p:cNvSpPr txBox="1"/>
           <p:nvPr/>
         </p:nvSpPr>
@@ -38001,7 +41261,7 @@
       </p:sp>
       <p:cxnSp>
         <p:nvCxnSpPr>
-          <p:cNvPr id="332" name="Google Shape;332;p21"/>
+          <p:cNvPr id="333" name="Google Shape;333;p21"/>
           <p:cNvCxnSpPr/>
           <p:nvPr/>
         </p:nvCxnSpPr>
@@ -38027,7 +41287,7 @@
       </p:cxnSp>
       <p:sp>
         <p:nvSpPr>
-          <p:cNvPr id="333" name="Google Shape;333;p21"/>
+          <p:cNvPr id="334" name="Google Shape;334;p21"/>
           <p:cNvSpPr txBox="1"/>
           <p:nvPr/>
         </p:nvSpPr>
@@ -38109,7 +41369,7 @@
       </p:sp>
       <p:cxnSp>
         <p:nvCxnSpPr>
-          <p:cNvPr id="334" name="Google Shape;334;p21"/>
+          <p:cNvPr id="335" name="Google Shape;335;p21"/>
           <p:cNvCxnSpPr/>
           <p:nvPr/>
         </p:nvCxnSpPr>
@@ -38135,7 +41395,7 @@
       </p:cxnSp>
       <p:cxnSp>
         <p:nvCxnSpPr>
-          <p:cNvPr id="335" name="Google Shape;335;p21"/>
+          <p:cNvPr id="336" name="Google Shape;336;p21"/>
           <p:cNvCxnSpPr/>
           <p:nvPr/>
         </p:nvCxnSpPr>
@@ -38161,7 +41421,7 @@
       </p:cxnSp>
       <p:sp>
         <p:nvSpPr>
-          <p:cNvPr id="336" name="Google Shape;336;p21"/>
+          <p:cNvPr id="337" name="Google Shape;337;p21"/>
           <p:cNvSpPr txBox="1"/>
           <p:nvPr/>
         </p:nvSpPr>
@@ -38203,7 +41463,7 @@
       </p:sp>
       <p:cxnSp>
         <p:nvCxnSpPr>
-          <p:cNvPr id="337" name="Google Shape;337;p21"/>
+          <p:cNvPr id="338" name="Google Shape;338;p21"/>
           <p:cNvCxnSpPr/>
           <p:nvPr/>
         </p:nvCxnSpPr>
@@ -38229,7 +41489,7 @@
       </p:cxnSp>
       <p:sp>
         <p:nvSpPr>
-          <p:cNvPr id="338" name="Google Shape;338;p21"/>
+          <p:cNvPr id="339" name="Google Shape;339;p21"/>
           <p:cNvSpPr txBox="1"/>
           <p:nvPr/>
         </p:nvSpPr>
@@ -38293,7 +41553,7 @@
       </p:sp>
       <p:cxnSp>
         <p:nvCxnSpPr>
-          <p:cNvPr id="339" name="Google Shape;339;p21"/>
+          <p:cNvPr id="340" name="Google Shape;340;p21"/>
           <p:cNvCxnSpPr/>
           <p:nvPr/>
         </p:nvCxnSpPr>
@@ -38319,7 +41579,7 @@
       </p:cxnSp>
       <p:sp>
         <p:nvSpPr>
-          <p:cNvPr id="340" name="Google Shape;340;p21"/>
+          <p:cNvPr id="341" name="Google Shape;341;p21"/>
           <p:cNvSpPr txBox="1"/>
           <p:nvPr/>
         </p:nvSpPr>
@@ -38361,7 +41621,7 @@
       </p:sp>
       <p:sp>
         <p:nvSpPr>
-          <p:cNvPr id="341" name="Google Shape;341;p21"/>
+          <p:cNvPr id="342" name="Google Shape;342;p21"/>
           <p:cNvSpPr txBox="1"/>
           <p:nvPr/>
         </p:nvSpPr>
@@ -38449,7 +41709,7 @@
       </p:sp>
       <p:sp>
         <p:nvSpPr>
-          <p:cNvPr id="342" name="Google Shape;342;p21"/>
+          <p:cNvPr id="343" name="Google Shape;343;p21"/>
           <p:cNvSpPr/>
           <p:nvPr/>
         </p:nvSpPr>
